--- a/QESOFT-TP2-Grupo12-Apresentacao.pptx
+++ b/QESOFT-TP2-Grupo12-Apresentacao.pptx
@@ -5,37 +5,38 @@
     <p:sldMasterId id="2147483658" r:id="rId1"/>
   </p:sldMasterIdLst>
   <p:notesMasterIdLst>
-    <p:notesMasterId r:id="rId13"/>
+    <p:notesMasterId r:id="rId14"/>
   </p:notesMasterIdLst>
   <p:sldIdLst>
     <p:sldId id="256" r:id="rId2"/>
     <p:sldId id="257" r:id="rId3"/>
     <p:sldId id="261" r:id="rId4"/>
     <p:sldId id="263" r:id="rId5"/>
-    <p:sldId id="290" r:id="rId6"/>
-    <p:sldId id="292" r:id="rId7"/>
-    <p:sldId id="293" r:id="rId8"/>
-    <p:sldId id="269" r:id="rId9"/>
-    <p:sldId id="288" r:id="rId10"/>
-    <p:sldId id="289" r:id="rId11"/>
-    <p:sldId id="280" r:id="rId12"/>
+    <p:sldId id="294" r:id="rId6"/>
+    <p:sldId id="295" r:id="rId7"/>
+    <p:sldId id="290" r:id="rId8"/>
+    <p:sldId id="292" r:id="rId9"/>
+    <p:sldId id="293" r:id="rId10"/>
+    <p:sldId id="269" r:id="rId11"/>
+    <p:sldId id="288" r:id="rId12"/>
+    <p:sldId id="280" r:id="rId13"/>
   </p:sldIdLst>
   <p:sldSz cx="9144000" cy="5143500" type="screen16x9"/>
   <p:notesSz cx="6858000" cy="9144000"/>
   <p:embeddedFontLst>
     <p:embeddedFont>
       <p:font typeface="Lora" panose="020B0604020202020204" charset="0"/>
-      <p:regular r:id="rId14"/>
-      <p:bold r:id="rId15"/>
-      <p:italic r:id="rId16"/>
-      <p:boldItalic r:id="rId17"/>
+      <p:regular r:id="rId15"/>
+      <p:bold r:id="rId16"/>
+      <p:italic r:id="rId17"/>
+      <p:boldItalic r:id="rId18"/>
     </p:embeddedFont>
     <p:embeddedFont>
       <p:font typeface="Quattrocento Sans" panose="020B0604020202020204" charset="0"/>
-      <p:regular r:id="rId18"/>
-      <p:bold r:id="rId19"/>
-      <p:italic r:id="rId20"/>
-      <p:boldItalic r:id="rId21"/>
+      <p:regular r:id="rId19"/>
+      <p:bold r:id="rId20"/>
+      <p:italic r:id="rId21"/>
+      <p:boldItalic r:id="rId22"/>
     </p:embeddedFont>
   </p:embeddedFontLst>
   <p:defaultTextStyle>
@@ -2244,10 +2245,6 @@
               </a:spcAft>
               <a:buNone/>
             </a:pPr>
-            <a:r>
-              <a:rPr lang="pt-PT" dirty="0"/>
-              <a:t>Introdução: vamos começar por falar do tópico de investigação escolhido e do porquê de o termos selecionado, vamos falar da organização do trabalho e de como foi estruturado e desenvolvido, e depois passar para a apresentação dos resultados de ambas as revisões de literatura e daí tirar algumas conclusões.</a:t>
-            </a:r>
             <a:endParaRPr dirty="0"/>
           </a:p>
         </p:txBody>
@@ -2577,7 +2574,7 @@
   <p:cSld>
     <p:spTree>
       <p:nvGrpSpPr>
-        <p:cNvPr id="1" name="Shape 258"/>
+        <p:cNvPr id="1" name="Shape 153"/>
         <p:cNvGrpSpPr/>
         <p:nvPr/>
       </p:nvGrpSpPr>
@@ -2591,7 +2588,7 @@
       </p:grpSpPr>
       <p:sp>
         <p:nvSpPr>
-          <p:cNvPr id="259" name="Google Shape;259;g35f391192_085:notes"/>
+          <p:cNvPr id="154" name="Google Shape;154;g35f391192_017:notes"/>
           <p:cNvSpPr>
             <a:spLocks noGrp="1" noRot="1" noChangeAspect="1"/>
           </p:cNvSpPr>
@@ -2632,7 +2629,7 @@
       </p:sp>
       <p:sp>
         <p:nvSpPr>
-          <p:cNvPr id="260" name="Google Shape;260;g35f391192_085:notes"/>
+          <p:cNvPr id="155" name="Google Shape;155;g35f391192_017:notes"/>
           <p:cNvSpPr txBox="1">
             <a:spLocks noGrp="1"/>
           </p:cNvSpPr>
@@ -2671,7 +2668,7 @@
     </p:spTree>
     <p:extLst>
       <p:ext uri="{BB962C8B-B14F-4D97-AF65-F5344CB8AC3E}">
-        <p14:creationId xmlns:p14="http://schemas.microsoft.com/office/powerpoint/2010/main" val="1546976517"/>
+        <p14:creationId xmlns:p14="http://schemas.microsoft.com/office/powerpoint/2010/main" val="223784824"/>
       </p:ext>
     </p:extLst>
   </p:cSld>
@@ -2682,6 +2679,115 @@
 </file>
 
 <file path=ppt/notesSlides/notesSlide6.xml><?xml version="1.0" encoding="utf-8"?>
+<p:notes xmlns:a="http://schemas.openxmlformats.org/drawingml/2006/main" xmlns:r="http://schemas.openxmlformats.org/officeDocument/2006/relationships" xmlns:p="http://schemas.openxmlformats.org/presentationml/2006/main" showMasterSp="0" showMasterPhAnim="0">
+  <p:cSld>
+    <p:spTree>
+      <p:nvGrpSpPr>
+        <p:cNvPr id="1" name="Shape 153"/>
+        <p:cNvGrpSpPr/>
+        <p:nvPr/>
+      </p:nvGrpSpPr>
+      <p:grpSpPr>
+        <a:xfrm>
+          <a:off x="0" y="0"/>
+          <a:ext cx="0" cy="0"/>
+          <a:chOff x="0" y="0"/>
+          <a:chExt cx="0" cy="0"/>
+        </a:xfrm>
+      </p:grpSpPr>
+      <p:sp>
+        <p:nvSpPr>
+          <p:cNvPr id="154" name="Google Shape;154;g35f391192_017:notes"/>
+          <p:cNvSpPr>
+            <a:spLocks noGrp="1" noRot="1" noChangeAspect="1"/>
+          </p:cNvSpPr>
+          <p:nvPr>
+            <p:ph type="sldImg" idx="2"/>
+          </p:nvPr>
+        </p:nvSpPr>
+        <p:spPr>
+          <a:xfrm>
+            <a:off x="381000" y="685800"/>
+            <a:ext cx="6096000" cy="3429000"/>
+          </a:xfrm>
+          <a:custGeom>
+            <a:avLst/>
+            <a:gdLst/>
+            <a:ahLst/>
+            <a:cxnLst/>
+            <a:rect l="l" t="t" r="r" b="b"/>
+            <a:pathLst>
+              <a:path w="120000" h="120000" extrusionOk="0">
+                <a:moveTo>
+                  <a:pt x="0" y="0"/>
+                </a:moveTo>
+                <a:lnTo>
+                  <a:pt x="120000" y="0"/>
+                </a:lnTo>
+                <a:lnTo>
+                  <a:pt x="120000" y="120000"/>
+                </a:lnTo>
+                <a:lnTo>
+                  <a:pt x="0" y="120000"/>
+                </a:lnTo>
+                <a:close/>
+              </a:path>
+            </a:pathLst>
+          </a:custGeom>
+        </p:spPr>
+      </p:sp>
+      <p:sp>
+        <p:nvSpPr>
+          <p:cNvPr id="155" name="Google Shape;155;g35f391192_017:notes"/>
+          <p:cNvSpPr txBox="1">
+            <a:spLocks noGrp="1"/>
+          </p:cNvSpPr>
+          <p:nvPr>
+            <p:ph type="body" idx="1"/>
+          </p:nvPr>
+        </p:nvSpPr>
+        <p:spPr>
+          <a:xfrm>
+            <a:off x="685800" y="4343400"/>
+            <a:ext cx="5486400" cy="4114800"/>
+          </a:xfrm>
+          <a:prstGeom prst="rect">
+            <a:avLst/>
+          </a:prstGeom>
+        </p:spPr>
+        <p:txBody>
+          <a:bodyPr spcFirstLastPara="1" wrap="square" lIns="91425" tIns="91425" rIns="91425" bIns="91425" anchor="t" anchorCtr="0">
+            <a:noAutofit/>
+          </a:bodyPr>
+          <a:lstStyle/>
+          <a:p>
+            <a:pPr marL="0" lvl="0" indent="0" algn="l" rtl="0">
+              <a:spcBef>
+                <a:spcPts val="0"/>
+              </a:spcBef>
+              <a:spcAft>
+                <a:spcPts val="0"/>
+              </a:spcAft>
+              <a:buNone/>
+            </a:pPr>
+            <a:endParaRPr/>
+          </a:p>
+        </p:txBody>
+      </p:sp>
+    </p:spTree>
+    <p:extLst>
+      <p:ext uri="{BB962C8B-B14F-4D97-AF65-F5344CB8AC3E}">
+        <p14:creationId xmlns:p14="http://schemas.microsoft.com/office/powerpoint/2010/main" val="4258877260"/>
+      </p:ext>
+    </p:extLst>
+  </p:cSld>
+  <p:clrMapOvr>
+    <a:masterClrMapping/>
+  </p:clrMapOvr>
+</p:notes>
+</file>
+
+<file path=ppt/notesSlides/notesSlide7.xml><?xml version="1.0" encoding="utf-8"?>
 <p:notes xmlns:a="http://schemas.openxmlformats.org/drawingml/2006/main" xmlns:r="http://schemas.openxmlformats.org/officeDocument/2006/relationships" xmlns:p="http://schemas.openxmlformats.org/presentationml/2006/main" showMasterSp="0" showMasterPhAnim="0">
   <p:cSld>
     <p:spTree>
@@ -2778,6 +2884,11 @@
         </p:txBody>
       </p:sp>
     </p:spTree>
+    <p:extLst>
+      <p:ext uri="{BB962C8B-B14F-4D97-AF65-F5344CB8AC3E}">
+        <p14:creationId xmlns:p14="http://schemas.microsoft.com/office/powerpoint/2010/main" val="1546976517"/>
+      </p:ext>
+    </p:extLst>
   </p:cSld>
   <p:clrMapOvr>
     <a:masterClrMapping/>
@@ -2785,7 +2896,111 @@
 </p:notes>
 </file>
 
-<file path=ppt/notesSlides/notesSlide7.xml><?xml version="1.0" encoding="utf-8"?>
+<file path=ppt/notesSlides/notesSlide8.xml><?xml version="1.0" encoding="utf-8"?>
+<p:notes xmlns:a="http://schemas.openxmlformats.org/drawingml/2006/main" xmlns:r="http://schemas.openxmlformats.org/officeDocument/2006/relationships" xmlns:p="http://schemas.openxmlformats.org/presentationml/2006/main" showMasterSp="0" showMasterPhAnim="0">
+  <p:cSld>
+    <p:spTree>
+      <p:nvGrpSpPr>
+        <p:cNvPr id="1" name="Shape 258"/>
+        <p:cNvGrpSpPr/>
+        <p:nvPr/>
+      </p:nvGrpSpPr>
+      <p:grpSpPr>
+        <a:xfrm>
+          <a:off x="0" y="0"/>
+          <a:ext cx="0" cy="0"/>
+          <a:chOff x="0" y="0"/>
+          <a:chExt cx="0" cy="0"/>
+        </a:xfrm>
+      </p:grpSpPr>
+      <p:sp>
+        <p:nvSpPr>
+          <p:cNvPr id="259" name="Google Shape;259;g35f391192_085:notes"/>
+          <p:cNvSpPr>
+            <a:spLocks noGrp="1" noRot="1" noChangeAspect="1"/>
+          </p:cNvSpPr>
+          <p:nvPr>
+            <p:ph type="sldImg" idx="2"/>
+          </p:nvPr>
+        </p:nvSpPr>
+        <p:spPr>
+          <a:xfrm>
+            <a:off x="381000" y="685800"/>
+            <a:ext cx="6096000" cy="3429000"/>
+          </a:xfrm>
+          <a:custGeom>
+            <a:avLst/>
+            <a:gdLst/>
+            <a:ahLst/>
+            <a:cxnLst/>
+            <a:rect l="l" t="t" r="r" b="b"/>
+            <a:pathLst>
+              <a:path w="120000" h="120000" extrusionOk="0">
+                <a:moveTo>
+                  <a:pt x="0" y="0"/>
+                </a:moveTo>
+                <a:lnTo>
+                  <a:pt x="120000" y="0"/>
+                </a:lnTo>
+                <a:lnTo>
+                  <a:pt x="120000" y="120000"/>
+                </a:lnTo>
+                <a:lnTo>
+                  <a:pt x="0" y="120000"/>
+                </a:lnTo>
+                <a:close/>
+              </a:path>
+            </a:pathLst>
+          </a:custGeom>
+        </p:spPr>
+      </p:sp>
+      <p:sp>
+        <p:nvSpPr>
+          <p:cNvPr id="260" name="Google Shape;260;g35f391192_085:notes"/>
+          <p:cNvSpPr txBox="1">
+            <a:spLocks noGrp="1"/>
+          </p:cNvSpPr>
+          <p:nvPr>
+            <p:ph type="body" idx="1"/>
+          </p:nvPr>
+        </p:nvSpPr>
+        <p:spPr>
+          <a:xfrm>
+            <a:off x="685800" y="4343400"/>
+            <a:ext cx="5486400" cy="4114800"/>
+          </a:xfrm>
+          <a:prstGeom prst="rect">
+            <a:avLst/>
+          </a:prstGeom>
+        </p:spPr>
+        <p:txBody>
+          <a:bodyPr spcFirstLastPara="1" wrap="square" lIns="91425" tIns="91425" rIns="91425" bIns="91425" anchor="t" anchorCtr="0">
+            <a:noAutofit/>
+          </a:bodyPr>
+          <a:lstStyle/>
+          <a:p>
+            <a:pPr marL="0" lvl="0" indent="0" algn="l" rtl="0">
+              <a:spcBef>
+                <a:spcPts val="0"/>
+              </a:spcBef>
+              <a:spcAft>
+                <a:spcPts val="0"/>
+              </a:spcAft>
+              <a:buNone/>
+            </a:pPr>
+            <a:endParaRPr/>
+          </a:p>
+        </p:txBody>
+      </p:sp>
+    </p:spTree>
+  </p:cSld>
+  <p:clrMapOvr>
+    <a:masterClrMapping/>
+  </p:clrMapOvr>
+</p:notes>
+</file>
+
+<file path=ppt/notesSlides/notesSlide9.xml><?xml version="1.0" encoding="utf-8"?>
 <p:notes xmlns:a="http://schemas.openxmlformats.org/drawingml/2006/main" xmlns:r="http://schemas.openxmlformats.org/officeDocument/2006/relationships" xmlns:p="http://schemas.openxmlformats.org/presentationml/2006/main" showMasterSp="0" showMasterPhAnim="0">
   <p:cSld>
     <p:spTree>
@@ -7755,6 +7970,719 @@
   <p:cSld>
     <p:spTree>
       <p:nvGrpSpPr>
+        <p:cNvPr id="1" name="Shape 261"/>
+        <p:cNvGrpSpPr/>
+        <p:nvPr/>
+      </p:nvGrpSpPr>
+      <p:grpSpPr>
+        <a:xfrm>
+          <a:off x="0" y="0"/>
+          <a:ext cx="0" cy="0"/>
+          <a:chOff x="0" y="0"/>
+          <a:chExt cx="0" cy="0"/>
+        </a:xfrm>
+      </p:grpSpPr>
+      <p:sp>
+        <p:nvSpPr>
+          <p:cNvPr id="262" name="Google Shape;262;p25"/>
+          <p:cNvSpPr txBox="1">
+            <a:spLocks noGrp="1"/>
+          </p:cNvSpPr>
+          <p:nvPr>
+            <p:ph type="title"/>
+          </p:nvPr>
+        </p:nvSpPr>
+        <p:spPr>
+          <a:xfrm>
+            <a:off x="1381250" y="937125"/>
+            <a:ext cx="3878400" cy="435600"/>
+          </a:xfrm>
+          <a:prstGeom prst="rect">
+            <a:avLst/>
+          </a:prstGeom>
+        </p:spPr>
+        <p:txBody>
+          <a:bodyPr spcFirstLastPara="1" wrap="square" lIns="91425" tIns="91425" rIns="91425" bIns="91425" anchor="ctr" anchorCtr="0">
+            <a:noAutofit/>
+          </a:bodyPr>
+          <a:lstStyle/>
+          <a:p>
+            <a:pPr marL="0" lvl="0" indent="0" algn="l" rtl="0">
+              <a:spcBef>
+                <a:spcPts val="0"/>
+              </a:spcBef>
+              <a:spcAft>
+                <a:spcPts val="0"/>
+              </a:spcAft>
+              <a:buNone/>
+            </a:pPr>
+            <a:r>
+              <a:rPr lang="pt-PT" dirty="0"/>
+              <a:t>Análise do produto</a:t>
+            </a:r>
+            <a:endParaRPr dirty="0">
+              <a:highlight>
+                <a:srgbClr val="FFCD00"/>
+              </a:highlight>
+            </a:endParaRPr>
+          </a:p>
+        </p:txBody>
+      </p:sp>
+      <p:grpSp>
+        <p:nvGrpSpPr>
+          <p:cNvPr id="264" name="Google Shape;264;p25"/>
+          <p:cNvGrpSpPr/>
+          <p:nvPr/>
+        </p:nvGrpSpPr>
+        <p:grpSpPr>
+          <a:xfrm>
+            <a:off x="916458" y="1019750"/>
+            <a:ext cx="214625" cy="214625"/>
+            <a:chOff x="2594050" y="1631825"/>
+            <a:chExt cx="439625" cy="439625"/>
+          </a:xfrm>
+        </p:grpSpPr>
+        <p:sp>
+          <p:nvSpPr>
+            <p:cNvPr id="265" name="Google Shape;265;p25"/>
+            <p:cNvSpPr/>
+            <p:nvPr/>
+          </p:nvSpPr>
+          <p:spPr>
+            <a:xfrm>
+              <a:off x="2594050" y="1883300"/>
+              <a:ext cx="188175" cy="188150"/>
+            </a:xfrm>
+            <a:custGeom>
+              <a:avLst/>
+              <a:gdLst/>
+              <a:ahLst/>
+              <a:cxnLst/>
+              <a:rect l="l" t="t" r="r" b="b"/>
+              <a:pathLst>
+                <a:path w="7527" h="7526" fill="none" extrusionOk="0">
+                  <a:moveTo>
+                    <a:pt x="5992" y="0"/>
+                  </a:moveTo>
+                  <a:lnTo>
+                    <a:pt x="537" y="6430"/>
+                  </a:lnTo>
+                  <a:lnTo>
+                    <a:pt x="1" y="7526"/>
+                  </a:lnTo>
+                  <a:lnTo>
+                    <a:pt x="1097" y="6990"/>
+                  </a:lnTo>
+                  <a:lnTo>
+                    <a:pt x="7526" y="1534"/>
+                  </a:lnTo>
+                  <a:lnTo>
+                    <a:pt x="5992" y="0"/>
+                  </a:lnTo>
+                  <a:close/>
+                </a:path>
+              </a:pathLst>
+            </a:custGeom>
+            <a:noFill/>
+            <a:ln w="9525" cap="rnd" cmpd="sng">
+              <a:solidFill>
+                <a:srgbClr val="000000"/>
+              </a:solidFill>
+              <a:prstDash val="solid"/>
+              <a:round/>
+              <a:headEnd type="none" w="sm" len="sm"/>
+              <a:tailEnd type="none" w="sm" len="sm"/>
+            </a:ln>
+          </p:spPr>
+          <p:txBody>
+            <a:bodyPr spcFirstLastPara="1" wrap="square" lIns="91425" tIns="91425" rIns="91425" bIns="91425" anchor="ctr" anchorCtr="0">
+              <a:noAutofit/>
+            </a:bodyPr>
+            <a:lstStyle/>
+            <a:p>
+              <a:pPr marL="0" lvl="0" indent="0" algn="l" rtl="0">
+                <a:spcBef>
+                  <a:spcPts val="0"/>
+                </a:spcBef>
+                <a:spcAft>
+                  <a:spcPts val="0"/>
+                </a:spcAft>
+                <a:buNone/>
+              </a:pPr>
+              <a:endParaRPr/>
+            </a:p>
+          </p:txBody>
+        </p:sp>
+        <p:sp>
+          <p:nvSpPr>
+            <p:cNvPr id="266" name="Google Shape;266;p25"/>
+            <p:cNvSpPr/>
+            <p:nvPr/>
+          </p:nvSpPr>
+          <p:spPr>
+            <a:xfrm>
+              <a:off x="2857700" y="1631825"/>
+              <a:ext cx="175975" cy="176000"/>
+            </a:xfrm>
+            <a:custGeom>
+              <a:avLst/>
+              <a:gdLst/>
+              <a:ahLst/>
+              <a:cxnLst/>
+              <a:rect l="l" t="t" r="r" b="b"/>
+              <a:pathLst>
+                <a:path w="7039" h="7040" fill="none" extrusionOk="0">
+                  <a:moveTo>
+                    <a:pt x="268" y="2704"/>
+                  </a:moveTo>
+                  <a:lnTo>
+                    <a:pt x="4336" y="6771"/>
+                  </a:lnTo>
+                  <a:lnTo>
+                    <a:pt x="4336" y="6771"/>
+                  </a:lnTo>
+                  <a:lnTo>
+                    <a:pt x="4336" y="6771"/>
+                  </a:lnTo>
+                  <a:lnTo>
+                    <a:pt x="4652" y="6917"/>
+                  </a:lnTo>
+                  <a:lnTo>
+                    <a:pt x="4993" y="7015"/>
+                  </a:lnTo>
+                  <a:lnTo>
+                    <a:pt x="5310" y="7039"/>
+                  </a:lnTo>
+                  <a:lnTo>
+                    <a:pt x="5651" y="7039"/>
+                  </a:lnTo>
+                  <a:lnTo>
+                    <a:pt x="5992" y="6966"/>
+                  </a:lnTo>
+                  <a:lnTo>
+                    <a:pt x="6308" y="6844"/>
+                  </a:lnTo>
+                  <a:lnTo>
+                    <a:pt x="6454" y="6747"/>
+                  </a:lnTo>
+                  <a:lnTo>
+                    <a:pt x="6601" y="6674"/>
+                  </a:lnTo>
+                  <a:lnTo>
+                    <a:pt x="6747" y="6552"/>
+                  </a:lnTo>
+                  <a:lnTo>
+                    <a:pt x="6893" y="6430"/>
+                  </a:lnTo>
+                  <a:lnTo>
+                    <a:pt x="6893" y="6430"/>
+                  </a:lnTo>
+                  <a:lnTo>
+                    <a:pt x="6942" y="6357"/>
+                  </a:lnTo>
+                  <a:lnTo>
+                    <a:pt x="7015" y="6260"/>
+                  </a:lnTo>
+                  <a:lnTo>
+                    <a:pt x="7039" y="6138"/>
+                  </a:lnTo>
+                  <a:lnTo>
+                    <a:pt x="7039" y="6041"/>
+                  </a:lnTo>
+                  <a:lnTo>
+                    <a:pt x="7039" y="6041"/>
+                  </a:lnTo>
+                  <a:lnTo>
+                    <a:pt x="7039" y="5943"/>
+                  </a:lnTo>
+                  <a:lnTo>
+                    <a:pt x="7015" y="5846"/>
+                  </a:lnTo>
+                  <a:lnTo>
+                    <a:pt x="6942" y="5748"/>
+                  </a:lnTo>
+                  <a:lnTo>
+                    <a:pt x="6893" y="5651"/>
+                  </a:lnTo>
+                  <a:lnTo>
+                    <a:pt x="1389" y="147"/>
+                  </a:lnTo>
+                  <a:lnTo>
+                    <a:pt x="1389" y="147"/>
+                  </a:lnTo>
+                  <a:lnTo>
+                    <a:pt x="1291" y="98"/>
+                  </a:lnTo>
+                  <a:lnTo>
+                    <a:pt x="1194" y="25"/>
+                  </a:lnTo>
+                  <a:lnTo>
+                    <a:pt x="1096" y="0"/>
+                  </a:lnTo>
+                  <a:lnTo>
+                    <a:pt x="999" y="0"/>
+                  </a:lnTo>
+                  <a:lnTo>
+                    <a:pt x="999" y="0"/>
+                  </a:lnTo>
+                  <a:lnTo>
+                    <a:pt x="902" y="0"/>
+                  </a:lnTo>
+                  <a:lnTo>
+                    <a:pt x="780" y="25"/>
+                  </a:lnTo>
+                  <a:lnTo>
+                    <a:pt x="682" y="98"/>
+                  </a:lnTo>
+                  <a:lnTo>
+                    <a:pt x="609" y="147"/>
+                  </a:lnTo>
+                  <a:lnTo>
+                    <a:pt x="609" y="147"/>
+                  </a:lnTo>
+                  <a:lnTo>
+                    <a:pt x="487" y="293"/>
+                  </a:lnTo>
+                  <a:lnTo>
+                    <a:pt x="366" y="439"/>
+                  </a:lnTo>
+                  <a:lnTo>
+                    <a:pt x="293" y="585"/>
+                  </a:lnTo>
+                  <a:lnTo>
+                    <a:pt x="195" y="731"/>
+                  </a:lnTo>
+                  <a:lnTo>
+                    <a:pt x="73" y="1048"/>
+                  </a:lnTo>
+                  <a:lnTo>
+                    <a:pt x="0" y="1389"/>
+                  </a:lnTo>
+                  <a:lnTo>
+                    <a:pt x="0" y="1730"/>
+                  </a:lnTo>
+                  <a:lnTo>
+                    <a:pt x="25" y="2046"/>
+                  </a:lnTo>
+                  <a:lnTo>
+                    <a:pt x="122" y="2387"/>
+                  </a:lnTo>
+                  <a:lnTo>
+                    <a:pt x="268" y="2704"/>
+                  </a:lnTo>
+                  <a:lnTo>
+                    <a:pt x="268" y="2704"/>
+                  </a:lnTo>
+                  <a:close/>
+                </a:path>
+              </a:pathLst>
+            </a:custGeom>
+            <a:noFill/>
+            <a:ln w="9525" cap="rnd" cmpd="sng">
+              <a:solidFill>
+                <a:srgbClr val="000000"/>
+              </a:solidFill>
+              <a:prstDash val="solid"/>
+              <a:round/>
+              <a:headEnd type="none" w="sm" len="sm"/>
+              <a:tailEnd type="none" w="sm" len="sm"/>
+            </a:ln>
+          </p:spPr>
+          <p:txBody>
+            <a:bodyPr spcFirstLastPara="1" wrap="square" lIns="91425" tIns="91425" rIns="91425" bIns="91425" anchor="ctr" anchorCtr="0">
+              <a:noAutofit/>
+            </a:bodyPr>
+            <a:lstStyle/>
+            <a:p>
+              <a:pPr marL="0" lvl="0" indent="0" algn="l" rtl="0">
+                <a:spcBef>
+                  <a:spcPts val="0"/>
+                </a:spcBef>
+                <a:spcAft>
+                  <a:spcPts val="0"/>
+                </a:spcAft>
+                <a:buNone/>
+              </a:pPr>
+              <a:endParaRPr/>
+            </a:p>
+          </p:txBody>
+        </p:sp>
+        <p:sp>
+          <p:nvSpPr>
+            <p:cNvPr id="267" name="Google Shape;267;p25"/>
+            <p:cNvSpPr/>
+            <p:nvPr/>
+          </p:nvSpPr>
+          <p:spPr>
+            <a:xfrm>
+              <a:off x="2662850" y="1699400"/>
+              <a:ext cx="303250" cy="303250"/>
+            </a:xfrm>
+            <a:custGeom>
+              <a:avLst/>
+              <a:gdLst/>
+              <a:ahLst/>
+              <a:cxnLst/>
+              <a:rect l="l" t="t" r="r" b="b"/>
+              <a:pathLst>
+                <a:path w="12130" h="12130" fill="none" extrusionOk="0">
+                  <a:moveTo>
+                    <a:pt x="8038" y="1"/>
+                  </a:moveTo>
+                  <a:lnTo>
+                    <a:pt x="4872" y="3191"/>
+                  </a:lnTo>
+                  <a:lnTo>
+                    <a:pt x="4872" y="3191"/>
+                  </a:lnTo>
+                  <a:lnTo>
+                    <a:pt x="4628" y="3094"/>
+                  </a:lnTo>
+                  <a:lnTo>
+                    <a:pt x="4385" y="2997"/>
+                  </a:lnTo>
+                  <a:lnTo>
+                    <a:pt x="4092" y="2899"/>
+                  </a:lnTo>
+                  <a:lnTo>
+                    <a:pt x="3800" y="2850"/>
+                  </a:lnTo>
+                  <a:lnTo>
+                    <a:pt x="3484" y="2777"/>
+                  </a:lnTo>
+                  <a:lnTo>
+                    <a:pt x="3167" y="2729"/>
+                  </a:lnTo>
+                  <a:lnTo>
+                    <a:pt x="2850" y="2704"/>
+                  </a:lnTo>
+                  <a:lnTo>
+                    <a:pt x="2534" y="2704"/>
+                  </a:lnTo>
+                  <a:lnTo>
+                    <a:pt x="2534" y="2704"/>
+                  </a:lnTo>
+                  <a:lnTo>
+                    <a:pt x="2241" y="2704"/>
+                  </a:lnTo>
+                  <a:lnTo>
+                    <a:pt x="1949" y="2729"/>
+                  </a:lnTo>
+                  <a:lnTo>
+                    <a:pt x="1633" y="2777"/>
+                  </a:lnTo>
+                  <a:lnTo>
+                    <a:pt x="1316" y="2850"/>
+                  </a:lnTo>
+                  <a:lnTo>
+                    <a:pt x="999" y="2972"/>
+                  </a:lnTo>
+                  <a:lnTo>
+                    <a:pt x="707" y="3094"/>
+                  </a:lnTo>
+                  <a:lnTo>
+                    <a:pt x="415" y="3289"/>
+                  </a:lnTo>
+                  <a:lnTo>
+                    <a:pt x="147" y="3508"/>
+                  </a:lnTo>
+                  <a:lnTo>
+                    <a:pt x="147" y="3508"/>
+                  </a:lnTo>
+                  <a:lnTo>
+                    <a:pt x="74" y="3581"/>
+                  </a:lnTo>
+                  <a:lnTo>
+                    <a:pt x="25" y="3678"/>
+                  </a:lnTo>
+                  <a:lnTo>
+                    <a:pt x="1" y="3776"/>
+                  </a:lnTo>
+                  <a:lnTo>
+                    <a:pt x="1" y="3898"/>
+                  </a:lnTo>
+                  <a:lnTo>
+                    <a:pt x="1" y="3898"/>
+                  </a:lnTo>
+                  <a:lnTo>
+                    <a:pt x="1" y="3995"/>
+                  </a:lnTo>
+                  <a:lnTo>
+                    <a:pt x="25" y="4093"/>
+                  </a:lnTo>
+                  <a:lnTo>
+                    <a:pt x="74" y="4190"/>
+                  </a:lnTo>
+                  <a:lnTo>
+                    <a:pt x="147" y="4287"/>
+                  </a:lnTo>
+                  <a:lnTo>
+                    <a:pt x="7843" y="11984"/>
+                  </a:lnTo>
+                  <a:lnTo>
+                    <a:pt x="7843" y="11984"/>
+                  </a:lnTo>
+                  <a:lnTo>
+                    <a:pt x="7941" y="12057"/>
+                  </a:lnTo>
+                  <a:lnTo>
+                    <a:pt x="8038" y="12105"/>
+                  </a:lnTo>
+                  <a:lnTo>
+                    <a:pt x="8135" y="12130"/>
+                  </a:lnTo>
+                  <a:lnTo>
+                    <a:pt x="8233" y="12130"/>
+                  </a:lnTo>
+                  <a:lnTo>
+                    <a:pt x="8233" y="12130"/>
+                  </a:lnTo>
+                  <a:lnTo>
+                    <a:pt x="8355" y="12130"/>
+                  </a:lnTo>
+                  <a:lnTo>
+                    <a:pt x="8452" y="12105"/>
+                  </a:lnTo>
+                  <a:lnTo>
+                    <a:pt x="8549" y="12057"/>
+                  </a:lnTo>
+                  <a:lnTo>
+                    <a:pt x="8622" y="11984"/>
+                  </a:lnTo>
+                  <a:lnTo>
+                    <a:pt x="8622" y="11984"/>
+                  </a:lnTo>
+                  <a:lnTo>
+                    <a:pt x="8842" y="11716"/>
+                  </a:lnTo>
+                  <a:lnTo>
+                    <a:pt x="9036" y="11423"/>
+                  </a:lnTo>
+                  <a:lnTo>
+                    <a:pt x="9158" y="11131"/>
+                  </a:lnTo>
+                  <a:lnTo>
+                    <a:pt x="9280" y="10814"/>
+                  </a:lnTo>
+                  <a:lnTo>
+                    <a:pt x="9353" y="10498"/>
+                  </a:lnTo>
+                  <a:lnTo>
+                    <a:pt x="9402" y="10181"/>
+                  </a:lnTo>
+                  <a:lnTo>
+                    <a:pt x="9426" y="9889"/>
+                  </a:lnTo>
+                  <a:lnTo>
+                    <a:pt x="9426" y="9597"/>
+                  </a:lnTo>
+                  <a:lnTo>
+                    <a:pt x="9426" y="9597"/>
+                  </a:lnTo>
+                  <a:lnTo>
+                    <a:pt x="9426" y="9280"/>
+                  </a:lnTo>
+                  <a:lnTo>
+                    <a:pt x="9402" y="8964"/>
+                  </a:lnTo>
+                  <a:lnTo>
+                    <a:pt x="9353" y="8647"/>
+                  </a:lnTo>
+                  <a:lnTo>
+                    <a:pt x="9280" y="8330"/>
+                  </a:lnTo>
+                  <a:lnTo>
+                    <a:pt x="9231" y="8038"/>
+                  </a:lnTo>
+                  <a:lnTo>
+                    <a:pt x="9134" y="7746"/>
+                  </a:lnTo>
+                  <a:lnTo>
+                    <a:pt x="9036" y="7502"/>
+                  </a:lnTo>
+                  <a:lnTo>
+                    <a:pt x="8939" y="7259"/>
+                  </a:lnTo>
+                  <a:lnTo>
+                    <a:pt x="12130" y="4093"/>
+                  </a:lnTo>
+                </a:path>
+              </a:pathLst>
+            </a:custGeom>
+            <a:noFill/>
+            <a:ln w="9525" cap="rnd" cmpd="sng">
+              <a:solidFill>
+                <a:srgbClr val="000000"/>
+              </a:solidFill>
+              <a:prstDash val="solid"/>
+              <a:round/>
+              <a:headEnd type="none" w="sm" len="sm"/>
+              <a:tailEnd type="none" w="sm" len="sm"/>
+            </a:ln>
+          </p:spPr>
+          <p:txBody>
+            <a:bodyPr spcFirstLastPara="1" wrap="square" lIns="91425" tIns="91425" rIns="91425" bIns="91425" anchor="ctr" anchorCtr="0">
+              <a:noAutofit/>
+            </a:bodyPr>
+            <a:lstStyle/>
+            <a:p>
+              <a:pPr marL="0" lvl="0" indent="0" algn="l" rtl="0">
+                <a:spcBef>
+                  <a:spcPts val="0"/>
+                </a:spcBef>
+                <a:spcAft>
+                  <a:spcPts val="0"/>
+                </a:spcAft>
+                <a:buNone/>
+              </a:pPr>
+              <a:endParaRPr/>
+            </a:p>
+          </p:txBody>
+        </p:sp>
+        <p:sp>
+          <p:nvSpPr>
+            <p:cNvPr id="268" name="Google Shape;268;p25"/>
+            <p:cNvSpPr/>
+            <p:nvPr/>
+          </p:nvSpPr>
+          <p:spPr>
+            <a:xfrm>
+              <a:off x="2814912" y="1754062"/>
+              <a:ext cx="49950" cy="49950"/>
+            </a:xfrm>
+            <a:custGeom>
+              <a:avLst/>
+              <a:gdLst/>
+              <a:ahLst/>
+              <a:cxnLst/>
+              <a:rect l="l" t="t" r="r" b="b"/>
+              <a:pathLst>
+                <a:path w="1998" h="1998" fill="none" extrusionOk="0">
+                  <a:moveTo>
+                    <a:pt x="1" y="1997"/>
+                  </a:moveTo>
+                  <a:lnTo>
+                    <a:pt x="1998" y="0"/>
+                  </a:lnTo>
+                </a:path>
+              </a:pathLst>
+            </a:custGeom>
+            <a:noFill/>
+            <a:ln w="9525" cap="rnd" cmpd="sng">
+              <a:solidFill>
+                <a:srgbClr val="000000"/>
+              </a:solidFill>
+              <a:prstDash val="solid"/>
+              <a:round/>
+              <a:headEnd type="none" w="sm" len="sm"/>
+              <a:tailEnd type="none" w="sm" len="sm"/>
+            </a:ln>
+          </p:spPr>
+          <p:txBody>
+            <a:bodyPr spcFirstLastPara="1" wrap="square" lIns="91425" tIns="91425" rIns="91425" bIns="91425" anchor="ctr" anchorCtr="0">
+              <a:noAutofit/>
+            </a:bodyPr>
+            <a:lstStyle/>
+            <a:p>
+              <a:pPr marL="0" lvl="0" indent="0" algn="l" rtl="0">
+                <a:spcBef>
+                  <a:spcPts val="0"/>
+                </a:spcBef>
+                <a:spcAft>
+                  <a:spcPts val="0"/>
+                </a:spcAft>
+                <a:buNone/>
+              </a:pPr>
+              <a:endParaRPr/>
+            </a:p>
+          </p:txBody>
+        </p:sp>
+      </p:grpSp>
+      <p:sp>
+        <p:nvSpPr>
+          <p:cNvPr id="269" name="Google Shape;269;p25"/>
+          <p:cNvSpPr txBox="1">
+            <a:spLocks noGrp="1"/>
+          </p:cNvSpPr>
+          <p:nvPr>
+            <p:ph type="sldNum" idx="12"/>
+          </p:nvPr>
+        </p:nvSpPr>
+        <p:spPr>
+          <a:xfrm>
+            <a:off x="8543227" y="4749851"/>
+            <a:ext cx="548700" cy="393600"/>
+          </a:xfrm>
+          <a:prstGeom prst="rect">
+            <a:avLst/>
+          </a:prstGeom>
+        </p:spPr>
+        <p:txBody>
+          <a:bodyPr spcFirstLastPara="1" wrap="square" lIns="91425" tIns="91425" rIns="91425" bIns="91425" anchor="t" anchorCtr="0">
+            <a:noAutofit/>
+          </a:bodyPr>
+          <a:lstStyle/>
+          <a:p>
+            <a:pPr marL="0" lvl="0" indent="0" algn="r" rtl="0">
+              <a:spcBef>
+                <a:spcPts val="0"/>
+              </a:spcBef>
+              <a:spcAft>
+                <a:spcPts val="0"/>
+              </a:spcAft>
+              <a:buNone/>
+            </a:pPr>
+            <a:fld id="{00000000-1234-1234-1234-123412341234}" type="slidenum">
+              <a:rPr lang="en"/>
+              <a:t>10</a:t>
+            </a:fld>
+            <a:endParaRPr/>
+          </a:p>
+        </p:txBody>
+      </p:sp>
+      <p:pic>
+        <p:nvPicPr>
+          <p:cNvPr id="5" name="Imagem 4" descr="Uma imagem com captura de ecrã&#10;&#10;Descrição gerada automaticamente">
+            <a:extLst>
+              <a:ext uri="{FF2B5EF4-FFF2-40B4-BE49-F238E27FC236}">
+                <a16:creationId xmlns:a16="http://schemas.microsoft.com/office/drawing/2014/main" id="{24AC0F9C-C526-4913-BE39-321538EAE8BA}"/>
+              </a:ext>
+            </a:extLst>
+          </p:cNvPr>
+          <p:cNvPicPr>
+            <a:picLocks noChangeAspect="1"/>
+          </p:cNvPicPr>
+          <p:nvPr/>
+        </p:nvPicPr>
+        <p:blipFill>
+          <a:blip r:embed="rId3"/>
+          <a:stretch>
+            <a:fillRect/>
+          </a:stretch>
+        </p:blipFill>
+        <p:spPr>
+          <a:xfrm>
+            <a:off x="2105674" y="1494139"/>
+            <a:ext cx="4932651" cy="2844438"/>
+          </a:xfrm>
+          <a:prstGeom prst="rect">
+            <a:avLst/>
+          </a:prstGeom>
+        </p:spPr>
+      </p:pic>
+    </p:spTree>
+  </p:cSld>
+  <p:clrMapOvr>
+    <a:masterClrMapping/>
+  </p:clrMapOvr>
+</p:sld>
+</file>
+
+<file path=ppt/slides/slide11.xml><?xml version="1.0" encoding="utf-8"?>
+<p:sld xmlns:a="http://schemas.openxmlformats.org/drawingml/2006/main" xmlns:r="http://schemas.openxmlformats.org/officeDocument/2006/relationships" xmlns:p="http://schemas.openxmlformats.org/presentationml/2006/main">
+  <p:cSld>
+    <p:spTree>
+      <p:nvGrpSpPr>
         <p:cNvPr id="1" name=""/>
         <p:cNvGrpSpPr/>
         <p:nvPr/>
@@ -7790,7 +8718,7 @@
           <a:p>
             <a:r>
               <a:rPr lang="pt-PT" dirty="0"/>
-              <a:t>Resultados</a:t>
+              <a:t>Análise de Resultados</a:t>
             </a:r>
           </a:p>
         </p:txBody>
@@ -7827,7 +8755,7 @@
             </a:pPr>
             <a:fld id="{00000000-1234-1234-1234-123412341234}" type="slidenum">
               <a:rPr lang="pt-PT" smtClean="0"/>
-              <a:t>10</a:t>
+              <a:t>11</a:t>
             </a:fld>
             <a:endParaRPr lang="pt-PT"/>
           </a:p>
@@ -7835,668 +8763,44 @@
       </p:sp>
       <p:sp>
         <p:nvSpPr>
-          <p:cNvPr id="4" name="Google Shape;157;p19">
+          <p:cNvPr id="6" name="CaixaDeTexto 5">
             <a:extLst>
               <a:ext uri="{FF2B5EF4-FFF2-40B4-BE49-F238E27FC236}">
-                <a16:creationId xmlns:a16="http://schemas.microsoft.com/office/drawing/2014/main" id="{CA9B10DB-1215-400B-936C-BEB94492995E}"/>
+                <a16:creationId xmlns:a16="http://schemas.microsoft.com/office/drawing/2014/main" id="{31585708-753B-42B5-89B3-FFF03B675C5E}"/>
               </a:ext>
             </a:extLst>
           </p:cNvPr>
-          <p:cNvSpPr txBox="1">
-            <a:spLocks/>
-          </p:cNvSpPr>
+          <p:cNvSpPr txBox="1"/>
           <p:nvPr/>
         </p:nvSpPr>
         <p:spPr>
           <a:xfrm>
-            <a:off x="442945" y="1518851"/>
-            <a:ext cx="3878400" cy="3231000"/>
+            <a:off x="835820" y="1550194"/>
+            <a:ext cx="6100762" cy="1384995"/>
           </a:xfrm>
           <a:prstGeom prst="rect">
             <a:avLst/>
           </a:prstGeom>
+          <a:noFill/>
         </p:spPr>
         <p:txBody>
-          <a:bodyPr spcFirstLastPara="1" wrap="square" lIns="91425" tIns="91425" rIns="91425" bIns="91425" anchor="t" anchorCtr="0">
-            <a:noAutofit/>
+          <a:bodyPr wrap="square" rtlCol="0">
+            <a:spAutoFit/>
           </a:bodyPr>
-          <a:lstStyle>
-            <a:defPPr marR="0" lvl="0" algn="l" rtl="0">
-              <a:lnSpc>
-                <a:spcPct val="100000"/>
-              </a:lnSpc>
-              <a:spcBef>
-                <a:spcPts val="0"/>
-              </a:spcBef>
-              <a:spcAft>
-                <a:spcPts val="0"/>
-              </a:spcAft>
-            </a:defPPr>
-            <a:lvl1pPr marR="0" lvl="0" algn="l" rtl="0">
-              <a:lnSpc>
-                <a:spcPct val="100000"/>
-              </a:lnSpc>
-              <a:spcBef>
-                <a:spcPts val="0"/>
-              </a:spcBef>
-              <a:spcAft>
-                <a:spcPts val="0"/>
-              </a:spcAft>
-              <a:buClr>
-                <a:srgbClr val="000000"/>
-              </a:buClr>
-              <a:buFont typeface="Arial"/>
-              <a:defRPr sz="1400" b="0" i="0" u="none" strike="noStrike" cap="none">
-                <a:solidFill>
-                  <a:srgbClr val="000000"/>
-                </a:solidFill>
-                <a:latin typeface="Arial"/>
-                <a:ea typeface="Arial"/>
-                <a:cs typeface="Arial"/>
-                <a:sym typeface="Arial"/>
-              </a:defRPr>
-            </a:lvl1pPr>
-            <a:lvl2pPr marR="0" lvl="1" algn="l" rtl="0">
-              <a:lnSpc>
-                <a:spcPct val="100000"/>
-              </a:lnSpc>
-              <a:spcBef>
-                <a:spcPts val="0"/>
-              </a:spcBef>
-              <a:spcAft>
-                <a:spcPts val="0"/>
-              </a:spcAft>
-              <a:buClr>
-                <a:srgbClr val="000000"/>
-              </a:buClr>
-              <a:buFont typeface="Arial"/>
-              <a:defRPr sz="1400" b="0" i="0" u="none" strike="noStrike" cap="none">
-                <a:solidFill>
-                  <a:srgbClr val="000000"/>
-                </a:solidFill>
-                <a:latin typeface="Arial"/>
-                <a:ea typeface="Arial"/>
-                <a:cs typeface="Arial"/>
-                <a:sym typeface="Arial"/>
-              </a:defRPr>
-            </a:lvl2pPr>
-            <a:lvl3pPr marR="0" lvl="2" algn="l" rtl="0">
-              <a:lnSpc>
-                <a:spcPct val="100000"/>
-              </a:lnSpc>
-              <a:spcBef>
-                <a:spcPts val="0"/>
-              </a:spcBef>
-              <a:spcAft>
-                <a:spcPts val="0"/>
-              </a:spcAft>
-              <a:buClr>
-                <a:srgbClr val="000000"/>
-              </a:buClr>
-              <a:buFont typeface="Arial"/>
-              <a:defRPr sz="1400" b="0" i="0" u="none" strike="noStrike" cap="none">
-                <a:solidFill>
-                  <a:srgbClr val="000000"/>
-                </a:solidFill>
-                <a:latin typeface="Arial"/>
-                <a:ea typeface="Arial"/>
-                <a:cs typeface="Arial"/>
-                <a:sym typeface="Arial"/>
-              </a:defRPr>
-            </a:lvl3pPr>
-            <a:lvl4pPr marR="0" lvl="3" algn="l" rtl="0">
-              <a:lnSpc>
-                <a:spcPct val="100000"/>
-              </a:lnSpc>
-              <a:spcBef>
-                <a:spcPts val="0"/>
-              </a:spcBef>
-              <a:spcAft>
-                <a:spcPts val="0"/>
-              </a:spcAft>
-              <a:buClr>
-                <a:srgbClr val="000000"/>
-              </a:buClr>
-              <a:buFont typeface="Arial"/>
-              <a:defRPr sz="1400" b="0" i="0" u="none" strike="noStrike" cap="none">
-                <a:solidFill>
-                  <a:srgbClr val="000000"/>
-                </a:solidFill>
-                <a:latin typeface="Arial"/>
-                <a:ea typeface="Arial"/>
-                <a:cs typeface="Arial"/>
-                <a:sym typeface="Arial"/>
-              </a:defRPr>
-            </a:lvl4pPr>
-            <a:lvl5pPr marR="0" lvl="4" algn="l" rtl="0">
-              <a:lnSpc>
-                <a:spcPct val="100000"/>
-              </a:lnSpc>
-              <a:spcBef>
-                <a:spcPts val="0"/>
-              </a:spcBef>
-              <a:spcAft>
-                <a:spcPts val="0"/>
-              </a:spcAft>
-              <a:buClr>
-                <a:srgbClr val="000000"/>
-              </a:buClr>
-              <a:buFont typeface="Arial"/>
-              <a:defRPr sz="1400" b="0" i="0" u="none" strike="noStrike" cap="none">
-                <a:solidFill>
-                  <a:srgbClr val="000000"/>
-                </a:solidFill>
-                <a:latin typeface="Arial"/>
-                <a:ea typeface="Arial"/>
-                <a:cs typeface="Arial"/>
-                <a:sym typeface="Arial"/>
-              </a:defRPr>
-            </a:lvl5pPr>
-            <a:lvl6pPr marR="0" lvl="5" algn="l" rtl="0">
-              <a:lnSpc>
-                <a:spcPct val="100000"/>
-              </a:lnSpc>
-              <a:spcBef>
-                <a:spcPts val="0"/>
-              </a:spcBef>
-              <a:spcAft>
-                <a:spcPts val="0"/>
-              </a:spcAft>
-              <a:buClr>
-                <a:srgbClr val="000000"/>
-              </a:buClr>
-              <a:buFont typeface="Arial"/>
-              <a:defRPr sz="1400" b="0" i="0" u="none" strike="noStrike" cap="none">
-                <a:solidFill>
-                  <a:srgbClr val="000000"/>
-                </a:solidFill>
-                <a:latin typeface="Arial"/>
-                <a:ea typeface="Arial"/>
-                <a:cs typeface="Arial"/>
-                <a:sym typeface="Arial"/>
-              </a:defRPr>
-            </a:lvl6pPr>
-            <a:lvl7pPr marR="0" lvl="6" algn="l" rtl="0">
-              <a:lnSpc>
-                <a:spcPct val="100000"/>
-              </a:lnSpc>
-              <a:spcBef>
-                <a:spcPts val="0"/>
-              </a:spcBef>
-              <a:spcAft>
-                <a:spcPts val="0"/>
-              </a:spcAft>
-              <a:buClr>
-                <a:srgbClr val="000000"/>
-              </a:buClr>
-              <a:buFont typeface="Arial"/>
-              <a:defRPr sz="1400" b="0" i="0" u="none" strike="noStrike" cap="none">
-                <a:solidFill>
-                  <a:srgbClr val="000000"/>
-                </a:solidFill>
-                <a:latin typeface="Arial"/>
-                <a:ea typeface="Arial"/>
-                <a:cs typeface="Arial"/>
-                <a:sym typeface="Arial"/>
-              </a:defRPr>
-            </a:lvl7pPr>
-            <a:lvl8pPr marR="0" lvl="7" algn="l" rtl="0">
-              <a:lnSpc>
-                <a:spcPct val="100000"/>
-              </a:lnSpc>
-              <a:spcBef>
-                <a:spcPts val="0"/>
-              </a:spcBef>
-              <a:spcAft>
-                <a:spcPts val="0"/>
-              </a:spcAft>
-              <a:buClr>
-                <a:srgbClr val="000000"/>
-              </a:buClr>
-              <a:buFont typeface="Arial"/>
-              <a:defRPr sz="1400" b="0" i="0" u="none" strike="noStrike" cap="none">
-                <a:solidFill>
-                  <a:srgbClr val="000000"/>
-                </a:solidFill>
-                <a:latin typeface="Arial"/>
-                <a:ea typeface="Arial"/>
-                <a:cs typeface="Arial"/>
-                <a:sym typeface="Arial"/>
-              </a:defRPr>
-            </a:lvl8pPr>
-            <a:lvl9pPr marR="0" lvl="8" algn="l" rtl="0">
-              <a:lnSpc>
-                <a:spcPct val="100000"/>
-              </a:lnSpc>
-              <a:spcBef>
-                <a:spcPts val="0"/>
-              </a:spcBef>
-              <a:spcAft>
-                <a:spcPts val="0"/>
-              </a:spcAft>
-              <a:buClr>
-                <a:srgbClr val="000000"/>
-              </a:buClr>
-              <a:buFont typeface="Arial"/>
-              <a:defRPr sz="1400" b="0" i="0" u="none" strike="noStrike" cap="none">
-                <a:solidFill>
-                  <a:srgbClr val="000000"/>
-                </a:solidFill>
-                <a:latin typeface="Arial"/>
-                <a:ea typeface="Arial"/>
-                <a:cs typeface="Arial"/>
-                <a:sym typeface="Arial"/>
-              </a:defRPr>
-            </a:lvl9pPr>
-          </a:lstStyle>
+          <a:lstStyle/>
           <a:p>
-            <a:pPr>
-              <a:spcBef>
-                <a:spcPts val="600"/>
-              </a:spcBef>
-              <a:buClr>
-                <a:srgbClr val="FFCD00"/>
-              </a:buClr>
-              <a:buSzPts val="2000"/>
-            </a:pPr>
+            <a:pPr algn="just"/>
             <a:r>
-              <a:rPr lang="pt-PT" sz="1800" b="1" dirty="0">
-                <a:latin typeface="Quattrocento Sans"/>
-                <a:sym typeface="Quattrocento Sans"/>
-              </a:rPr>
-              <a:t>Tradicional – Processo automatizado</a:t>
+              <a:rPr lang="pt-PT" dirty="0"/>
+              <a:t>Podemos verificar que a qualidade do processo de desenvolvimento do projeto em análise deixa bastante a desejar quando posto à prova de ferramentas profissionais como o CMMI-DEV. Isto reflete-se depois na qualidade do produto, que apesar de poder ser considerado com qualidade razoável, não tem os requisitos de um produto de produção devido às suas limitações de segurança e performance.</a:t>
             </a:r>
-          </a:p>
-          <a:p>
-            <a:pPr marL="285750" indent="-285750">
-              <a:spcBef>
-                <a:spcPts val="600"/>
-              </a:spcBef>
-              <a:buClr>
-                <a:srgbClr val="FFCD00"/>
-              </a:buClr>
-              <a:buSzPts val="2000"/>
-              <a:buFontTx/>
-              <a:buChar char="-"/>
-            </a:pPr>
-            <a:r>
-              <a:rPr lang="pt-PT" sz="1600" dirty="0">
-                <a:latin typeface="Quattrocento Sans"/>
-                <a:sym typeface="Quattrocento Sans"/>
-              </a:rPr>
-              <a:t>Desenvolvimento de ferramentas com vista à automação e melhoramento da eficácia do processo de code review: contribui de forma geral para a melhoria do desenvolvimento de software.</a:t>
-            </a:r>
-          </a:p>
-          <a:p>
-            <a:pPr marL="285750" indent="-285750">
-              <a:spcBef>
-                <a:spcPts val="600"/>
-              </a:spcBef>
-              <a:buClr>
-                <a:srgbClr val="FFCD00"/>
-              </a:buClr>
-              <a:buSzPts val="2000"/>
-              <a:buFontTx/>
-              <a:buChar char="-"/>
-            </a:pPr>
-            <a:endParaRPr lang="pt-PT" sz="1600" dirty="0">
-              <a:latin typeface="Quattrocento Sans"/>
-              <a:sym typeface="Quattrocento Sans"/>
-            </a:endParaRPr>
-          </a:p>
-        </p:txBody>
-      </p:sp>
-      <p:sp>
-        <p:nvSpPr>
-          <p:cNvPr id="5" name="Google Shape;157;p19">
-            <a:extLst>
-              <a:ext uri="{FF2B5EF4-FFF2-40B4-BE49-F238E27FC236}">
-                <a16:creationId xmlns:a16="http://schemas.microsoft.com/office/drawing/2014/main" id="{8AC1AC37-8B81-401C-A51D-222E00D7FB44}"/>
-              </a:ext>
-            </a:extLst>
-          </p:cNvPr>
-          <p:cNvSpPr txBox="1">
-            <a:spLocks/>
-          </p:cNvSpPr>
-          <p:nvPr/>
-        </p:nvSpPr>
-        <p:spPr>
-          <a:xfrm>
-            <a:off x="4822655" y="1518851"/>
-            <a:ext cx="3878400" cy="3231000"/>
-          </a:xfrm>
-          <a:prstGeom prst="rect">
-            <a:avLst/>
-          </a:prstGeom>
-        </p:spPr>
-        <p:txBody>
-          <a:bodyPr spcFirstLastPara="1" wrap="square" lIns="91425" tIns="91425" rIns="91425" bIns="91425" anchor="t" anchorCtr="0">
-            <a:noAutofit/>
-          </a:bodyPr>
-          <a:lstStyle>
-            <a:defPPr marR="0" lvl="0" algn="l" rtl="0">
-              <a:lnSpc>
-                <a:spcPct val="100000"/>
-              </a:lnSpc>
-              <a:spcBef>
-                <a:spcPts val="0"/>
-              </a:spcBef>
-              <a:spcAft>
-                <a:spcPts val="0"/>
-              </a:spcAft>
-            </a:defPPr>
-            <a:lvl1pPr marR="0" lvl="0" algn="l" rtl="0">
-              <a:lnSpc>
-                <a:spcPct val="100000"/>
-              </a:lnSpc>
-              <a:spcBef>
-                <a:spcPts val="0"/>
-              </a:spcBef>
-              <a:spcAft>
-                <a:spcPts val="0"/>
-              </a:spcAft>
-              <a:buClr>
-                <a:srgbClr val="000000"/>
-              </a:buClr>
-              <a:buFont typeface="Arial"/>
-              <a:defRPr sz="1400" b="0" i="0" u="none" strike="noStrike" cap="none">
-                <a:solidFill>
-                  <a:srgbClr val="000000"/>
-                </a:solidFill>
-                <a:latin typeface="Arial"/>
-                <a:ea typeface="Arial"/>
-                <a:cs typeface="Arial"/>
-                <a:sym typeface="Arial"/>
-              </a:defRPr>
-            </a:lvl1pPr>
-            <a:lvl2pPr marR="0" lvl="1" algn="l" rtl="0">
-              <a:lnSpc>
-                <a:spcPct val="100000"/>
-              </a:lnSpc>
-              <a:spcBef>
-                <a:spcPts val="0"/>
-              </a:spcBef>
-              <a:spcAft>
-                <a:spcPts val="0"/>
-              </a:spcAft>
-              <a:buClr>
-                <a:srgbClr val="000000"/>
-              </a:buClr>
-              <a:buFont typeface="Arial"/>
-              <a:defRPr sz="1400" b="0" i="0" u="none" strike="noStrike" cap="none">
-                <a:solidFill>
-                  <a:srgbClr val="000000"/>
-                </a:solidFill>
-                <a:latin typeface="Arial"/>
-                <a:ea typeface="Arial"/>
-                <a:cs typeface="Arial"/>
-                <a:sym typeface="Arial"/>
-              </a:defRPr>
-            </a:lvl2pPr>
-            <a:lvl3pPr marR="0" lvl="2" algn="l" rtl="0">
-              <a:lnSpc>
-                <a:spcPct val="100000"/>
-              </a:lnSpc>
-              <a:spcBef>
-                <a:spcPts val="0"/>
-              </a:spcBef>
-              <a:spcAft>
-                <a:spcPts val="0"/>
-              </a:spcAft>
-              <a:buClr>
-                <a:srgbClr val="000000"/>
-              </a:buClr>
-              <a:buFont typeface="Arial"/>
-              <a:defRPr sz="1400" b="0" i="0" u="none" strike="noStrike" cap="none">
-                <a:solidFill>
-                  <a:srgbClr val="000000"/>
-                </a:solidFill>
-                <a:latin typeface="Arial"/>
-                <a:ea typeface="Arial"/>
-                <a:cs typeface="Arial"/>
-                <a:sym typeface="Arial"/>
-              </a:defRPr>
-            </a:lvl3pPr>
-            <a:lvl4pPr marR="0" lvl="3" algn="l" rtl="0">
-              <a:lnSpc>
-                <a:spcPct val="100000"/>
-              </a:lnSpc>
-              <a:spcBef>
-                <a:spcPts val="0"/>
-              </a:spcBef>
-              <a:spcAft>
-                <a:spcPts val="0"/>
-              </a:spcAft>
-              <a:buClr>
-                <a:srgbClr val="000000"/>
-              </a:buClr>
-              <a:buFont typeface="Arial"/>
-              <a:defRPr sz="1400" b="0" i="0" u="none" strike="noStrike" cap="none">
-                <a:solidFill>
-                  <a:srgbClr val="000000"/>
-                </a:solidFill>
-                <a:latin typeface="Arial"/>
-                <a:ea typeface="Arial"/>
-                <a:cs typeface="Arial"/>
-                <a:sym typeface="Arial"/>
-              </a:defRPr>
-            </a:lvl4pPr>
-            <a:lvl5pPr marR="0" lvl="4" algn="l" rtl="0">
-              <a:lnSpc>
-                <a:spcPct val="100000"/>
-              </a:lnSpc>
-              <a:spcBef>
-                <a:spcPts val="0"/>
-              </a:spcBef>
-              <a:spcAft>
-                <a:spcPts val="0"/>
-              </a:spcAft>
-              <a:buClr>
-                <a:srgbClr val="000000"/>
-              </a:buClr>
-              <a:buFont typeface="Arial"/>
-              <a:defRPr sz="1400" b="0" i="0" u="none" strike="noStrike" cap="none">
-                <a:solidFill>
-                  <a:srgbClr val="000000"/>
-                </a:solidFill>
-                <a:latin typeface="Arial"/>
-                <a:ea typeface="Arial"/>
-                <a:cs typeface="Arial"/>
-                <a:sym typeface="Arial"/>
-              </a:defRPr>
-            </a:lvl5pPr>
-            <a:lvl6pPr marR="0" lvl="5" algn="l" rtl="0">
-              <a:lnSpc>
-                <a:spcPct val="100000"/>
-              </a:lnSpc>
-              <a:spcBef>
-                <a:spcPts val="0"/>
-              </a:spcBef>
-              <a:spcAft>
-                <a:spcPts val="0"/>
-              </a:spcAft>
-              <a:buClr>
-                <a:srgbClr val="000000"/>
-              </a:buClr>
-              <a:buFont typeface="Arial"/>
-              <a:defRPr sz="1400" b="0" i="0" u="none" strike="noStrike" cap="none">
-                <a:solidFill>
-                  <a:srgbClr val="000000"/>
-                </a:solidFill>
-                <a:latin typeface="Arial"/>
-                <a:ea typeface="Arial"/>
-                <a:cs typeface="Arial"/>
-                <a:sym typeface="Arial"/>
-              </a:defRPr>
-            </a:lvl6pPr>
-            <a:lvl7pPr marR="0" lvl="6" algn="l" rtl="0">
-              <a:lnSpc>
-                <a:spcPct val="100000"/>
-              </a:lnSpc>
-              <a:spcBef>
-                <a:spcPts val="0"/>
-              </a:spcBef>
-              <a:spcAft>
-                <a:spcPts val="0"/>
-              </a:spcAft>
-              <a:buClr>
-                <a:srgbClr val="000000"/>
-              </a:buClr>
-              <a:buFont typeface="Arial"/>
-              <a:defRPr sz="1400" b="0" i="0" u="none" strike="noStrike" cap="none">
-                <a:solidFill>
-                  <a:srgbClr val="000000"/>
-                </a:solidFill>
-                <a:latin typeface="Arial"/>
-                <a:ea typeface="Arial"/>
-                <a:cs typeface="Arial"/>
-                <a:sym typeface="Arial"/>
-              </a:defRPr>
-            </a:lvl7pPr>
-            <a:lvl8pPr marR="0" lvl="7" algn="l" rtl="0">
-              <a:lnSpc>
-                <a:spcPct val="100000"/>
-              </a:lnSpc>
-              <a:spcBef>
-                <a:spcPts val="0"/>
-              </a:spcBef>
-              <a:spcAft>
-                <a:spcPts val="0"/>
-              </a:spcAft>
-              <a:buClr>
-                <a:srgbClr val="000000"/>
-              </a:buClr>
-              <a:buFont typeface="Arial"/>
-              <a:defRPr sz="1400" b="0" i="0" u="none" strike="noStrike" cap="none">
-                <a:solidFill>
-                  <a:srgbClr val="000000"/>
-                </a:solidFill>
-                <a:latin typeface="Arial"/>
-                <a:ea typeface="Arial"/>
-                <a:cs typeface="Arial"/>
-                <a:sym typeface="Arial"/>
-              </a:defRPr>
-            </a:lvl8pPr>
-            <a:lvl9pPr marR="0" lvl="8" algn="l" rtl="0">
-              <a:lnSpc>
-                <a:spcPct val="100000"/>
-              </a:lnSpc>
-              <a:spcBef>
-                <a:spcPts val="0"/>
-              </a:spcBef>
-              <a:spcAft>
-                <a:spcPts val="0"/>
-              </a:spcAft>
-              <a:buClr>
-                <a:srgbClr val="000000"/>
-              </a:buClr>
-              <a:buFont typeface="Arial"/>
-              <a:defRPr sz="1400" b="0" i="0" u="none" strike="noStrike" cap="none">
-                <a:solidFill>
-                  <a:srgbClr val="000000"/>
-                </a:solidFill>
-                <a:latin typeface="Arial"/>
-                <a:ea typeface="Arial"/>
-                <a:cs typeface="Arial"/>
-                <a:sym typeface="Arial"/>
-              </a:defRPr>
-            </a:lvl9pPr>
-          </a:lstStyle>
-          <a:p>
-            <a:pPr>
-              <a:spcBef>
-                <a:spcPts val="600"/>
-              </a:spcBef>
-              <a:buClr>
-                <a:srgbClr val="FFCD00"/>
-              </a:buClr>
-              <a:buSzPts val="2000"/>
-            </a:pPr>
-            <a:r>
-              <a:rPr lang="pt-PT" sz="1800" b="1" dirty="0" err="1">
-                <a:latin typeface="Quattrocento Sans"/>
-                <a:sym typeface="Quattrocento Sans"/>
-              </a:rPr>
-              <a:t>Mapping</a:t>
-            </a:r>
-            <a:r>
-              <a:rPr lang="pt-PT" sz="1800" b="1" dirty="0">
-                <a:latin typeface="Quattrocento Sans"/>
-                <a:sym typeface="Quattrocento Sans"/>
-              </a:rPr>
-              <a:t> – Processo automatizado</a:t>
-            </a:r>
-          </a:p>
-          <a:p>
-            <a:pPr marL="285750" indent="-285750">
-              <a:spcBef>
-                <a:spcPts val="600"/>
-              </a:spcBef>
-              <a:buClr>
-                <a:srgbClr val="FFCD00"/>
-              </a:buClr>
-              <a:buSzPts val="2000"/>
-              <a:buFontTx/>
-              <a:buChar char="-"/>
-            </a:pPr>
-            <a:r>
-              <a:rPr lang="pt-PT" sz="1600" dirty="0">
-                <a:latin typeface="Quattrocento Sans"/>
-                <a:sym typeface="Quattrocento Sans"/>
-              </a:rPr>
-              <a:t>Adoção de ferramentas de análise de código</a:t>
-            </a:r>
-          </a:p>
-          <a:p>
-            <a:pPr marL="285750" indent="-285750">
-              <a:spcBef>
-                <a:spcPts val="600"/>
-              </a:spcBef>
-              <a:buClr>
-                <a:srgbClr val="FFCD00"/>
-              </a:buClr>
-              <a:buSzPts val="2000"/>
-              <a:buFontTx/>
-              <a:buChar char="-"/>
-            </a:pPr>
-            <a:r>
-              <a:rPr lang="pt-PT" sz="1600" dirty="0">
-                <a:latin typeface="Quattrocento Sans"/>
-                <a:sym typeface="Quattrocento Sans"/>
-              </a:rPr>
-              <a:t>Introdução das ferramentas de análise de código no processo de desenvolvimento</a:t>
-            </a:r>
-          </a:p>
-          <a:p>
-            <a:pPr marL="285750" indent="-285750">
-              <a:spcBef>
-                <a:spcPts val="600"/>
-              </a:spcBef>
-              <a:buClr>
-                <a:srgbClr val="FFCD00"/>
-              </a:buClr>
-              <a:buSzPts val="2000"/>
-              <a:buFontTx/>
-              <a:buChar char="-"/>
-            </a:pPr>
-            <a:r>
-              <a:rPr lang="pt-PT" sz="1600" dirty="0">
-                <a:latin typeface="Quattrocento Sans"/>
-                <a:sym typeface="Quattrocento Sans"/>
-              </a:rPr>
-              <a:t>Contribui de forma positiva para o processo de desenvolvimento de software</a:t>
-            </a:r>
-            <a:endParaRPr lang="pt-PT" dirty="0">
-              <a:latin typeface="Quattrocento Sans"/>
-              <a:sym typeface="Quattrocento Sans"/>
-            </a:endParaRPr>
           </a:p>
         </p:txBody>
       </p:sp>
     </p:spTree>
     <p:extLst>
       <p:ext uri="{BB962C8B-B14F-4D97-AF65-F5344CB8AC3E}">
-        <p14:creationId xmlns:p14="http://schemas.microsoft.com/office/powerpoint/2010/main" val="3371177280"/>
+        <p14:creationId xmlns:p14="http://schemas.microsoft.com/office/powerpoint/2010/main" val="2771019308"/>
       </p:ext>
     </p:extLst>
   </p:cSld>
@@ -8506,7 +8810,7 @@
 </p:sld>
 </file>
 
-<file path=ppt/slides/slide11.xml><?xml version="1.0" encoding="utf-8"?>
+<file path=ppt/slides/slide12.xml><?xml version="1.0" encoding="utf-8"?>
 <p:sld xmlns:a="http://schemas.openxmlformats.org/drawingml/2006/main" xmlns:r="http://schemas.openxmlformats.org/officeDocument/2006/relationships" xmlns:p="http://schemas.openxmlformats.org/presentationml/2006/main">
   <p:cSld>
     <p:spTree>
@@ -9345,7 +9649,7 @@
             </a:pPr>
             <a:fld id="{00000000-1234-1234-1234-123412341234}" type="slidenum">
               <a:rPr lang="en"/>
-              <a:t>11</a:t>
+              <a:t>12</a:t>
             </a:fld>
             <a:endParaRPr/>
           </a:p>
@@ -10070,6 +10374,36 @@
           </a:p>
         </p:txBody>
       </p:sp>
+      <p:pic>
+        <p:nvPicPr>
+          <p:cNvPr id="2" name="Imagem 1">
+            <a:extLst>
+              <a:ext uri="{FF2B5EF4-FFF2-40B4-BE49-F238E27FC236}">
+                <a16:creationId xmlns:a16="http://schemas.microsoft.com/office/drawing/2014/main" id="{DCCCF65D-5FDC-46E8-AD58-E06066AF59A9}"/>
+              </a:ext>
+            </a:extLst>
+          </p:cNvPr>
+          <p:cNvPicPr>
+            <a:picLocks noChangeAspect="1"/>
+          </p:cNvPicPr>
+          <p:nvPr/>
+        </p:nvPicPr>
+        <p:blipFill>
+          <a:blip r:embed="rId3"/>
+          <a:stretch>
+            <a:fillRect/>
+          </a:stretch>
+        </p:blipFill>
+        <p:spPr>
+          <a:xfrm>
+            <a:off x="1489472" y="1711725"/>
+            <a:ext cx="6165056" cy="2830634"/>
+          </a:xfrm>
+          <a:prstGeom prst="rect">
+            <a:avLst/>
+          </a:prstGeom>
+        </p:spPr>
+      </p:pic>
     </p:spTree>
   </p:cSld>
   <p:clrMapOvr>
@@ -11180,113 +11514,6 @@
       </p:grpSpPr>
       <p:sp>
         <p:nvSpPr>
-          <p:cNvPr id="157" name="Google Shape;157;p19"/>
-          <p:cNvSpPr txBox="1">
-            <a:spLocks noGrp="1"/>
-          </p:cNvSpPr>
-          <p:nvPr>
-            <p:ph type="body" idx="1"/>
-          </p:nvPr>
-        </p:nvSpPr>
-        <p:spPr>
-          <a:xfrm>
-            <a:off x="564865" y="1668336"/>
-            <a:ext cx="3526505" cy="3231000"/>
-          </a:xfrm>
-          <a:prstGeom prst="rect">
-            <a:avLst/>
-          </a:prstGeom>
-        </p:spPr>
-        <p:txBody>
-          <a:bodyPr spcFirstLastPara="1" wrap="square" lIns="91425" tIns="91425" rIns="91425" bIns="91425" anchor="t" anchorCtr="0">
-            <a:noAutofit/>
-          </a:bodyPr>
-          <a:lstStyle/>
-          <a:p>
-            <a:pPr marL="0" lvl="0" indent="0" algn="l" rtl="0">
-              <a:spcBef>
-                <a:spcPts val="600"/>
-              </a:spcBef>
-              <a:spcAft>
-                <a:spcPts val="0"/>
-              </a:spcAft>
-              <a:buNone/>
-            </a:pPr>
-            <a:r>
-              <a:rPr lang="pt-PT" b="1" dirty="0">
-                <a:highlight>
-                  <a:srgbClr val="FFCD00"/>
-                </a:highlight>
-              </a:rPr>
-              <a:t>Tradicional</a:t>
-            </a:r>
-            <a:endParaRPr b="1" dirty="0">
-              <a:highlight>
-                <a:srgbClr val="FFCD00"/>
-              </a:highlight>
-            </a:endParaRPr>
-          </a:p>
-          <a:p>
-            <a:pPr marL="0" lvl="0" indent="0">
-              <a:buNone/>
-            </a:pPr>
-            <a:r>
-              <a:rPr lang="pt-PT" sz="1400" dirty="0"/>
-              <a:t>É mais simples</a:t>
-            </a:r>
-            <a:r>
-              <a:rPr lang="pt-PT" sz="1400" i="1" dirty="0"/>
-              <a:t>, o</a:t>
-            </a:r>
-            <a:r>
-              <a:rPr lang="pt-PT" sz="1400" dirty="0"/>
-              <a:t> que lhe confere bastante liberdade. </a:t>
-            </a:r>
-          </a:p>
-          <a:p>
-            <a:pPr marL="0" lvl="0" indent="0">
-              <a:buNone/>
-            </a:pPr>
-            <a:r>
-              <a:rPr lang="pt-PT" sz="1400" dirty="0"/>
-              <a:t>Não existem regras bem definidas: </a:t>
-            </a:r>
-          </a:p>
-          <a:p>
-            <a:pPr marL="171450" lvl="0" indent="-171450">
-              <a:buFont typeface="Courier New" panose="02070309020205020404" pitchFamily="49" charset="0"/>
-              <a:buChar char="o"/>
-            </a:pPr>
-            <a:r>
-              <a:rPr lang="pt-PT" sz="1200" dirty="0"/>
-              <a:t> escolhe-se o tema da pesquisa;</a:t>
-            </a:r>
-          </a:p>
-          <a:p>
-            <a:pPr marL="171450" lvl="0" indent="-171450">
-              <a:buFont typeface="Courier New" panose="02070309020205020404" pitchFamily="49" charset="0"/>
-              <a:buChar char="o"/>
-            </a:pPr>
-            <a:r>
-              <a:rPr lang="pt-PT" sz="1200" dirty="0"/>
-              <a:t> escolhem-se os artigos mais relevantes;</a:t>
-            </a:r>
-          </a:p>
-          <a:p>
-            <a:pPr marL="171450" lvl="0" indent="-171450">
-              <a:buFont typeface="Courier New" panose="02070309020205020404" pitchFamily="49" charset="0"/>
-              <a:buChar char="o"/>
-            </a:pPr>
-            <a:r>
-              <a:rPr lang="pt-PT" sz="1200" dirty="0"/>
-              <a:t> resume-se os conteúdos e consulta-se as referências presentes no artigo.</a:t>
-            </a:r>
-            <a:endParaRPr sz="1200" dirty="0"/>
-          </a:p>
-        </p:txBody>
-      </p:sp>
-      <p:sp>
-        <p:nvSpPr>
           <p:cNvPr id="158" name="Google Shape;158;p19"/>
           <p:cNvSpPr txBox="1">
             <a:spLocks noGrp="1"/>
@@ -11324,151 +11551,6 @@
               <a:t>Análise do processo</a:t>
             </a:r>
             <a:endParaRPr dirty="0"/>
-          </a:p>
-        </p:txBody>
-      </p:sp>
-      <p:sp>
-        <p:nvSpPr>
-          <p:cNvPr id="159" name="Google Shape;159;p19"/>
-          <p:cNvSpPr txBox="1">
-            <a:spLocks noGrp="1"/>
-          </p:cNvSpPr>
-          <p:nvPr>
-            <p:ph type="body" idx="2"/>
-          </p:nvPr>
-        </p:nvSpPr>
-        <p:spPr>
-          <a:xfrm>
-            <a:off x="4227102" y="1668336"/>
-            <a:ext cx="4645435" cy="3231000"/>
-          </a:xfrm>
-          <a:prstGeom prst="rect">
-            <a:avLst/>
-          </a:prstGeom>
-        </p:spPr>
-        <p:txBody>
-          <a:bodyPr spcFirstLastPara="1" wrap="square" lIns="91425" tIns="91425" rIns="91425" bIns="91425" anchor="t" anchorCtr="0">
-            <a:noAutofit/>
-          </a:bodyPr>
-          <a:lstStyle/>
-          <a:p>
-            <a:pPr marL="0" lvl="0" indent="0" algn="l" rtl="0">
-              <a:spcBef>
-                <a:spcPts val="600"/>
-              </a:spcBef>
-              <a:spcAft>
-                <a:spcPts val="0"/>
-              </a:spcAft>
-              <a:buNone/>
-            </a:pPr>
-            <a:r>
-              <a:rPr lang="pt-PT" b="1" dirty="0" err="1">
-                <a:highlight>
-                  <a:srgbClr val="FFCD00"/>
-                </a:highlight>
-              </a:rPr>
-              <a:t>Mapping</a:t>
-            </a:r>
-            <a:endParaRPr b="1" dirty="0">
-              <a:highlight>
-                <a:srgbClr val="FFCD00"/>
-              </a:highlight>
-            </a:endParaRPr>
-          </a:p>
-          <a:p>
-            <a:pPr marL="0" lvl="0" indent="0" algn="l" rtl="0">
-              <a:spcBef>
-                <a:spcPts val="600"/>
-              </a:spcBef>
-              <a:spcAft>
-                <a:spcPts val="0"/>
-              </a:spcAft>
-              <a:buNone/>
-            </a:pPr>
-            <a:r>
-              <a:rPr lang="pt-PT" sz="1400" dirty="0"/>
-              <a:t>O método de </a:t>
-            </a:r>
-            <a:r>
-              <a:rPr lang="pt-PT" sz="1400" i="1" dirty="0" err="1"/>
-              <a:t>mapping</a:t>
-            </a:r>
-            <a:r>
-              <a:rPr lang="pt-PT" sz="1400" dirty="0"/>
-              <a:t> é bem estruturado e apresenta habitualmente 6 fases:</a:t>
-            </a:r>
-          </a:p>
-          <a:p>
-            <a:pPr lvl="0">
-              <a:buFont typeface="Courier New" panose="02070309020205020404" pitchFamily="49" charset="0"/>
-              <a:buChar char="o"/>
-            </a:pPr>
-            <a:r>
-              <a:rPr lang="pt-PT" sz="1200" dirty="0"/>
-              <a:t>Identificar o tópico a desenvolver e definir um protocolo que inclui questões e que ditará as regras durante a revisão;</a:t>
-            </a:r>
-          </a:p>
-          <a:p>
-            <a:pPr lvl="0">
-              <a:buFont typeface="Courier New" panose="02070309020205020404" pitchFamily="49" charset="0"/>
-              <a:buChar char="o"/>
-            </a:pPr>
-            <a:r>
-              <a:rPr lang="pt-PT" sz="1200" dirty="0"/>
-              <a:t>Realizar uma pesquisa primária por artigos;</a:t>
-            </a:r>
-          </a:p>
-          <a:p>
-            <a:pPr lvl="0">
-              <a:buFont typeface="Courier New" panose="02070309020205020404" pitchFamily="49" charset="0"/>
-              <a:buChar char="o"/>
-            </a:pPr>
-            <a:r>
-              <a:rPr lang="pt-PT" sz="1200" dirty="0"/>
-              <a:t>Analisar os artigos, filtrando os necessários;</a:t>
-            </a:r>
-          </a:p>
-          <a:p>
-            <a:pPr lvl="0">
-              <a:buFont typeface="Courier New" panose="02070309020205020404" pitchFamily="49" charset="0"/>
-              <a:buChar char="o"/>
-            </a:pPr>
-            <a:r>
-              <a:rPr lang="pt-PT" sz="1200" dirty="0"/>
-              <a:t>Definir categorias em que os artigos serão divididos;</a:t>
-            </a:r>
-          </a:p>
-          <a:p>
-            <a:pPr lvl="0">
-              <a:buFont typeface="Courier New" panose="02070309020205020404" pitchFamily="49" charset="0"/>
-              <a:buChar char="o"/>
-            </a:pPr>
-            <a:r>
-              <a:rPr lang="pt-PT" sz="1200" dirty="0"/>
-              <a:t>Codificar os artigos relativos a cada categoria;</a:t>
-            </a:r>
-          </a:p>
-          <a:p>
-            <a:pPr lvl="0">
-              <a:buFont typeface="Courier New" panose="02070309020205020404" pitchFamily="49" charset="0"/>
-              <a:buChar char="o"/>
-            </a:pPr>
-            <a:r>
-              <a:rPr lang="pt-PT" sz="1200" dirty="0"/>
-              <a:t>Analisar e responder às questões desenvolvidas inicialmente.</a:t>
-            </a:r>
-          </a:p>
-          <a:p>
-            <a:pPr marL="0" lvl="0" indent="0" algn="l" rtl="0">
-              <a:spcBef>
-                <a:spcPts val="600"/>
-              </a:spcBef>
-              <a:spcAft>
-                <a:spcPts val="0"/>
-              </a:spcAft>
-              <a:buNone/>
-            </a:pPr>
-            <a:endParaRPr sz="1400" dirty="0"/>
           </a:p>
         </p:txBody>
       </p:sp>
@@ -12084,6 +12166,96 @@
           </a:p>
         </p:txBody>
       </p:sp>
+      <p:pic>
+        <p:nvPicPr>
+          <p:cNvPr id="6" name="Imagem 5">
+            <a:extLst>
+              <a:ext uri="{FF2B5EF4-FFF2-40B4-BE49-F238E27FC236}">
+                <a16:creationId xmlns:a16="http://schemas.microsoft.com/office/drawing/2014/main" id="{2626BDA3-950D-4D7D-98F0-B7A5B2D27533}"/>
+              </a:ext>
+            </a:extLst>
+          </p:cNvPr>
+          <p:cNvPicPr>
+            <a:picLocks noChangeAspect="1"/>
+          </p:cNvPicPr>
+          <p:nvPr/>
+        </p:nvPicPr>
+        <p:blipFill>
+          <a:blip r:embed="rId3"/>
+          <a:stretch>
+            <a:fillRect/>
+          </a:stretch>
+        </p:blipFill>
+        <p:spPr>
+          <a:xfrm>
+            <a:off x="266481" y="1837583"/>
+            <a:ext cx="4221892" cy="2912268"/>
+          </a:xfrm>
+          <a:prstGeom prst="rect">
+            <a:avLst/>
+          </a:prstGeom>
+        </p:spPr>
+      </p:pic>
+      <p:pic>
+        <p:nvPicPr>
+          <p:cNvPr id="7" name="Imagem 6">
+            <a:extLst>
+              <a:ext uri="{FF2B5EF4-FFF2-40B4-BE49-F238E27FC236}">
+                <a16:creationId xmlns:a16="http://schemas.microsoft.com/office/drawing/2014/main" id="{ACBDF240-1666-4DF2-9F99-FB5211282223}"/>
+              </a:ext>
+            </a:extLst>
+          </p:cNvPr>
+          <p:cNvPicPr>
+            <a:picLocks noChangeAspect="1"/>
+          </p:cNvPicPr>
+          <p:nvPr/>
+        </p:nvPicPr>
+        <p:blipFill>
+          <a:blip r:embed="rId4"/>
+          <a:stretch>
+            <a:fillRect/>
+          </a:stretch>
+        </p:blipFill>
+        <p:spPr>
+          <a:xfrm>
+            <a:off x="4655410" y="1818852"/>
+            <a:ext cx="4162425" cy="3127799"/>
+          </a:xfrm>
+          <a:prstGeom prst="rect">
+            <a:avLst/>
+          </a:prstGeom>
+        </p:spPr>
+      </p:pic>
+      <p:pic>
+        <p:nvPicPr>
+          <p:cNvPr id="8" name="Imagem 7">
+            <a:extLst>
+              <a:ext uri="{FF2B5EF4-FFF2-40B4-BE49-F238E27FC236}">
+                <a16:creationId xmlns:a16="http://schemas.microsoft.com/office/drawing/2014/main" id="{F6D5A1BF-2669-443F-A9A7-50FA712B3B95}"/>
+              </a:ext>
+            </a:extLst>
+          </p:cNvPr>
+          <p:cNvPicPr>
+            <a:picLocks noChangeAspect="1"/>
+          </p:cNvPicPr>
+          <p:nvPr/>
+        </p:nvPicPr>
+        <p:blipFill>
+          <a:blip r:embed="rId5"/>
+          <a:stretch>
+            <a:fillRect/>
+          </a:stretch>
+        </p:blipFill>
+        <p:spPr>
+          <a:xfrm>
+            <a:off x="4693305" y="1559613"/>
+            <a:ext cx="4086633" cy="285114"/>
+          </a:xfrm>
+          <a:prstGeom prst="rect">
+            <a:avLst/>
+          </a:prstGeom>
+        </p:spPr>
+      </p:pic>
     </p:spTree>
   </p:cSld>
   <p:clrMapOvr>
@@ -12093,6 +12265,1520 @@
 </file>
 
 <file path=ppt/slides/slide5.xml><?xml version="1.0" encoding="utf-8"?>
+<p:sld xmlns:a="http://schemas.openxmlformats.org/drawingml/2006/main" xmlns:r="http://schemas.openxmlformats.org/officeDocument/2006/relationships" xmlns:p="http://schemas.openxmlformats.org/presentationml/2006/main">
+  <p:cSld>
+    <p:spTree>
+      <p:nvGrpSpPr>
+        <p:cNvPr id="1" name="Shape 156"/>
+        <p:cNvGrpSpPr/>
+        <p:nvPr/>
+      </p:nvGrpSpPr>
+      <p:grpSpPr>
+        <a:xfrm>
+          <a:off x="0" y="0"/>
+          <a:ext cx="0" cy="0"/>
+          <a:chOff x="0" y="0"/>
+          <a:chExt cx="0" cy="0"/>
+        </a:xfrm>
+      </p:grpSpPr>
+      <p:sp>
+        <p:nvSpPr>
+          <p:cNvPr id="158" name="Google Shape;158;p19"/>
+          <p:cNvSpPr txBox="1">
+            <a:spLocks noGrp="1"/>
+          </p:cNvSpPr>
+          <p:nvPr>
+            <p:ph type="title"/>
+          </p:nvPr>
+        </p:nvSpPr>
+        <p:spPr>
+          <a:xfrm>
+            <a:off x="1381250" y="922668"/>
+            <a:ext cx="3878400" cy="435600"/>
+          </a:xfrm>
+          <a:prstGeom prst="rect">
+            <a:avLst/>
+          </a:prstGeom>
+        </p:spPr>
+        <p:txBody>
+          <a:bodyPr spcFirstLastPara="1" wrap="square" lIns="91425" tIns="91425" rIns="91425" bIns="91425" anchor="ctr" anchorCtr="0">
+            <a:noAutofit/>
+          </a:bodyPr>
+          <a:lstStyle/>
+          <a:p>
+            <a:pPr marL="0" lvl="0" indent="0" algn="l" rtl="0">
+              <a:spcBef>
+                <a:spcPts val="0"/>
+              </a:spcBef>
+              <a:spcAft>
+                <a:spcPts val="0"/>
+              </a:spcAft>
+              <a:buNone/>
+            </a:pPr>
+            <a:r>
+              <a:rPr lang="pt-PT" dirty="0"/>
+              <a:t>Análise do processo</a:t>
+            </a:r>
+            <a:endParaRPr dirty="0"/>
+          </a:p>
+        </p:txBody>
+      </p:sp>
+      <p:grpSp>
+        <p:nvGrpSpPr>
+          <p:cNvPr id="160" name="Google Shape;160;p19"/>
+          <p:cNvGrpSpPr/>
+          <p:nvPr/>
+        </p:nvGrpSpPr>
+        <p:grpSpPr>
+          <a:xfrm>
+            <a:off x="916458" y="1019750"/>
+            <a:ext cx="214625" cy="214625"/>
+            <a:chOff x="2594050" y="1631825"/>
+            <a:chExt cx="439625" cy="439625"/>
+          </a:xfrm>
+        </p:grpSpPr>
+        <p:sp>
+          <p:nvSpPr>
+            <p:cNvPr id="161" name="Google Shape;161;p19"/>
+            <p:cNvSpPr/>
+            <p:nvPr/>
+          </p:nvSpPr>
+          <p:spPr>
+            <a:xfrm>
+              <a:off x="2594050" y="1883300"/>
+              <a:ext cx="188175" cy="188150"/>
+            </a:xfrm>
+            <a:custGeom>
+              <a:avLst/>
+              <a:gdLst/>
+              <a:ahLst/>
+              <a:cxnLst/>
+              <a:rect l="l" t="t" r="r" b="b"/>
+              <a:pathLst>
+                <a:path w="7527" h="7526" fill="none" extrusionOk="0">
+                  <a:moveTo>
+                    <a:pt x="5992" y="0"/>
+                  </a:moveTo>
+                  <a:lnTo>
+                    <a:pt x="537" y="6430"/>
+                  </a:lnTo>
+                  <a:lnTo>
+                    <a:pt x="1" y="7526"/>
+                  </a:lnTo>
+                  <a:lnTo>
+                    <a:pt x="1097" y="6990"/>
+                  </a:lnTo>
+                  <a:lnTo>
+                    <a:pt x="7526" y="1534"/>
+                  </a:lnTo>
+                  <a:lnTo>
+                    <a:pt x="5992" y="0"/>
+                  </a:lnTo>
+                  <a:close/>
+                </a:path>
+              </a:pathLst>
+            </a:custGeom>
+            <a:noFill/>
+            <a:ln w="9525" cap="rnd" cmpd="sng">
+              <a:solidFill>
+                <a:srgbClr val="000000"/>
+              </a:solidFill>
+              <a:prstDash val="solid"/>
+              <a:round/>
+              <a:headEnd type="none" w="sm" len="sm"/>
+              <a:tailEnd type="none" w="sm" len="sm"/>
+            </a:ln>
+          </p:spPr>
+          <p:txBody>
+            <a:bodyPr spcFirstLastPara="1" wrap="square" lIns="91425" tIns="91425" rIns="91425" bIns="91425" anchor="ctr" anchorCtr="0">
+              <a:noAutofit/>
+            </a:bodyPr>
+            <a:lstStyle/>
+            <a:p>
+              <a:pPr marL="0" lvl="0" indent="0" algn="l" rtl="0">
+                <a:spcBef>
+                  <a:spcPts val="0"/>
+                </a:spcBef>
+                <a:spcAft>
+                  <a:spcPts val="0"/>
+                </a:spcAft>
+                <a:buNone/>
+              </a:pPr>
+              <a:endParaRPr/>
+            </a:p>
+          </p:txBody>
+        </p:sp>
+        <p:sp>
+          <p:nvSpPr>
+            <p:cNvPr id="162" name="Google Shape;162;p19"/>
+            <p:cNvSpPr/>
+            <p:nvPr/>
+          </p:nvSpPr>
+          <p:spPr>
+            <a:xfrm>
+              <a:off x="2857700" y="1631825"/>
+              <a:ext cx="175975" cy="176000"/>
+            </a:xfrm>
+            <a:custGeom>
+              <a:avLst/>
+              <a:gdLst/>
+              <a:ahLst/>
+              <a:cxnLst/>
+              <a:rect l="l" t="t" r="r" b="b"/>
+              <a:pathLst>
+                <a:path w="7039" h="7040" fill="none" extrusionOk="0">
+                  <a:moveTo>
+                    <a:pt x="268" y="2704"/>
+                  </a:moveTo>
+                  <a:lnTo>
+                    <a:pt x="4336" y="6771"/>
+                  </a:lnTo>
+                  <a:lnTo>
+                    <a:pt x="4336" y="6771"/>
+                  </a:lnTo>
+                  <a:lnTo>
+                    <a:pt x="4336" y="6771"/>
+                  </a:lnTo>
+                  <a:lnTo>
+                    <a:pt x="4652" y="6917"/>
+                  </a:lnTo>
+                  <a:lnTo>
+                    <a:pt x="4993" y="7015"/>
+                  </a:lnTo>
+                  <a:lnTo>
+                    <a:pt x="5310" y="7039"/>
+                  </a:lnTo>
+                  <a:lnTo>
+                    <a:pt x="5651" y="7039"/>
+                  </a:lnTo>
+                  <a:lnTo>
+                    <a:pt x="5992" y="6966"/>
+                  </a:lnTo>
+                  <a:lnTo>
+                    <a:pt x="6308" y="6844"/>
+                  </a:lnTo>
+                  <a:lnTo>
+                    <a:pt x="6454" y="6747"/>
+                  </a:lnTo>
+                  <a:lnTo>
+                    <a:pt x="6601" y="6674"/>
+                  </a:lnTo>
+                  <a:lnTo>
+                    <a:pt x="6747" y="6552"/>
+                  </a:lnTo>
+                  <a:lnTo>
+                    <a:pt x="6893" y="6430"/>
+                  </a:lnTo>
+                  <a:lnTo>
+                    <a:pt x="6893" y="6430"/>
+                  </a:lnTo>
+                  <a:lnTo>
+                    <a:pt x="6942" y="6357"/>
+                  </a:lnTo>
+                  <a:lnTo>
+                    <a:pt x="7015" y="6260"/>
+                  </a:lnTo>
+                  <a:lnTo>
+                    <a:pt x="7039" y="6138"/>
+                  </a:lnTo>
+                  <a:lnTo>
+                    <a:pt x="7039" y="6041"/>
+                  </a:lnTo>
+                  <a:lnTo>
+                    <a:pt x="7039" y="6041"/>
+                  </a:lnTo>
+                  <a:lnTo>
+                    <a:pt x="7039" y="5943"/>
+                  </a:lnTo>
+                  <a:lnTo>
+                    <a:pt x="7015" y="5846"/>
+                  </a:lnTo>
+                  <a:lnTo>
+                    <a:pt x="6942" y="5748"/>
+                  </a:lnTo>
+                  <a:lnTo>
+                    <a:pt x="6893" y="5651"/>
+                  </a:lnTo>
+                  <a:lnTo>
+                    <a:pt x="1389" y="147"/>
+                  </a:lnTo>
+                  <a:lnTo>
+                    <a:pt x="1389" y="147"/>
+                  </a:lnTo>
+                  <a:lnTo>
+                    <a:pt x="1291" y="98"/>
+                  </a:lnTo>
+                  <a:lnTo>
+                    <a:pt x="1194" y="25"/>
+                  </a:lnTo>
+                  <a:lnTo>
+                    <a:pt x="1096" y="0"/>
+                  </a:lnTo>
+                  <a:lnTo>
+                    <a:pt x="999" y="0"/>
+                  </a:lnTo>
+                  <a:lnTo>
+                    <a:pt x="999" y="0"/>
+                  </a:lnTo>
+                  <a:lnTo>
+                    <a:pt x="902" y="0"/>
+                  </a:lnTo>
+                  <a:lnTo>
+                    <a:pt x="780" y="25"/>
+                  </a:lnTo>
+                  <a:lnTo>
+                    <a:pt x="682" y="98"/>
+                  </a:lnTo>
+                  <a:lnTo>
+                    <a:pt x="609" y="147"/>
+                  </a:lnTo>
+                  <a:lnTo>
+                    <a:pt x="609" y="147"/>
+                  </a:lnTo>
+                  <a:lnTo>
+                    <a:pt x="487" y="293"/>
+                  </a:lnTo>
+                  <a:lnTo>
+                    <a:pt x="366" y="439"/>
+                  </a:lnTo>
+                  <a:lnTo>
+                    <a:pt x="293" y="585"/>
+                  </a:lnTo>
+                  <a:lnTo>
+                    <a:pt x="195" y="731"/>
+                  </a:lnTo>
+                  <a:lnTo>
+                    <a:pt x="73" y="1048"/>
+                  </a:lnTo>
+                  <a:lnTo>
+                    <a:pt x="0" y="1389"/>
+                  </a:lnTo>
+                  <a:lnTo>
+                    <a:pt x="0" y="1730"/>
+                  </a:lnTo>
+                  <a:lnTo>
+                    <a:pt x="25" y="2046"/>
+                  </a:lnTo>
+                  <a:lnTo>
+                    <a:pt x="122" y="2387"/>
+                  </a:lnTo>
+                  <a:lnTo>
+                    <a:pt x="268" y="2704"/>
+                  </a:lnTo>
+                  <a:lnTo>
+                    <a:pt x="268" y="2704"/>
+                  </a:lnTo>
+                  <a:close/>
+                </a:path>
+              </a:pathLst>
+            </a:custGeom>
+            <a:noFill/>
+            <a:ln w="9525" cap="rnd" cmpd="sng">
+              <a:solidFill>
+                <a:srgbClr val="000000"/>
+              </a:solidFill>
+              <a:prstDash val="solid"/>
+              <a:round/>
+              <a:headEnd type="none" w="sm" len="sm"/>
+              <a:tailEnd type="none" w="sm" len="sm"/>
+            </a:ln>
+          </p:spPr>
+          <p:txBody>
+            <a:bodyPr spcFirstLastPara="1" wrap="square" lIns="91425" tIns="91425" rIns="91425" bIns="91425" anchor="ctr" anchorCtr="0">
+              <a:noAutofit/>
+            </a:bodyPr>
+            <a:lstStyle/>
+            <a:p>
+              <a:pPr marL="0" lvl="0" indent="0" algn="l" rtl="0">
+                <a:spcBef>
+                  <a:spcPts val="0"/>
+                </a:spcBef>
+                <a:spcAft>
+                  <a:spcPts val="0"/>
+                </a:spcAft>
+                <a:buNone/>
+              </a:pPr>
+              <a:endParaRPr/>
+            </a:p>
+          </p:txBody>
+        </p:sp>
+        <p:sp>
+          <p:nvSpPr>
+            <p:cNvPr id="163" name="Google Shape;163;p19"/>
+            <p:cNvSpPr/>
+            <p:nvPr/>
+          </p:nvSpPr>
+          <p:spPr>
+            <a:xfrm>
+              <a:off x="2662850" y="1699400"/>
+              <a:ext cx="303250" cy="303250"/>
+            </a:xfrm>
+            <a:custGeom>
+              <a:avLst/>
+              <a:gdLst/>
+              <a:ahLst/>
+              <a:cxnLst/>
+              <a:rect l="l" t="t" r="r" b="b"/>
+              <a:pathLst>
+                <a:path w="12130" h="12130" fill="none" extrusionOk="0">
+                  <a:moveTo>
+                    <a:pt x="8038" y="1"/>
+                  </a:moveTo>
+                  <a:lnTo>
+                    <a:pt x="4872" y="3191"/>
+                  </a:lnTo>
+                  <a:lnTo>
+                    <a:pt x="4872" y="3191"/>
+                  </a:lnTo>
+                  <a:lnTo>
+                    <a:pt x="4628" y="3094"/>
+                  </a:lnTo>
+                  <a:lnTo>
+                    <a:pt x="4385" y="2997"/>
+                  </a:lnTo>
+                  <a:lnTo>
+                    <a:pt x="4092" y="2899"/>
+                  </a:lnTo>
+                  <a:lnTo>
+                    <a:pt x="3800" y="2850"/>
+                  </a:lnTo>
+                  <a:lnTo>
+                    <a:pt x="3484" y="2777"/>
+                  </a:lnTo>
+                  <a:lnTo>
+                    <a:pt x="3167" y="2729"/>
+                  </a:lnTo>
+                  <a:lnTo>
+                    <a:pt x="2850" y="2704"/>
+                  </a:lnTo>
+                  <a:lnTo>
+                    <a:pt x="2534" y="2704"/>
+                  </a:lnTo>
+                  <a:lnTo>
+                    <a:pt x="2534" y="2704"/>
+                  </a:lnTo>
+                  <a:lnTo>
+                    <a:pt x="2241" y="2704"/>
+                  </a:lnTo>
+                  <a:lnTo>
+                    <a:pt x="1949" y="2729"/>
+                  </a:lnTo>
+                  <a:lnTo>
+                    <a:pt x="1633" y="2777"/>
+                  </a:lnTo>
+                  <a:lnTo>
+                    <a:pt x="1316" y="2850"/>
+                  </a:lnTo>
+                  <a:lnTo>
+                    <a:pt x="999" y="2972"/>
+                  </a:lnTo>
+                  <a:lnTo>
+                    <a:pt x="707" y="3094"/>
+                  </a:lnTo>
+                  <a:lnTo>
+                    <a:pt x="415" y="3289"/>
+                  </a:lnTo>
+                  <a:lnTo>
+                    <a:pt x="147" y="3508"/>
+                  </a:lnTo>
+                  <a:lnTo>
+                    <a:pt x="147" y="3508"/>
+                  </a:lnTo>
+                  <a:lnTo>
+                    <a:pt x="74" y="3581"/>
+                  </a:lnTo>
+                  <a:lnTo>
+                    <a:pt x="25" y="3678"/>
+                  </a:lnTo>
+                  <a:lnTo>
+                    <a:pt x="1" y="3776"/>
+                  </a:lnTo>
+                  <a:lnTo>
+                    <a:pt x="1" y="3898"/>
+                  </a:lnTo>
+                  <a:lnTo>
+                    <a:pt x="1" y="3898"/>
+                  </a:lnTo>
+                  <a:lnTo>
+                    <a:pt x="1" y="3995"/>
+                  </a:lnTo>
+                  <a:lnTo>
+                    <a:pt x="25" y="4093"/>
+                  </a:lnTo>
+                  <a:lnTo>
+                    <a:pt x="74" y="4190"/>
+                  </a:lnTo>
+                  <a:lnTo>
+                    <a:pt x="147" y="4287"/>
+                  </a:lnTo>
+                  <a:lnTo>
+                    <a:pt x="7843" y="11984"/>
+                  </a:lnTo>
+                  <a:lnTo>
+                    <a:pt x="7843" y="11984"/>
+                  </a:lnTo>
+                  <a:lnTo>
+                    <a:pt x="7941" y="12057"/>
+                  </a:lnTo>
+                  <a:lnTo>
+                    <a:pt x="8038" y="12105"/>
+                  </a:lnTo>
+                  <a:lnTo>
+                    <a:pt x="8135" y="12130"/>
+                  </a:lnTo>
+                  <a:lnTo>
+                    <a:pt x="8233" y="12130"/>
+                  </a:lnTo>
+                  <a:lnTo>
+                    <a:pt x="8233" y="12130"/>
+                  </a:lnTo>
+                  <a:lnTo>
+                    <a:pt x="8355" y="12130"/>
+                  </a:lnTo>
+                  <a:lnTo>
+                    <a:pt x="8452" y="12105"/>
+                  </a:lnTo>
+                  <a:lnTo>
+                    <a:pt x="8549" y="12057"/>
+                  </a:lnTo>
+                  <a:lnTo>
+                    <a:pt x="8622" y="11984"/>
+                  </a:lnTo>
+                  <a:lnTo>
+                    <a:pt x="8622" y="11984"/>
+                  </a:lnTo>
+                  <a:lnTo>
+                    <a:pt x="8842" y="11716"/>
+                  </a:lnTo>
+                  <a:lnTo>
+                    <a:pt x="9036" y="11423"/>
+                  </a:lnTo>
+                  <a:lnTo>
+                    <a:pt x="9158" y="11131"/>
+                  </a:lnTo>
+                  <a:lnTo>
+                    <a:pt x="9280" y="10814"/>
+                  </a:lnTo>
+                  <a:lnTo>
+                    <a:pt x="9353" y="10498"/>
+                  </a:lnTo>
+                  <a:lnTo>
+                    <a:pt x="9402" y="10181"/>
+                  </a:lnTo>
+                  <a:lnTo>
+                    <a:pt x="9426" y="9889"/>
+                  </a:lnTo>
+                  <a:lnTo>
+                    <a:pt x="9426" y="9597"/>
+                  </a:lnTo>
+                  <a:lnTo>
+                    <a:pt x="9426" y="9597"/>
+                  </a:lnTo>
+                  <a:lnTo>
+                    <a:pt x="9426" y="9280"/>
+                  </a:lnTo>
+                  <a:lnTo>
+                    <a:pt x="9402" y="8964"/>
+                  </a:lnTo>
+                  <a:lnTo>
+                    <a:pt x="9353" y="8647"/>
+                  </a:lnTo>
+                  <a:lnTo>
+                    <a:pt x="9280" y="8330"/>
+                  </a:lnTo>
+                  <a:lnTo>
+                    <a:pt x="9231" y="8038"/>
+                  </a:lnTo>
+                  <a:lnTo>
+                    <a:pt x="9134" y="7746"/>
+                  </a:lnTo>
+                  <a:lnTo>
+                    <a:pt x="9036" y="7502"/>
+                  </a:lnTo>
+                  <a:lnTo>
+                    <a:pt x="8939" y="7259"/>
+                  </a:lnTo>
+                  <a:lnTo>
+                    <a:pt x="12130" y="4093"/>
+                  </a:lnTo>
+                </a:path>
+              </a:pathLst>
+            </a:custGeom>
+            <a:noFill/>
+            <a:ln w="9525" cap="rnd" cmpd="sng">
+              <a:solidFill>
+                <a:srgbClr val="000000"/>
+              </a:solidFill>
+              <a:prstDash val="solid"/>
+              <a:round/>
+              <a:headEnd type="none" w="sm" len="sm"/>
+              <a:tailEnd type="none" w="sm" len="sm"/>
+            </a:ln>
+          </p:spPr>
+          <p:txBody>
+            <a:bodyPr spcFirstLastPara="1" wrap="square" lIns="91425" tIns="91425" rIns="91425" bIns="91425" anchor="ctr" anchorCtr="0">
+              <a:noAutofit/>
+            </a:bodyPr>
+            <a:lstStyle/>
+            <a:p>
+              <a:pPr marL="0" lvl="0" indent="0" algn="l" rtl="0">
+                <a:spcBef>
+                  <a:spcPts val="0"/>
+                </a:spcBef>
+                <a:spcAft>
+                  <a:spcPts val="0"/>
+                </a:spcAft>
+                <a:buNone/>
+              </a:pPr>
+              <a:endParaRPr/>
+            </a:p>
+          </p:txBody>
+        </p:sp>
+        <p:sp>
+          <p:nvSpPr>
+            <p:cNvPr id="164" name="Google Shape;164;p19"/>
+            <p:cNvSpPr/>
+            <p:nvPr/>
+          </p:nvSpPr>
+          <p:spPr>
+            <a:xfrm>
+              <a:off x="2814912" y="1754062"/>
+              <a:ext cx="49950" cy="49950"/>
+            </a:xfrm>
+            <a:custGeom>
+              <a:avLst/>
+              <a:gdLst/>
+              <a:ahLst/>
+              <a:cxnLst/>
+              <a:rect l="l" t="t" r="r" b="b"/>
+              <a:pathLst>
+                <a:path w="1998" h="1998" fill="none" extrusionOk="0">
+                  <a:moveTo>
+                    <a:pt x="1" y="1997"/>
+                  </a:moveTo>
+                  <a:lnTo>
+                    <a:pt x="1998" y="0"/>
+                  </a:lnTo>
+                </a:path>
+              </a:pathLst>
+            </a:custGeom>
+            <a:noFill/>
+            <a:ln w="9525" cap="rnd" cmpd="sng">
+              <a:solidFill>
+                <a:srgbClr val="000000"/>
+              </a:solidFill>
+              <a:prstDash val="solid"/>
+              <a:round/>
+              <a:headEnd type="none" w="sm" len="sm"/>
+              <a:tailEnd type="none" w="sm" len="sm"/>
+            </a:ln>
+          </p:spPr>
+          <p:txBody>
+            <a:bodyPr spcFirstLastPara="1" wrap="square" lIns="91425" tIns="91425" rIns="91425" bIns="91425" anchor="ctr" anchorCtr="0">
+              <a:noAutofit/>
+            </a:bodyPr>
+            <a:lstStyle/>
+            <a:p>
+              <a:pPr marL="0" lvl="0" indent="0" algn="l" rtl="0">
+                <a:spcBef>
+                  <a:spcPts val="0"/>
+                </a:spcBef>
+                <a:spcAft>
+                  <a:spcPts val="0"/>
+                </a:spcAft>
+                <a:buNone/>
+              </a:pPr>
+              <a:endParaRPr/>
+            </a:p>
+          </p:txBody>
+        </p:sp>
+      </p:grpSp>
+      <p:sp>
+        <p:nvSpPr>
+          <p:cNvPr id="165" name="Google Shape;165;p19"/>
+          <p:cNvSpPr txBox="1">
+            <a:spLocks noGrp="1"/>
+          </p:cNvSpPr>
+          <p:nvPr>
+            <p:ph type="sldNum" idx="12"/>
+          </p:nvPr>
+        </p:nvSpPr>
+        <p:spPr>
+          <a:xfrm>
+            <a:off x="8543227" y="4749851"/>
+            <a:ext cx="548700" cy="393600"/>
+          </a:xfrm>
+          <a:prstGeom prst="rect">
+            <a:avLst/>
+          </a:prstGeom>
+        </p:spPr>
+        <p:txBody>
+          <a:bodyPr spcFirstLastPara="1" wrap="square" lIns="91425" tIns="91425" rIns="91425" bIns="91425" anchor="t" anchorCtr="0">
+            <a:noAutofit/>
+          </a:bodyPr>
+          <a:lstStyle/>
+          <a:p>
+            <a:pPr marL="0" lvl="0" indent="0" algn="r" rtl="0">
+              <a:spcBef>
+                <a:spcPts val="0"/>
+              </a:spcBef>
+              <a:spcAft>
+                <a:spcPts val="0"/>
+              </a:spcAft>
+              <a:buNone/>
+            </a:pPr>
+            <a:fld id="{00000000-1234-1234-1234-123412341234}" type="slidenum">
+              <a:rPr lang="en"/>
+              <a:t>5</a:t>
+            </a:fld>
+            <a:endParaRPr/>
+          </a:p>
+        </p:txBody>
+      </p:sp>
+      <p:pic>
+        <p:nvPicPr>
+          <p:cNvPr id="6" name="Imagem 5">
+            <a:extLst>
+              <a:ext uri="{FF2B5EF4-FFF2-40B4-BE49-F238E27FC236}">
+                <a16:creationId xmlns:a16="http://schemas.microsoft.com/office/drawing/2014/main" id="{2626BDA3-950D-4D7D-98F0-B7A5B2D27533}"/>
+              </a:ext>
+            </a:extLst>
+          </p:cNvPr>
+          <p:cNvPicPr>
+            <a:picLocks noChangeAspect="1"/>
+          </p:cNvPicPr>
+          <p:nvPr/>
+        </p:nvPicPr>
+        <p:blipFill>
+          <a:blip r:embed="rId3"/>
+          <a:srcRect/>
+          <a:stretch/>
+        </p:blipFill>
+        <p:spPr>
+          <a:xfrm>
+            <a:off x="471564" y="1837583"/>
+            <a:ext cx="3811725" cy="2912268"/>
+          </a:xfrm>
+          <a:prstGeom prst="rect">
+            <a:avLst/>
+          </a:prstGeom>
+        </p:spPr>
+      </p:pic>
+      <p:pic>
+        <p:nvPicPr>
+          <p:cNvPr id="7" name="Imagem 6">
+            <a:extLst>
+              <a:ext uri="{FF2B5EF4-FFF2-40B4-BE49-F238E27FC236}">
+                <a16:creationId xmlns:a16="http://schemas.microsoft.com/office/drawing/2014/main" id="{ACBDF240-1666-4DF2-9F99-FB5211282223}"/>
+              </a:ext>
+            </a:extLst>
+          </p:cNvPr>
+          <p:cNvPicPr>
+            <a:picLocks noChangeAspect="1"/>
+          </p:cNvPicPr>
+          <p:nvPr/>
+        </p:nvPicPr>
+        <p:blipFill>
+          <a:blip r:embed="rId4"/>
+          <a:srcRect/>
+          <a:stretch/>
+        </p:blipFill>
+        <p:spPr>
+          <a:xfrm>
+            <a:off x="4718874" y="1818852"/>
+            <a:ext cx="4035496" cy="3127799"/>
+          </a:xfrm>
+          <a:prstGeom prst="rect">
+            <a:avLst/>
+          </a:prstGeom>
+        </p:spPr>
+      </p:pic>
+      <p:pic>
+        <p:nvPicPr>
+          <p:cNvPr id="8" name="Imagem 7">
+            <a:extLst>
+              <a:ext uri="{FF2B5EF4-FFF2-40B4-BE49-F238E27FC236}">
+                <a16:creationId xmlns:a16="http://schemas.microsoft.com/office/drawing/2014/main" id="{F6D5A1BF-2669-443F-A9A7-50FA712B3B95}"/>
+              </a:ext>
+            </a:extLst>
+          </p:cNvPr>
+          <p:cNvPicPr>
+            <a:picLocks noChangeAspect="1"/>
+          </p:cNvPicPr>
+          <p:nvPr/>
+        </p:nvPicPr>
+        <p:blipFill>
+          <a:blip r:embed="rId5"/>
+          <a:srcRect/>
+          <a:stretch/>
+        </p:blipFill>
+        <p:spPr>
+          <a:xfrm>
+            <a:off x="4693305" y="1564916"/>
+            <a:ext cx="4086633" cy="260220"/>
+          </a:xfrm>
+          <a:prstGeom prst="rect">
+            <a:avLst/>
+          </a:prstGeom>
+        </p:spPr>
+      </p:pic>
+    </p:spTree>
+    <p:extLst>
+      <p:ext uri="{BB962C8B-B14F-4D97-AF65-F5344CB8AC3E}">
+        <p14:creationId xmlns:p14="http://schemas.microsoft.com/office/powerpoint/2010/main" val="1783499273"/>
+      </p:ext>
+    </p:extLst>
+  </p:cSld>
+  <p:clrMapOvr>
+    <a:masterClrMapping/>
+  </p:clrMapOvr>
+</p:sld>
+</file>
+
+<file path=ppt/slides/slide6.xml><?xml version="1.0" encoding="utf-8"?>
+<p:sld xmlns:a="http://schemas.openxmlformats.org/drawingml/2006/main" xmlns:r="http://schemas.openxmlformats.org/officeDocument/2006/relationships" xmlns:p="http://schemas.openxmlformats.org/presentationml/2006/main">
+  <p:cSld>
+    <p:spTree>
+      <p:nvGrpSpPr>
+        <p:cNvPr id="1" name="Shape 156"/>
+        <p:cNvGrpSpPr/>
+        <p:nvPr/>
+      </p:nvGrpSpPr>
+      <p:grpSpPr>
+        <a:xfrm>
+          <a:off x="0" y="0"/>
+          <a:ext cx="0" cy="0"/>
+          <a:chOff x="0" y="0"/>
+          <a:chExt cx="0" cy="0"/>
+        </a:xfrm>
+      </p:grpSpPr>
+      <p:sp>
+        <p:nvSpPr>
+          <p:cNvPr id="158" name="Google Shape;158;p19"/>
+          <p:cNvSpPr txBox="1">
+            <a:spLocks noGrp="1"/>
+          </p:cNvSpPr>
+          <p:nvPr>
+            <p:ph type="title"/>
+          </p:nvPr>
+        </p:nvSpPr>
+        <p:spPr>
+          <a:xfrm>
+            <a:off x="1381250" y="922668"/>
+            <a:ext cx="3878400" cy="435600"/>
+          </a:xfrm>
+          <a:prstGeom prst="rect">
+            <a:avLst/>
+          </a:prstGeom>
+        </p:spPr>
+        <p:txBody>
+          <a:bodyPr spcFirstLastPara="1" wrap="square" lIns="91425" tIns="91425" rIns="91425" bIns="91425" anchor="ctr" anchorCtr="0">
+            <a:noAutofit/>
+          </a:bodyPr>
+          <a:lstStyle/>
+          <a:p>
+            <a:pPr marL="0" lvl="0" indent="0" algn="l" rtl="0">
+              <a:spcBef>
+                <a:spcPts val="0"/>
+              </a:spcBef>
+              <a:spcAft>
+                <a:spcPts val="0"/>
+              </a:spcAft>
+              <a:buNone/>
+            </a:pPr>
+            <a:r>
+              <a:rPr lang="pt-PT" dirty="0"/>
+              <a:t>Análise do processo</a:t>
+            </a:r>
+            <a:endParaRPr dirty="0"/>
+          </a:p>
+        </p:txBody>
+      </p:sp>
+      <p:grpSp>
+        <p:nvGrpSpPr>
+          <p:cNvPr id="160" name="Google Shape;160;p19"/>
+          <p:cNvGrpSpPr/>
+          <p:nvPr/>
+        </p:nvGrpSpPr>
+        <p:grpSpPr>
+          <a:xfrm>
+            <a:off x="916458" y="1019750"/>
+            <a:ext cx="214625" cy="214625"/>
+            <a:chOff x="2594050" y="1631825"/>
+            <a:chExt cx="439625" cy="439625"/>
+          </a:xfrm>
+        </p:grpSpPr>
+        <p:sp>
+          <p:nvSpPr>
+            <p:cNvPr id="161" name="Google Shape;161;p19"/>
+            <p:cNvSpPr/>
+            <p:nvPr/>
+          </p:nvSpPr>
+          <p:spPr>
+            <a:xfrm>
+              <a:off x="2594050" y="1883300"/>
+              <a:ext cx="188175" cy="188150"/>
+            </a:xfrm>
+            <a:custGeom>
+              <a:avLst/>
+              <a:gdLst/>
+              <a:ahLst/>
+              <a:cxnLst/>
+              <a:rect l="l" t="t" r="r" b="b"/>
+              <a:pathLst>
+                <a:path w="7527" h="7526" fill="none" extrusionOk="0">
+                  <a:moveTo>
+                    <a:pt x="5992" y="0"/>
+                  </a:moveTo>
+                  <a:lnTo>
+                    <a:pt x="537" y="6430"/>
+                  </a:lnTo>
+                  <a:lnTo>
+                    <a:pt x="1" y="7526"/>
+                  </a:lnTo>
+                  <a:lnTo>
+                    <a:pt x="1097" y="6990"/>
+                  </a:lnTo>
+                  <a:lnTo>
+                    <a:pt x="7526" y="1534"/>
+                  </a:lnTo>
+                  <a:lnTo>
+                    <a:pt x="5992" y="0"/>
+                  </a:lnTo>
+                  <a:close/>
+                </a:path>
+              </a:pathLst>
+            </a:custGeom>
+            <a:noFill/>
+            <a:ln w="9525" cap="rnd" cmpd="sng">
+              <a:solidFill>
+                <a:srgbClr val="000000"/>
+              </a:solidFill>
+              <a:prstDash val="solid"/>
+              <a:round/>
+              <a:headEnd type="none" w="sm" len="sm"/>
+              <a:tailEnd type="none" w="sm" len="sm"/>
+            </a:ln>
+          </p:spPr>
+          <p:txBody>
+            <a:bodyPr spcFirstLastPara="1" wrap="square" lIns="91425" tIns="91425" rIns="91425" bIns="91425" anchor="ctr" anchorCtr="0">
+              <a:noAutofit/>
+            </a:bodyPr>
+            <a:lstStyle/>
+            <a:p>
+              <a:pPr marL="0" lvl="0" indent="0" algn="l" rtl="0">
+                <a:spcBef>
+                  <a:spcPts val="0"/>
+                </a:spcBef>
+                <a:spcAft>
+                  <a:spcPts val="0"/>
+                </a:spcAft>
+                <a:buNone/>
+              </a:pPr>
+              <a:endParaRPr/>
+            </a:p>
+          </p:txBody>
+        </p:sp>
+        <p:sp>
+          <p:nvSpPr>
+            <p:cNvPr id="162" name="Google Shape;162;p19"/>
+            <p:cNvSpPr/>
+            <p:nvPr/>
+          </p:nvSpPr>
+          <p:spPr>
+            <a:xfrm>
+              <a:off x="2857700" y="1631825"/>
+              <a:ext cx="175975" cy="176000"/>
+            </a:xfrm>
+            <a:custGeom>
+              <a:avLst/>
+              <a:gdLst/>
+              <a:ahLst/>
+              <a:cxnLst/>
+              <a:rect l="l" t="t" r="r" b="b"/>
+              <a:pathLst>
+                <a:path w="7039" h="7040" fill="none" extrusionOk="0">
+                  <a:moveTo>
+                    <a:pt x="268" y="2704"/>
+                  </a:moveTo>
+                  <a:lnTo>
+                    <a:pt x="4336" y="6771"/>
+                  </a:lnTo>
+                  <a:lnTo>
+                    <a:pt x="4336" y="6771"/>
+                  </a:lnTo>
+                  <a:lnTo>
+                    <a:pt x="4336" y="6771"/>
+                  </a:lnTo>
+                  <a:lnTo>
+                    <a:pt x="4652" y="6917"/>
+                  </a:lnTo>
+                  <a:lnTo>
+                    <a:pt x="4993" y="7015"/>
+                  </a:lnTo>
+                  <a:lnTo>
+                    <a:pt x="5310" y="7039"/>
+                  </a:lnTo>
+                  <a:lnTo>
+                    <a:pt x="5651" y="7039"/>
+                  </a:lnTo>
+                  <a:lnTo>
+                    <a:pt x="5992" y="6966"/>
+                  </a:lnTo>
+                  <a:lnTo>
+                    <a:pt x="6308" y="6844"/>
+                  </a:lnTo>
+                  <a:lnTo>
+                    <a:pt x="6454" y="6747"/>
+                  </a:lnTo>
+                  <a:lnTo>
+                    <a:pt x="6601" y="6674"/>
+                  </a:lnTo>
+                  <a:lnTo>
+                    <a:pt x="6747" y="6552"/>
+                  </a:lnTo>
+                  <a:lnTo>
+                    <a:pt x="6893" y="6430"/>
+                  </a:lnTo>
+                  <a:lnTo>
+                    <a:pt x="6893" y="6430"/>
+                  </a:lnTo>
+                  <a:lnTo>
+                    <a:pt x="6942" y="6357"/>
+                  </a:lnTo>
+                  <a:lnTo>
+                    <a:pt x="7015" y="6260"/>
+                  </a:lnTo>
+                  <a:lnTo>
+                    <a:pt x="7039" y="6138"/>
+                  </a:lnTo>
+                  <a:lnTo>
+                    <a:pt x="7039" y="6041"/>
+                  </a:lnTo>
+                  <a:lnTo>
+                    <a:pt x="7039" y="6041"/>
+                  </a:lnTo>
+                  <a:lnTo>
+                    <a:pt x="7039" y="5943"/>
+                  </a:lnTo>
+                  <a:lnTo>
+                    <a:pt x="7015" y="5846"/>
+                  </a:lnTo>
+                  <a:lnTo>
+                    <a:pt x="6942" y="5748"/>
+                  </a:lnTo>
+                  <a:lnTo>
+                    <a:pt x="6893" y="5651"/>
+                  </a:lnTo>
+                  <a:lnTo>
+                    <a:pt x="1389" y="147"/>
+                  </a:lnTo>
+                  <a:lnTo>
+                    <a:pt x="1389" y="147"/>
+                  </a:lnTo>
+                  <a:lnTo>
+                    <a:pt x="1291" y="98"/>
+                  </a:lnTo>
+                  <a:lnTo>
+                    <a:pt x="1194" y="25"/>
+                  </a:lnTo>
+                  <a:lnTo>
+                    <a:pt x="1096" y="0"/>
+                  </a:lnTo>
+                  <a:lnTo>
+                    <a:pt x="999" y="0"/>
+                  </a:lnTo>
+                  <a:lnTo>
+                    <a:pt x="999" y="0"/>
+                  </a:lnTo>
+                  <a:lnTo>
+                    <a:pt x="902" y="0"/>
+                  </a:lnTo>
+                  <a:lnTo>
+                    <a:pt x="780" y="25"/>
+                  </a:lnTo>
+                  <a:lnTo>
+                    <a:pt x="682" y="98"/>
+                  </a:lnTo>
+                  <a:lnTo>
+                    <a:pt x="609" y="147"/>
+                  </a:lnTo>
+                  <a:lnTo>
+                    <a:pt x="609" y="147"/>
+                  </a:lnTo>
+                  <a:lnTo>
+                    <a:pt x="487" y="293"/>
+                  </a:lnTo>
+                  <a:lnTo>
+                    <a:pt x="366" y="439"/>
+                  </a:lnTo>
+                  <a:lnTo>
+                    <a:pt x="293" y="585"/>
+                  </a:lnTo>
+                  <a:lnTo>
+                    <a:pt x="195" y="731"/>
+                  </a:lnTo>
+                  <a:lnTo>
+                    <a:pt x="73" y="1048"/>
+                  </a:lnTo>
+                  <a:lnTo>
+                    <a:pt x="0" y="1389"/>
+                  </a:lnTo>
+                  <a:lnTo>
+                    <a:pt x="0" y="1730"/>
+                  </a:lnTo>
+                  <a:lnTo>
+                    <a:pt x="25" y="2046"/>
+                  </a:lnTo>
+                  <a:lnTo>
+                    <a:pt x="122" y="2387"/>
+                  </a:lnTo>
+                  <a:lnTo>
+                    <a:pt x="268" y="2704"/>
+                  </a:lnTo>
+                  <a:lnTo>
+                    <a:pt x="268" y="2704"/>
+                  </a:lnTo>
+                  <a:close/>
+                </a:path>
+              </a:pathLst>
+            </a:custGeom>
+            <a:noFill/>
+            <a:ln w="9525" cap="rnd" cmpd="sng">
+              <a:solidFill>
+                <a:srgbClr val="000000"/>
+              </a:solidFill>
+              <a:prstDash val="solid"/>
+              <a:round/>
+              <a:headEnd type="none" w="sm" len="sm"/>
+              <a:tailEnd type="none" w="sm" len="sm"/>
+            </a:ln>
+          </p:spPr>
+          <p:txBody>
+            <a:bodyPr spcFirstLastPara="1" wrap="square" lIns="91425" tIns="91425" rIns="91425" bIns="91425" anchor="ctr" anchorCtr="0">
+              <a:noAutofit/>
+            </a:bodyPr>
+            <a:lstStyle/>
+            <a:p>
+              <a:pPr marL="0" lvl="0" indent="0" algn="l" rtl="0">
+                <a:spcBef>
+                  <a:spcPts val="0"/>
+                </a:spcBef>
+                <a:spcAft>
+                  <a:spcPts val="0"/>
+                </a:spcAft>
+                <a:buNone/>
+              </a:pPr>
+              <a:endParaRPr/>
+            </a:p>
+          </p:txBody>
+        </p:sp>
+        <p:sp>
+          <p:nvSpPr>
+            <p:cNvPr id="163" name="Google Shape;163;p19"/>
+            <p:cNvSpPr/>
+            <p:nvPr/>
+          </p:nvSpPr>
+          <p:spPr>
+            <a:xfrm>
+              <a:off x="2662850" y="1699400"/>
+              <a:ext cx="303250" cy="303250"/>
+            </a:xfrm>
+            <a:custGeom>
+              <a:avLst/>
+              <a:gdLst/>
+              <a:ahLst/>
+              <a:cxnLst/>
+              <a:rect l="l" t="t" r="r" b="b"/>
+              <a:pathLst>
+                <a:path w="12130" h="12130" fill="none" extrusionOk="0">
+                  <a:moveTo>
+                    <a:pt x="8038" y="1"/>
+                  </a:moveTo>
+                  <a:lnTo>
+                    <a:pt x="4872" y="3191"/>
+                  </a:lnTo>
+                  <a:lnTo>
+                    <a:pt x="4872" y="3191"/>
+                  </a:lnTo>
+                  <a:lnTo>
+                    <a:pt x="4628" y="3094"/>
+                  </a:lnTo>
+                  <a:lnTo>
+                    <a:pt x="4385" y="2997"/>
+                  </a:lnTo>
+                  <a:lnTo>
+                    <a:pt x="4092" y="2899"/>
+                  </a:lnTo>
+                  <a:lnTo>
+                    <a:pt x="3800" y="2850"/>
+                  </a:lnTo>
+                  <a:lnTo>
+                    <a:pt x="3484" y="2777"/>
+                  </a:lnTo>
+                  <a:lnTo>
+                    <a:pt x="3167" y="2729"/>
+                  </a:lnTo>
+                  <a:lnTo>
+                    <a:pt x="2850" y="2704"/>
+                  </a:lnTo>
+                  <a:lnTo>
+                    <a:pt x="2534" y="2704"/>
+                  </a:lnTo>
+                  <a:lnTo>
+                    <a:pt x="2534" y="2704"/>
+                  </a:lnTo>
+                  <a:lnTo>
+                    <a:pt x="2241" y="2704"/>
+                  </a:lnTo>
+                  <a:lnTo>
+                    <a:pt x="1949" y="2729"/>
+                  </a:lnTo>
+                  <a:lnTo>
+                    <a:pt x="1633" y="2777"/>
+                  </a:lnTo>
+                  <a:lnTo>
+                    <a:pt x="1316" y="2850"/>
+                  </a:lnTo>
+                  <a:lnTo>
+                    <a:pt x="999" y="2972"/>
+                  </a:lnTo>
+                  <a:lnTo>
+                    <a:pt x="707" y="3094"/>
+                  </a:lnTo>
+                  <a:lnTo>
+                    <a:pt x="415" y="3289"/>
+                  </a:lnTo>
+                  <a:lnTo>
+                    <a:pt x="147" y="3508"/>
+                  </a:lnTo>
+                  <a:lnTo>
+                    <a:pt x="147" y="3508"/>
+                  </a:lnTo>
+                  <a:lnTo>
+                    <a:pt x="74" y="3581"/>
+                  </a:lnTo>
+                  <a:lnTo>
+                    <a:pt x="25" y="3678"/>
+                  </a:lnTo>
+                  <a:lnTo>
+                    <a:pt x="1" y="3776"/>
+                  </a:lnTo>
+                  <a:lnTo>
+                    <a:pt x="1" y="3898"/>
+                  </a:lnTo>
+                  <a:lnTo>
+                    <a:pt x="1" y="3898"/>
+                  </a:lnTo>
+                  <a:lnTo>
+                    <a:pt x="1" y="3995"/>
+                  </a:lnTo>
+                  <a:lnTo>
+                    <a:pt x="25" y="4093"/>
+                  </a:lnTo>
+                  <a:lnTo>
+                    <a:pt x="74" y="4190"/>
+                  </a:lnTo>
+                  <a:lnTo>
+                    <a:pt x="147" y="4287"/>
+                  </a:lnTo>
+                  <a:lnTo>
+                    <a:pt x="7843" y="11984"/>
+                  </a:lnTo>
+                  <a:lnTo>
+                    <a:pt x="7843" y="11984"/>
+                  </a:lnTo>
+                  <a:lnTo>
+                    <a:pt x="7941" y="12057"/>
+                  </a:lnTo>
+                  <a:lnTo>
+                    <a:pt x="8038" y="12105"/>
+                  </a:lnTo>
+                  <a:lnTo>
+                    <a:pt x="8135" y="12130"/>
+                  </a:lnTo>
+                  <a:lnTo>
+                    <a:pt x="8233" y="12130"/>
+                  </a:lnTo>
+                  <a:lnTo>
+                    <a:pt x="8233" y="12130"/>
+                  </a:lnTo>
+                  <a:lnTo>
+                    <a:pt x="8355" y="12130"/>
+                  </a:lnTo>
+                  <a:lnTo>
+                    <a:pt x="8452" y="12105"/>
+                  </a:lnTo>
+                  <a:lnTo>
+                    <a:pt x="8549" y="12057"/>
+                  </a:lnTo>
+                  <a:lnTo>
+                    <a:pt x="8622" y="11984"/>
+                  </a:lnTo>
+                  <a:lnTo>
+                    <a:pt x="8622" y="11984"/>
+                  </a:lnTo>
+                  <a:lnTo>
+                    <a:pt x="8842" y="11716"/>
+                  </a:lnTo>
+                  <a:lnTo>
+                    <a:pt x="9036" y="11423"/>
+                  </a:lnTo>
+                  <a:lnTo>
+                    <a:pt x="9158" y="11131"/>
+                  </a:lnTo>
+                  <a:lnTo>
+                    <a:pt x="9280" y="10814"/>
+                  </a:lnTo>
+                  <a:lnTo>
+                    <a:pt x="9353" y="10498"/>
+                  </a:lnTo>
+                  <a:lnTo>
+                    <a:pt x="9402" y="10181"/>
+                  </a:lnTo>
+                  <a:lnTo>
+                    <a:pt x="9426" y="9889"/>
+                  </a:lnTo>
+                  <a:lnTo>
+                    <a:pt x="9426" y="9597"/>
+                  </a:lnTo>
+                  <a:lnTo>
+                    <a:pt x="9426" y="9597"/>
+                  </a:lnTo>
+                  <a:lnTo>
+                    <a:pt x="9426" y="9280"/>
+                  </a:lnTo>
+                  <a:lnTo>
+                    <a:pt x="9402" y="8964"/>
+                  </a:lnTo>
+                  <a:lnTo>
+                    <a:pt x="9353" y="8647"/>
+                  </a:lnTo>
+                  <a:lnTo>
+                    <a:pt x="9280" y="8330"/>
+                  </a:lnTo>
+                  <a:lnTo>
+                    <a:pt x="9231" y="8038"/>
+                  </a:lnTo>
+                  <a:lnTo>
+                    <a:pt x="9134" y="7746"/>
+                  </a:lnTo>
+                  <a:lnTo>
+                    <a:pt x="9036" y="7502"/>
+                  </a:lnTo>
+                  <a:lnTo>
+                    <a:pt x="8939" y="7259"/>
+                  </a:lnTo>
+                  <a:lnTo>
+                    <a:pt x="12130" y="4093"/>
+                  </a:lnTo>
+                </a:path>
+              </a:pathLst>
+            </a:custGeom>
+            <a:noFill/>
+            <a:ln w="9525" cap="rnd" cmpd="sng">
+              <a:solidFill>
+                <a:srgbClr val="000000"/>
+              </a:solidFill>
+              <a:prstDash val="solid"/>
+              <a:round/>
+              <a:headEnd type="none" w="sm" len="sm"/>
+              <a:tailEnd type="none" w="sm" len="sm"/>
+            </a:ln>
+          </p:spPr>
+          <p:txBody>
+            <a:bodyPr spcFirstLastPara="1" wrap="square" lIns="91425" tIns="91425" rIns="91425" bIns="91425" anchor="ctr" anchorCtr="0">
+              <a:noAutofit/>
+            </a:bodyPr>
+            <a:lstStyle/>
+            <a:p>
+              <a:pPr marL="0" lvl="0" indent="0" algn="l" rtl="0">
+                <a:spcBef>
+                  <a:spcPts val="0"/>
+                </a:spcBef>
+                <a:spcAft>
+                  <a:spcPts val="0"/>
+                </a:spcAft>
+                <a:buNone/>
+              </a:pPr>
+              <a:endParaRPr/>
+            </a:p>
+          </p:txBody>
+        </p:sp>
+        <p:sp>
+          <p:nvSpPr>
+            <p:cNvPr id="164" name="Google Shape;164;p19"/>
+            <p:cNvSpPr/>
+            <p:nvPr/>
+          </p:nvSpPr>
+          <p:spPr>
+            <a:xfrm>
+              <a:off x="2814912" y="1754062"/>
+              <a:ext cx="49950" cy="49950"/>
+            </a:xfrm>
+            <a:custGeom>
+              <a:avLst/>
+              <a:gdLst/>
+              <a:ahLst/>
+              <a:cxnLst/>
+              <a:rect l="l" t="t" r="r" b="b"/>
+              <a:pathLst>
+                <a:path w="1998" h="1998" fill="none" extrusionOk="0">
+                  <a:moveTo>
+                    <a:pt x="1" y="1997"/>
+                  </a:moveTo>
+                  <a:lnTo>
+                    <a:pt x="1998" y="0"/>
+                  </a:lnTo>
+                </a:path>
+              </a:pathLst>
+            </a:custGeom>
+            <a:noFill/>
+            <a:ln w="9525" cap="rnd" cmpd="sng">
+              <a:solidFill>
+                <a:srgbClr val="000000"/>
+              </a:solidFill>
+              <a:prstDash val="solid"/>
+              <a:round/>
+              <a:headEnd type="none" w="sm" len="sm"/>
+              <a:tailEnd type="none" w="sm" len="sm"/>
+            </a:ln>
+          </p:spPr>
+          <p:txBody>
+            <a:bodyPr spcFirstLastPara="1" wrap="square" lIns="91425" tIns="91425" rIns="91425" bIns="91425" anchor="ctr" anchorCtr="0">
+              <a:noAutofit/>
+            </a:bodyPr>
+            <a:lstStyle/>
+            <a:p>
+              <a:pPr marL="0" lvl="0" indent="0" algn="l" rtl="0">
+                <a:spcBef>
+                  <a:spcPts val="0"/>
+                </a:spcBef>
+                <a:spcAft>
+                  <a:spcPts val="0"/>
+                </a:spcAft>
+                <a:buNone/>
+              </a:pPr>
+              <a:endParaRPr/>
+            </a:p>
+          </p:txBody>
+        </p:sp>
+      </p:grpSp>
+      <p:sp>
+        <p:nvSpPr>
+          <p:cNvPr id="165" name="Google Shape;165;p19"/>
+          <p:cNvSpPr txBox="1">
+            <a:spLocks noGrp="1"/>
+          </p:cNvSpPr>
+          <p:nvPr>
+            <p:ph type="sldNum" idx="12"/>
+          </p:nvPr>
+        </p:nvSpPr>
+        <p:spPr>
+          <a:xfrm>
+            <a:off x="8543227" y="4749851"/>
+            <a:ext cx="548700" cy="393600"/>
+          </a:xfrm>
+          <a:prstGeom prst="rect">
+            <a:avLst/>
+          </a:prstGeom>
+        </p:spPr>
+        <p:txBody>
+          <a:bodyPr spcFirstLastPara="1" wrap="square" lIns="91425" tIns="91425" rIns="91425" bIns="91425" anchor="t" anchorCtr="0">
+            <a:noAutofit/>
+          </a:bodyPr>
+          <a:lstStyle/>
+          <a:p>
+            <a:pPr marL="0" lvl="0" indent="0" algn="r" rtl="0">
+              <a:spcBef>
+                <a:spcPts val="0"/>
+              </a:spcBef>
+              <a:spcAft>
+                <a:spcPts val="0"/>
+              </a:spcAft>
+              <a:buNone/>
+            </a:pPr>
+            <a:fld id="{00000000-1234-1234-1234-123412341234}" type="slidenum">
+              <a:rPr lang="en"/>
+              <a:t>6</a:t>
+            </a:fld>
+            <a:endParaRPr/>
+          </a:p>
+        </p:txBody>
+      </p:sp>
+      <p:pic>
+        <p:nvPicPr>
+          <p:cNvPr id="6" name="Imagem 5">
+            <a:extLst>
+              <a:ext uri="{FF2B5EF4-FFF2-40B4-BE49-F238E27FC236}">
+                <a16:creationId xmlns:a16="http://schemas.microsoft.com/office/drawing/2014/main" id="{2626BDA3-950D-4D7D-98F0-B7A5B2D27533}"/>
+              </a:ext>
+            </a:extLst>
+          </p:cNvPr>
+          <p:cNvPicPr>
+            <a:picLocks noChangeAspect="1"/>
+          </p:cNvPicPr>
+          <p:nvPr/>
+        </p:nvPicPr>
+        <p:blipFill>
+          <a:blip r:embed="rId3"/>
+          <a:srcRect/>
+          <a:stretch/>
+        </p:blipFill>
+        <p:spPr>
+          <a:xfrm>
+            <a:off x="478708" y="1757123"/>
+            <a:ext cx="3811725" cy="2306951"/>
+          </a:xfrm>
+          <a:prstGeom prst="rect">
+            <a:avLst/>
+          </a:prstGeom>
+        </p:spPr>
+      </p:pic>
+      <p:pic>
+        <p:nvPicPr>
+          <p:cNvPr id="2" name="Imagem 1">
+            <a:extLst>
+              <a:ext uri="{FF2B5EF4-FFF2-40B4-BE49-F238E27FC236}">
+                <a16:creationId xmlns:a16="http://schemas.microsoft.com/office/drawing/2014/main" id="{0DD7350B-8BFF-4CF6-97F5-57E835AABEDF}"/>
+              </a:ext>
+            </a:extLst>
+          </p:cNvPr>
+          <p:cNvPicPr>
+            <a:picLocks noChangeAspect="1"/>
+          </p:cNvPicPr>
+          <p:nvPr/>
+        </p:nvPicPr>
+        <p:blipFill>
+          <a:blip r:embed="rId4"/>
+          <a:stretch>
+            <a:fillRect/>
+          </a:stretch>
+        </p:blipFill>
+        <p:spPr>
+          <a:xfrm>
+            <a:off x="4853569" y="1930272"/>
+            <a:ext cx="3426619" cy="1854961"/>
+          </a:xfrm>
+          <a:prstGeom prst="rect">
+            <a:avLst/>
+          </a:prstGeom>
+        </p:spPr>
+      </p:pic>
+    </p:spTree>
+    <p:extLst>
+      <p:ext uri="{BB962C8B-B14F-4D97-AF65-F5344CB8AC3E}">
+        <p14:creationId xmlns:p14="http://schemas.microsoft.com/office/powerpoint/2010/main" val="3490815800"/>
+      </p:ext>
+    </p:extLst>
+  </p:cSld>
+  <p:clrMapOvr>
+    <a:masterClrMapping/>
+  </p:clrMapOvr>
+</p:sld>
+</file>
+
+<file path=ppt/slides/slide7.xml><?xml version="1.0" encoding="utf-8"?>
 <p:sld xmlns:a="http://schemas.openxmlformats.org/drawingml/2006/main" xmlns:r="http://schemas.openxmlformats.org/officeDocument/2006/relationships" xmlns:p="http://schemas.openxmlformats.org/presentationml/2006/main">
   <p:cSld>
     <p:spTree>
@@ -12169,7 +13855,7 @@
             </a:pPr>
             <a:fld id="{00000000-1234-1234-1234-123412341234}" type="slidenum">
               <a:rPr lang="pt-PT" smtClean="0"/>
-              <a:t>5</a:t>
+              <a:t>7</a:t>
             </a:fld>
             <a:endParaRPr lang="pt-PT"/>
           </a:p>
@@ -12275,7 +13961,7 @@
 </p:sld>
 </file>
 
-<file path=ppt/slides/slide6.xml><?xml version="1.0" encoding="utf-8"?>
+<file path=ppt/slides/slide8.xml><?xml version="1.0" encoding="utf-8"?>
 <p:sld xmlns:a="http://schemas.openxmlformats.org/drawingml/2006/main" xmlns:r="http://schemas.openxmlformats.org/officeDocument/2006/relationships" xmlns:p="http://schemas.openxmlformats.org/presentationml/2006/main">
   <p:cSld>
     <p:spTree>
@@ -12352,7 +14038,7 @@
             </a:pPr>
             <a:fld id="{00000000-1234-1234-1234-123412341234}" type="slidenum">
               <a:rPr lang="pt-PT" smtClean="0"/>
-              <a:t>6</a:t>
+              <a:t>8</a:t>
             </a:fld>
             <a:endParaRPr lang="pt-PT"/>
           </a:p>
@@ -12778,7 +14464,7 @@
 </p:sld>
 </file>
 
-<file path=ppt/slides/slide7.xml><?xml version="1.0" encoding="utf-8"?>
+<file path=ppt/slides/slide9.xml><?xml version="1.0" encoding="utf-8"?>
 <p:sld xmlns:a="http://schemas.openxmlformats.org/drawingml/2006/main" xmlns:r="http://schemas.openxmlformats.org/officeDocument/2006/relationships" xmlns:p="http://schemas.openxmlformats.org/presentationml/2006/main">
   <p:cSld>
     <p:spTree>
@@ -13447,7 +15133,7 @@
             </a:pPr>
             <a:fld id="{00000000-1234-1234-1234-123412341234}" type="slidenum">
               <a:rPr lang="en"/>
-              <a:t>7</a:t>
+              <a:t>9</a:t>
             </a:fld>
             <a:endParaRPr/>
           </a:p>
@@ -13659,1486 +15345,6 @@
     <p:extLst>
       <p:ext uri="{BB962C8B-B14F-4D97-AF65-F5344CB8AC3E}">
         <p14:creationId xmlns:p14="http://schemas.microsoft.com/office/powerpoint/2010/main" val="2770646159"/>
-      </p:ext>
-    </p:extLst>
-  </p:cSld>
-  <p:clrMapOvr>
-    <a:masterClrMapping/>
-  </p:clrMapOvr>
-</p:sld>
-</file>
-
-<file path=ppt/slides/slide8.xml><?xml version="1.0" encoding="utf-8"?>
-<p:sld xmlns:a="http://schemas.openxmlformats.org/drawingml/2006/main" xmlns:r="http://schemas.openxmlformats.org/officeDocument/2006/relationships" xmlns:p="http://schemas.openxmlformats.org/presentationml/2006/main">
-  <p:cSld>
-    <p:spTree>
-      <p:nvGrpSpPr>
-        <p:cNvPr id="1" name="Shape 261"/>
-        <p:cNvGrpSpPr/>
-        <p:nvPr/>
-      </p:nvGrpSpPr>
-      <p:grpSpPr>
-        <a:xfrm>
-          <a:off x="0" y="0"/>
-          <a:ext cx="0" cy="0"/>
-          <a:chOff x="0" y="0"/>
-          <a:chExt cx="0" cy="0"/>
-        </a:xfrm>
-      </p:grpSpPr>
-      <p:sp>
-        <p:nvSpPr>
-          <p:cNvPr id="262" name="Google Shape;262;p25"/>
-          <p:cNvSpPr txBox="1">
-            <a:spLocks noGrp="1"/>
-          </p:cNvSpPr>
-          <p:nvPr>
-            <p:ph type="title"/>
-          </p:nvPr>
-        </p:nvSpPr>
-        <p:spPr>
-          <a:xfrm>
-            <a:off x="1381250" y="937125"/>
-            <a:ext cx="3878400" cy="435600"/>
-          </a:xfrm>
-          <a:prstGeom prst="rect">
-            <a:avLst/>
-          </a:prstGeom>
-        </p:spPr>
-        <p:txBody>
-          <a:bodyPr spcFirstLastPara="1" wrap="square" lIns="91425" tIns="91425" rIns="91425" bIns="91425" anchor="ctr" anchorCtr="0">
-            <a:noAutofit/>
-          </a:bodyPr>
-          <a:lstStyle/>
-          <a:p>
-            <a:pPr marL="0" lvl="0" indent="0" algn="l" rtl="0">
-              <a:spcBef>
-                <a:spcPts val="0"/>
-              </a:spcBef>
-              <a:spcAft>
-                <a:spcPts val="0"/>
-              </a:spcAft>
-              <a:buNone/>
-            </a:pPr>
-            <a:r>
-              <a:rPr lang="pt-PT" dirty="0"/>
-              <a:t>Análise do produto</a:t>
-            </a:r>
-            <a:endParaRPr dirty="0">
-              <a:highlight>
-                <a:srgbClr val="FFCD00"/>
-              </a:highlight>
-            </a:endParaRPr>
-          </a:p>
-        </p:txBody>
-      </p:sp>
-      <p:grpSp>
-        <p:nvGrpSpPr>
-          <p:cNvPr id="264" name="Google Shape;264;p25"/>
-          <p:cNvGrpSpPr/>
-          <p:nvPr/>
-        </p:nvGrpSpPr>
-        <p:grpSpPr>
-          <a:xfrm>
-            <a:off x="916458" y="1019750"/>
-            <a:ext cx="214625" cy="214625"/>
-            <a:chOff x="2594050" y="1631825"/>
-            <a:chExt cx="439625" cy="439625"/>
-          </a:xfrm>
-        </p:grpSpPr>
-        <p:sp>
-          <p:nvSpPr>
-            <p:cNvPr id="265" name="Google Shape;265;p25"/>
-            <p:cNvSpPr/>
-            <p:nvPr/>
-          </p:nvSpPr>
-          <p:spPr>
-            <a:xfrm>
-              <a:off x="2594050" y="1883300"/>
-              <a:ext cx="188175" cy="188150"/>
-            </a:xfrm>
-            <a:custGeom>
-              <a:avLst/>
-              <a:gdLst/>
-              <a:ahLst/>
-              <a:cxnLst/>
-              <a:rect l="l" t="t" r="r" b="b"/>
-              <a:pathLst>
-                <a:path w="7527" h="7526" fill="none" extrusionOk="0">
-                  <a:moveTo>
-                    <a:pt x="5992" y="0"/>
-                  </a:moveTo>
-                  <a:lnTo>
-                    <a:pt x="537" y="6430"/>
-                  </a:lnTo>
-                  <a:lnTo>
-                    <a:pt x="1" y="7526"/>
-                  </a:lnTo>
-                  <a:lnTo>
-                    <a:pt x="1097" y="6990"/>
-                  </a:lnTo>
-                  <a:lnTo>
-                    <a:pt x="7526" y="1534"/>
-                  </a:lnTo>
-                  <a:lnTo>
-                    <a:pt x="5992" y="0"/>
-                  </a:lnTo>
-                  <a:close/>
-                </a:path>
-              </a:pathLst>
-            </a:custGeom>
-            <a:noFill/>
-            <a:ln w="9525" cap="rnd" cmpd="sng">
-              <a:solidFill>
-                <a:srgbClr val="000000"/>
-              </a:solidFill>
-              <a:prstDash val="solid"/>
-              <a:round/>
-              <a:headEnd type="none" w="sm" len="sm"/>
-              <a:tailEnd type="none" w="sm" len="sm"/>
-            </a:ln>
-          </p:spPr>
-          <p:txBody>
-            <a:bodyPr spcFirstLastPara="1" wrap="square" lIns="91425" tIns="91425" rIns="91425" bIns="91425" anchor="ctr" anchorCtr="0">
-              <a:noAutofit/>
-            </a:bodyPr>
-            <a:lstStyle/>
-            <a:p>
-              <a:pPr marL="0" lvl="0" indent="0" algn="l" rtl="0">
-                <a:spcBef>
-                  <a:spcPts val="0"/>
-                </a:spcBef>
-                <a:spcAft>
-                  <a:spcPts val="0"/>
-                </a:spcAft>
-                <a:buNone/>
-              </a:pPr>
-              <a:endParaRPr/>
-            </a:p>
-          </p:txBody>
-        </p:sp>
-        <p:sp>
-          <p:nvSpPr>
-            <p:cNvPr id="266" name="Google Shape;266;p25"/>
-            <p:cNvSpPr/>
-            <p:nvPr/>
-          </p:nvSpPr>
-          <p:spPr>
-            <a:xfrm>
-              <a:off x="2857700" y="1631825"/>
-              <a:ext cx="175975" cy="176000"/>
-            </a:xfrm>
-            <a:custGeom>
-              <a:avLst/>
-              <a:gdLst/>
-              <a:ahLst/>
-              <a:cxnLst/>
-              <a:rect l="l" t="t" r="r" b="b"/>
-              <a:pathLst>
-                <a:path w="7039" h="7040" fill="none" extrusionOk="0">
-                  <a:moveTo>
-                    <a:pt x="268" y="2704"/>
-                  </a:moveTo>
-                  <a:lnTo>
-                    <a:pt x="4336" y="6771"/>
-                  </a:lnTo>
-                  <a:lnTo>
-                    <a:pt x="4336" y="6771"/>
-                  </a:lnTo>
-                  <a:lnTo>
-                    <a:pt x="4336" y="6771"/>
-                  </a:lnTo>
-                  <a:lnTo>
-                    <a:pt x="4652" y="6917"/>
-                  </a:lnTo>
-                  <a:lnTo>
-                    <a:pt x="4993" y="7015"/>
-                  </a:lnTo>
-                  <a:lnTo>
-                    <a:pt x="5310" y="7039"/>
-                  </a:lnTo>
-                  <a:lnTo>
-                    <a:pt x="5651" y="7039"/>
-                  </a:lnTo>
-                  <a:lnTo>
-                    <a:pt x="5992" y="6966"/>
-                  </a:lnTo>
-                  <a:lnTo>
-                    <a:pt x="6308" y="6844"/>
-                  </a:lnTo>
-                  <a:lnTo>
-                    <a:pt x="6454" y="6747"/>
-                  </a:lnTo>
-                  <a:lnTo>
-                    <a:pt x="6601" y="6674"/>
-                  </a:lnTo>
-                  <a:lnTo>
-                    <a:pt x="6747" y="6552"/>
-                  </a:lnTo>
-                  <a:lnTo>
-                    <a:pt x="6893" y="6430"/>
-                  </a:lnTo>
-                  <a:lnTo>
-                    <a:pt x="6893" y="6430"/>
-                  </a:lnTo>
-                  <a:lnTo>
-                    <a:pt x="6942" y="6357"/>
-                  </a:lnTo>
-                  <a:lnTo>
-                    <a:pt x="7015" y="6260"/>
-                  </a:lnTo>
-                  <a:lnTo>
-                    <a:pt x="7039" y="6138"/>
-                  </a:lnTo>
-                  <a:lnTo>
-                    <a:pt x="7039" y="6041"/>
-                  </a:lnTo>
-                  <a:lnTo>
-                    <a:pt x="7039" y="6041"/>
-                  </a:lnTo>
-                  <a:lnTo>
-                    <a:pt x="7039" y="5943"/>
-                  </a:lnTo>
-                  <a:lnTo>
-                    <a:pt x="7015" y="5846"/>
-                  </a:lnTo>
-                  <a:lnTo>
-                    <a:pt x="6942" y="5748"/>
-                  </a:lnTo>
-                  <a:lnTo>
-                    <a:pt x="6893" y="5651"/>
-                  </a:lnTo>
-                  <a:lnTo>
-                    <a:pt x="1389" y="147"/>
-                  </a:lnTo>
-                  <a:lnTo>
-                    <a:pt x="1389" y="147"/>
-                  </a:lnTo>
-                  <a:lnTo>
-                    <a:pt x="1291" y="98"/>
-                  </a:lnTo>
-                  <a:lnTo>
-                    <a:pt x="1194" y="25"/>
-                  </a:lnTo>
-                  <a:lnTo>
-                    <a:pt x="1096" y="0"/>
-                  </a:lnTo>
-                  <a:lnTo>
-                    <a:pt x="999" y="0"/>
-                  </a:lnTo>
-                  <a:lnTo>
-                    <a:pt x="999" y="0"/>
-                  </a:lnTo>
-                  <a:lnTo>
-                    <a:pt x="902" y="0"/>
-                  </a:lnTo>
-                  <a:lnTo>
-                    <a:pt x="780" y="25"/>
-                  </a:lnTo>
-                  <a:lnTo>
-                    <a:pt x="682" y="98"/>
-                  </a:lnTo>
-                  <a:lnTo>
-                    <a:pt x="609" y="147"/>
-                  </a:lnTo>
-                  <a:lnTo>
-                    <a:pt x="609" y="147"/>
-                  </a:lnTo>
-                  <a:lnTo>
-                    <a:pt x="487" y="293"/>
-                  </a:lnTo>
-                  <a:lnTo>
-                    <a:pt x="366" y="439"/>
-                  </a:lnTo>
-                  <a:lnTo>
-                    <a:pt x="293" y="585"/>
-                  </a:lnTo>
-                  <a:lnTo>
-                    <a:pt x="195" y="731"/>
-                  </a:lnTo>
-                  <a:lnTo>
-                    <a:pt x="73" y="1048"/>
-                  </a:lnTo>
-                  <a:lnTo>
-                    <a:pt x="0" y="1389"/>
-                  </a:lnTo>
-                  <a:lnTo>
-                    <a:pt x="0" y="1730"/>
-                  </a:lnTo>
-                  <a:lnTo>
-                    <a:pt x="25" y="2046"/>
-                  </a:lnTo>
-                  <a:lnTo>
-                    <a:pt x="122" y="2387"/>
-                  </a:lnTo>
-                  <a:lnTo>
-                    <a:pt x="268" y="2704"/>
-                  </a:lnTo>
-                  <a:lnTo>
-                    <a:pt x="268" y="2704"/>
-                  </a:lnTo>
-                  <a:close/>
-                </a:path>
-              </a:pathLst>
-            </a:custGeom>
-            <a:noFill/>
-            <a:ln w="9525" cap="rnd" cmpd="sng">
-              <a:solidFill>
-                <a:srgbClr val="000000"/>
-              </a:solidFill>
-              <a:prstDash val="solid"/>
-              <a:round/>
-              <a:headEnd type="none" w="sm" len="sm"/>
-              <a:tailEnd type="none" w="sm" len="sm"/>
-            </a:ln>
-          </p:spPr>
-          <p:txBody>
-            <a:bodyPr spcFirstLastPara="1" wrap="square" lIns="91425" tIns="91425" rIns="91425" bIns="91425" anchor="ctr" anchorCtr="0">
-              <a:noAutofit/>
-            </a:bodyPr>
-            <a:lstStyle/>
-            <a:p>
-              <a:pPr marL="0" lvl="0" indent="0" algn="l" rtl="0">
-                <a:spcBef>
-                  <a:spcPts val="0"/>
-                </a:spcBef>
-                <a:spcAft>
-                  <a:spcPts val="0"/>
-                </a:spcAft>
-                <a:buNone/>
-              </a:pPr>
-              <a:endParaRPr/>
-            </a:p>
-          </p:txBody>
-        </p:sp>
-        <p:sp>
-          <p:nvSpPr>
-            <p:cNvPr id="267" name="Google Shape;267;p25"/>
-            <p:cNvSpPr/>
-            <p:nvPr/>
-          </p:nvSpPr>
-          <p:spPr>
-            <a:xfrm>
-              <a:off x="2662850" y="1699400"/>
-              <a:ext cx="303250" cy="303250"/>
-            </a:xfrm>
-            <a:custGeom>
-              <a:avLst/>
-              <a:gdLst/>
-              <a:ahLst/>
-              <a:cxnLst/>
-              <a:rect l="l" t="t" r="r" b="b"/>
-              <a:pathLst>
-                <a:path w="12130" h="12130" fill="none" extrusionOk="0">
-                  <a:moveTo>
-                    <a:pt x="8038" y="1"/>
-                  </a:moveTo>
-                  <a:lnTo>
-                    <a:pt x="4872" y="3191"/>
-                  </a:lnTo>
-                  <a:lnTo>
-                    <a:pt x="4872" y="3191"/>
-                  </a:lnTo>
-                  <a:lnTo>
-                    <a:pt x="4628" y="3094"/>
-                  </a:lnTo>
-                  <a:lnTo>
-                    <a:pt x="4385" y="2997"/>
-                  </a:lnTo>
-                  <a:lnTo>
-                    <a:pt x="4092" y="2899"/>
-                  </a:lnTo>
-                  <a:lnTo>
-                    <a:pt x="3800" y="2850"/>
-                  </a:lnTo>
-                  <a:lnTo>
-                    <a:pt x="3484" y="2777"/>
-                  </a:lnTo>
-                  <a:lnTo>
-                    <a:pt x="3167" y="2729"/>
-                  </a:lnTo>
-                  <a:lnTo>
-                    <a:pt x="2850" y="2704"/>
-                  </a:lnTo>
-                  <a:lnTo>
-                    <a:pt x="2534" y="2704"/>
-                  </a:lnTo>
-                  <a:lnTo>
-                    <a:pt x="2534" y="2704"/>
-                  </a:lnTo>
-                  <a:lnTo>
-                    <a:pt x="2241" y="2704"/>
-                  </a:lnTo>
-                  <a:lnTo>
-                    <a:pt x="1949" y="2729"/>
-                  </a:lnTo>
-                  <a:lnTo>
-                    <a:pt x="1633" y="2777"/>
-                  </a:lnTo>
-                  <a:lnTo>
-                    <a:pt x="1316" y="2850"/>
-                  </a:lnTo>
-                  <a:lnTo>
-                    <a:pt x="999" y="2972"/>
-                  </a:lnTo>
-                  <a:lnTo>
-                    <a:pt x="707" y="3094"/>
-                  </a:lnTo>
-                  <a:lnTo>
-                    <a:pt x="415" y="3289"/>
-                  </a:lnTo>
-                  <a:lnTo>
-                    <a:pt x="147" y="3508"/>
-                  </a:lnTo>
-                  <a:lnTo>
-                    <a:pt x="147" y="3508"/>
-                  </a:lnTo>
-                  <a:lnTo>
-                    <a:pt x="74" y="3581"/>
-                  </a:lnTo>
-                  <a:lnTo>
-                    <a:pt x="25" y="3678"/>
-                  </a:lnTo>
-                  <a:lnTo>
-                    <a:pt x="1" y="3776"/>
-                  </a:lnTo>
-                  <a:lnTo>
-                    <a:pt x="1" y="3898"/>
-                  </a:lnTo>
-                  <a:lnTo>
-                    <a:pt x="1" y="3898"/>
-                  </a:lnTo>
-                  <a:lnTo>
-                    <a:pt x="1" y="3995"/>
-                  </a:lnTo>
-                  <a:lnTo>
-                    <a:pt x="25" y="4093"/>
-                  </a:lnTo>
-                  <a:lnTo>
-                    <a:pt x="74" y="4190"/>
-                  </a:lnTo>
-                  <a:lnTo>
-                    <a:pt x="147" y="4287"/>
-                  </a:lnTo>
-                  <a:lnTo>
-                    <a:pt x="7843" y="11984"/>
-                  </a:lnTo>
-                  <a:lnTo>
-                    <a:pt x="7843" y="11984"/>
-                  </a:lnTo>
-                  <a:lnTo>
-                    <a:pt x="7941" y="12057"/>
-                  </a:lnTo>
-                  <a:lnTo>
-                    <a:pt x="8038" y="12105"/>
-                  </a:lnTo>
-                  <a:lnTo>
-                    <a:pt x="8135" y="12130"/>
-                  </a:lnTo>
-                  <a:lnTo>
-                    <a:pt x="8233" y="12130"/>
-                  </a:lnTo>
-                  <a:lnTo>
-                    <a:pt x="8233" y="12130"/>
-                  </a:lnTo>
-                  <a:lnTo>
-                    <a:pt x="8355" y="12130"/>
-                  </a:lnTo>
-                  <a:lnTo>
-                    <a:pt x="8452" y="12105"/>
-                  </a:lnTo>
-                  <a:lnTo>
-                    <a:pt x="8549" y="12057"/>
-                  </a:lnTo>
-                  <a:lnTo>
-                    <a:pt x="8622" y="11984"/>
-                  </a:lnTo>
-                  <a:lnTo>
-                    <a:pt x="8622" y="11984"/>
-                  </a:lnTo>
-                  <a:lnTo>
-                    <a:pt x="8842" y="11716"/>
-                  </a:lnTo>
-                  <a:lnTo>
-                    <a:pt x="9036" y="11423"/>
-                  </a:lnTo>
-                  <a:lnTo>
-                    <a:pt x="9158" y="11131"/>
-                  </a:lnTo>
-                  <a:lnTo>
-                    <a:pt x="9280" y="10814"/>
-                  </a:lnTo>
-                  <a:lnTo>
-                    <a:pt x="9353" y="10498"/>
-                  </a:lnTo>
-                  <a:lnTo>
-                    <a:pt x="9402" y="10181"/>
-                  </a:lnTo>
-                  <a:lnTo>
-                    <a:pt x="9426" y="9889"/>
-                  </a:lnTo>
-                  <a:lnTo>
-                    <a:pt x="9426" y="9597"/>
-                  </a:lnTo>
-                  <a:lnTo>
-                    <a:pt x="9426" y="9597"/>
-                  </a:lnTo>
-                  <a:lnTo>
-                    <a:pt x="9426" y="9280"/>
-                  </a:lnTo>
-                  <a:lnTo>
-                    <a:pt x="9402" y="8964"/>
-                  </a:lnTo>
-                  <a:lnTo>
-                    <a:pt x="9353" y="8647"/>
-                  </a:lnTo>
-                  <a:lnTo>
-                    <a:pt x="9280" y="8330"/>
-                  </a:lnTo>
-                  <a:lnTo>
-                    <a:pt x="9231" y="8038"/>
-                  </a:lnTo>
-                  <a:lnTo>
-                    <a:pt x="9134" y="7746"/>
-                  </a:lnTo>
-                  <a:lnTo>
-                    <a:pt x="9036" y="7502"/>
-                  </a:lnTo>
-                  <a:lnTo>
-                    <a:pt x="8939" y="7259"/>
-                  </a:lnTo>
-                  <a:lnTo>
-                    <a:pt x="12130" y="4093"/>
-                  </a:lnTo>
-                </a:path>
-              </a:pathLst>
-            </a:custGeom>
-            <a:noFill/>
-            <a:ln w="9525" cap="rnd" cmpd="sng">
-              <a:solidFill>
-                <a:srgbClr val="000000"/>
-              </a:solidFill>
-              <a:prstDash val="solid"/>
-              <a:round/>
-              <a:headEnd type="none" w="sm" len="sm"/>
-              <a:tailEnd type="none" w="sm" len="sm"/>
-            </a:ln>
-          </p:spPr>
-          <p:txBody>
-            <a:bodyPr spcFirstLastPara="1" wrap="square" lIns="91425" tIns="91425" rIns="91425" bIns="91425" anchor="ctr" anchorCtr="0">
-              <a:noAutofit/>
-            </a:bodyPr>
-            <a:lstStyle/>
-            <a:p>
-              <a:pPr marL="0" lvl="0" indent="0" algn="l" rtl="0">
-                <a:spcBef>
-                  <a:spcPts val="0"/>
-                </a:spcBef>
-                <a:spcAft>
-                  <a:spcPts val="0"/>
-                </a:spcAft>
-                <a:buNone/>
-              </a:pPr>
-              <a:endParaRPr/>
-            </a:p>
-          </p:txBody>
-        </p:sp>
-        <p:sp>
-          <p:nvSpPr>
-            <p:cNvPr id="268" name="Google Shape;268;p25"/>
-            <p:cNvSpPr/>
-            <p:nvPr/>
-          </p:nvSpPr>
-          <p:spPr>
-            <a:xfrm>
-              <a:off x="2814912" y="1754062"/>
-              <a:ext cx="49950" cy="49950"/>
-            </a:xfrm>
-            <a:custGeom>
-              <a:avLst/>
-              <a:gdLst/>
-              <a:ahLst/>
-              <a:cxnLst/>
-              <a:rect l="l" t="t" r="r" b="b"/>
-              <a:pathLst>
-                <a:path w="1998" h="1998" fill="none" extrusionOk="0">
-                  <a:moveTo>
-                    <a:pt x="1" y="1997"/>
-                  </a:moveTo>
-                  <a:lnTo>
-                    <a:pt x="1998" y="0"/>
-                  </a:lnTo>
-                </a:path>
-              </a:pathLst>
-            </a:custGeom>
-            <a:noFill/>
-            <a:ln w="9525" cap="rnd" cmpd="sng">
-              <a:solidFill>
-                <a:srgbClr val="000000"/>
-              </a:solidFill>
-              <a:prstDash val="solid"/>
-              <a:round/>
-              <a:headEnd type="none" w="sm" len="sm"/>
-              <a:tailEnd type="none" w="sm" len="sm"/>
-            </a:ln>
-          </p:spPr>
-          <p:txBody>
-            <a:bodyPr spcFirstLastPara="1" wrap="square" lIns="91425" tIns="91425" rIns="91425" bIns="91425" anchor="ctr" anchorCtr="0">
-              <a:noAutofit/>
-            </a:bodyPr>
-            <a:lstStyle/>
-            <a:p>
-              <a:pPr marL="0" lvl="0" indent="0" algn="l" rtl="0">
-                <a:spcBef>
-                  <a:spcPts val="0"/>
-                </a:spcBef>
-                <a:spcAft>
-                  <a:spcPts val="0"/>
-                </a:spcAft>
-                <a:buNone/>
-              </a:pPr>
-              <a:endParaRPr/>
-            </a:p>
-          </p:txBody>
-        </p:sp>
-      </p:grpSp>
-      <p:sp>
-        <p:nvSpPr>
-          <p:cNvPr id="269" name="Google Shape;269;p25"/>
-          <p:cNvSpPr txBox="1">
-            <a:spLocks noGrp="1"/>
-          </p:cNvSpPr>
-          <p:nvPr>
-            <p:ph type="sldNum" idx="12"/>
-          </p:nvPr>
-        </p:nvSpPr>
-        <p:spPr>
-          <a:xfrm>
-            <a:off x="8543227" y="4749851"/>
-            <a:ext cx="548700" cy="393600"/>
-          </a:xfrm>
-          <a:prstGeom prst="rect">
-            <a:avLst/>
-          </a:prstGeom>
-        </p:spPr>
-        <p:txBody>
-          <a:bodyPr spcFirstLastPara="1" wrap="square" lIns="91425" tIns="91425" rIns="91425" bIns="91425" anchor="t" anchorCtr="0">
-            <a:noAutofit/>
-          </a:bodyPr>
-          <a:lstStyle/>
-          <a:p>
-            <a:pPr marL="0" lvl="0" indent="0" algn="r" rtl="0">
-              <a:spcBef>
-                <a:spcPts val="0"/>
-              </a:spcBef>
-              <a:spcAft>
-                <a:spcPts val="0"/>
-              </a:spcAft>
-              <a:buNone/>
-            </a:pPr>
-            <a:fld id="{00000000-1234-1234-1234-123412341234}" type="slidenum">
-              <a:rPr lang="en"/>
-              <a:t>8</a:t>
-            </a:fld>
-            <a:endParaRPr/>
-          </a:p>
-        </p:txBody>
-      </p:sp>
-      <p:pic>
-        <p:nvPicPr>
-          <p:cNvPr id="5" name="Imagem 4" descr="Uma imagem com captura de ecrã&#10;&#10;Descrição gerada automaticamente">
-            <a:extLst>
-              <a:ext uri="{FF2B5EF4-FFF2-40B4-BE49-F238E27FC236}">
-                <a16:creationId xmlns:a16="http://schemas.microsoft.com/office/drawing/2014/main" id="{24AC0F9C-C526-4913-BE39-321538EAE8BA}"/>
-              </a:ext>
-            </a:extLst>
-          </p:cNvPr>
-          <p:cNvPicPr>
-            <a:picLocks noChangeAspect="1"/>
-          </p:cNvPicPr>
-          <p:nvPr/>
-        </p:nvPicPr>
-        <p:blipFill>
-          <a:blip r:embed="rId3"/>
-          <a:stretch>
-            <a:fillRect/>
-          </a:stretch>
-        </p:blipFill>
-        <p:spPr>
-          <a:xfrm>
-            <a:off x="2105674" y="1494139"/>
-            <a:ext cx="4932651" cy="2844438"/>
-          </a:xfrm>
-          <a:prstGeom prst="rect">
-            <a:avLst/>
-          </a:prstGeom>
-        </p:spPr>
-      </p:pic>
-    </p:spTree>
-  </p:cSld>
-  <p:clrMapOvr>
-    <a:masterClrMapping/>
-  </p:clrMapOvr>
-</p:sld>
-</file>
-
-<file path=ppt/slides/slide9.xml><?xml version="1.0" encoding="utf-8"?>
-<p:sld xmlns:a="http://schemas.openxmlformats.org/drawingml/2006/main" xmlns:r="http://schemas.openxmlformats.org/officeDocument/2006/relationships" xmlns:p="http://schemas.openxmlformats.org/presentationml/2006/main">
-  <p:cSld>
-    <p:spTree>
-      <p:nvGrpSpPr>
-        <p:cNvPr id="1" name=""/>
-        <p:cNvGrpSpPr/>
-        <p:nvPr/>
-      </p:nvGrpSpPr>
-      <p:grpSpPr>
-        <a:xfrm>
-          <a:off x="0" y="0"/>
-          <a:ext cx="0" cy="0"/>
-          <a:chOff x="0" y="0"/>
-          <a:chExt cx="0" cy="0"/>
-        </a:xfrm>
-      </p:grpSpPr>
-      <p:sp>
-        <p:nvSpPr>
-          <p:cNvPr id="2" name="Título 1">
-            <a:extLst>
-              <a:ext uri="{FF2B5EF4-FFF2-40B4-BE49-F238E27FC236}">
-                <a16:creationId xmlns:a16="http://schemas.microsoft.com/office/drawing/2014/main" id="{7D870014-4C94-4015-9A49-77A43346CF28}"/>
-              </a:ext>
-            </a:extLst>
-          </p:cNvPr>
-          <p:cNvSpPr>
-            <a:spLocks noGrp="1"/>
-          </p:cNvSpPr>
-          <p:nvPr>
-            <p:ph type="title"/>
-          </p:nvPr>
-        </p:nvSpPr>
-        <p:spPr/>
-        <p:txBody>
-          <a:bodyPr/>
-          <a:lstStyle/>
-          <a:p>
-            <a:r>
-              <a:rPr lang="pt-PT" dirty="0"/>
-              <a:t>Análise de Resultados</a:t>
-            </a:r>
-          </a:p>
-        </p:txBody>
-      </p:sp>
-      <p:sp>
-        <p:nvSpPr>
-          <p:cNvPr id="3" name="Marcador de Posição do Número do Diapositivo 2">
-            <a:extLst>
-              <a:ext uri="{FF2B5EF4-FFF2-40B4-BE49-F238E27FC236}">
-                <a16:creationId xmlns:a16="http://schemas.microsoft.com/office/drawing/2014/main" id="{601D665B-F85F-46D6-9631-53AEC54BF577}"/>
-              </a:ext>
-            </a:extLst>
-          </p:cNvPr>
-          <p:cNvSpPr>
-            <a:spLocks noGrp="1"/>
-          </p:cNvSpPr>
-          <p:nvPr>
-            <p:ph type="sldNum" idx="12"/>
-          </p:nvPr>
-        </p:nvSpPr>
-        <p:spPr/>
-        <p:txBody>
-          <a:bodyPr/>
-          <a:lstStyle/>
-          <a:p>
-            <a:pPr marL="0" lvl="0" indent="0" algn="r" rtl="0">
-              <a:spcBef>
-                <a:spcPts val="0"/>
-              </a:spcBef>
-              <a:spcAft>
-                <a:spcPts val="0"/>
-              </a:spcAft>
-              <a:buNone/>
-            </a:pPr>
-            <a:fld id="{00000000-1234-1234-1234-123412341234}" type="slidenum">
-              <a:rPr lang="pt-PT" smtClean="0"/>
-              <a:t>9</a:t>
-            </a:fld>
-            <a:endParaRPr lang="pt-PT"/>
-          </a:p>
-        </p:txBody>
-      </p:sp>
-      <p:sp>
-        <p:nvSpPr>
-          <p:cNvPr id="4" name="Google Shape;157;p19">
-            <a:extLst>
-              <a:ext uri="{FF2B5EF4-FFF2-40B4-BE49-F238E27FC236}">
-                <a16:creationId xmlns:a16="http://schemas.microsoft.com/office/drawing/2014/main" id="{CA9B10DB-1215-400B-936C-BEB94492995E}"/>
-              </a:ext>
-            </a:extLst>
-          </p:cNvPr>
-          <p:cNvSpPr txBox="1">
-            <a:spLocks/>
-          </p:cNvSpPr>
-          <p:nvPr/>
-        </p:nvSpPr>
-        <p:spPr>
-          <a:xfrm>
-            <a:off x="442944" y="1518851"/>
-            <a:ext cx="3878399" cy="1367224"/>
-          </a:xfrm>
-          <a:prstGeom prst="rect">
-            <a:avLst/>
-          </a:prstGeom>
-        </p:spPr>
-        <p:txBody>
-          <a:bodyPr spcFirstLastPara="1" wrap="square" lIns="91425" tIns="91425" rIns="91425" bIns="91425" anchor="t" anchorCtr="0">
-            <a:noAutofit/>
-          </a:bodyPr>
-          <a:lstStyle>
-            <a:defPPr marR="0" lvl="0" algn="l" rtl="0">
-              <a:lnSpc>
-                <a:spcPct val="100000"/>
-              </a:lnSpc>
-              <a:spcBef>
-                <a:spcPts val="0"/>
-              </a:spcBef>
-              <a:spcAft>
-                <a:spcPts val="0"/>
-              </a:spcAft>
-            </a:defPPr>
-            <a:lvl1pPr marR="0" lvl="0" algn="l" rtl="0">
-              <a:lnSpc>
-                <a:spcPct val="100000"/>
-              </a:lnSpc>
-              <a:spcBef>
-                <a:spcPts val="0"/>
-              </a:spcBef>
-              <a:spcAft>
-                <a:spcPts val="0"/>
-              </a:spcAft>
-              <a:buClr>
-                <a:srgbClr val="000000"/>
-              </a:buClr>
-              <a:buFont typeface="Arial"/>
-              <a:defRPr sz="1400" b="0" i="0" u="none" strike="noStrike" cap="none">
-                <a:solidFill>
-                  <a:srgbClr val="000000"/>
-                </a:solidFill>
-                <a:latin typeface="Arial"/>
-                <a:ea typeface="Arial"/>
-                <a:cs typeface="Arial"/>
-                <a:sym typeface="Arial"/>
-              </a:defRPr>
-            </a:lvl1pPr>
-            <a:lvl2pPr marR="0" lvl="1" algn="l" rtl="0">
-              <a:lnSpc>
-                <a:spcPct val="100000"/>
-              </a:lnSpc>
-              <a:spcBef>
-                <a:spcPts val="0"/>
-              </a:spcBef>
-              <a:spcAft>
-                <a:spcPts val="0"/>
-              </a:spcAft>
-              <a:buClr>
-                <a:srgbClr val="000000"/>
-              </a:buClr>
-              <a:buFont typeface="Arial"/>
-              <a:defRPr sz="1400" b="0" i="0" u="none" strike="noStrike" cap="none">
-                <a:solidFill>
-                  <a:srgbClr val="000000"/>
-                </a:solidFill>
-                <a:latin typeface="Arial"/>
-                <a:ea typeface="Arial"/>
-                <a:cs typeface="Arial"/>
-                <a:sym typeface="Arial"/>
-              </a:defRPr>
-            </a:lvl2pPr>
-            <a:lvl3pPr marR="0" lvl="2" algn="l" rtl="0">
-              <a:lnSpc>
-                <a:spcPct val="100000"/>
-              </a:lnSpc>
-              <a:spcBef>
-                <a:spcPts val="0"/>
-              </a:spcBef>
-              <a:spcAft>
-                <a:spcPts val="0"/>
-              </a:spcAft>
-              <a:buClr>
-                <a:srgbClr val="000000"/>
-              </a:buClr>
-              <a:buFont typeface="Arial"/>
-              <a:defRPr sz="1400" b="0" i="0" u="none" strike="noStrike" cap="none">
-                <a:solidFill>
-                  <a:srgbClr val="000000"/>
-                </a:solidFill>
-                <a:latin typeface="Arial"/>
-                <a:ea typeface="Arial"/>
-                <a:cs typeface="Arial"/>
-                <a:sym typeface="Arial"/>
-              </a:defRPr>
-            </a:lvl3pPr>
-            <a:lvl4pPr marR="0" lvl="3" algn="l" rtl="0">
-              <a:lnSpc>
-                <a:spcPct val="100000"/>
-              </a:lnSpc>
-              <a:spcBef>
-                <a:spcPts val="0"/>
-              </a:spcBef>
-              <a:spcAft>
-                <a:spcPts val="0"/>
-              </a:spcAft>
-              <a:buClr>
-                <a:srgbClr val="000000"/>
-              </a:buClr>
-              <a:buFont typeface="Arial"/>
-              <a:defRPr sz="1400" b="0" i="0" u="none" strike="noStrike" cap="none">
-                <a:solidFill>
-                  <a:srgbClr val="000000"/>
-                </a:solidFill>
-                <a:latin typeface="Arial"/>
-                <a:ea typeface="Arial"/>
-                <a:cs typeface="Arial"/>
-                <a:sym typeface="Arial"/>
-              </a:defRPr>
-            </a:lvl4pPr>
-            <a:lvl5pPr marR="0" lvl="4" algn="l" rtl="0">
-              <a:lnSpc>
-                <a:spcPct val="100000"/>
-              </a:lnSpc>
-              <a:spcBef>
-                <a:spcPts val="0"/>
-              </a:spcBef>
-              <a:spcAft>
-                <a:spcPts val="0"/>
-              </a:spcAft>
-              <a:buClr>
-                <a:srgbClr val="000000"/>
-              </a:buClr>
-              <a:buFont typeface="Arial"/>
-              <a:defRPr sz="1400" b="0" i="0" u="none" strike="noStrike" cap="none">
-                <a:solidFill>
-                  <a:srgbClr val="000000"/>
-                </a:solidFill>
-                <a:latin typeface="Arial"/>
-                <a:ea typeface="Arial"/>
-                <a:cs typeface="Arial"/>
-                <a:sym typeface="Arial"/>
-              </a:defRPr>
-            </a:lvl5pPr>
-            <a:lvl6pPr marR="0" lvl="5" algn="l" rtl="0">
-              <a:lnSpc>
-                <a:spcPct val="100000"/>
-              </a:lnSpc>
-              <a:spcBef>
-                <a:spcPts val="0"/>
-              </a:spcBef>
-              <a:spcAft>
-                <a:spcPts val="0"/>
-              </a:spcAft>
-              <a:buClr>
-                <a:srgbClr val="000000"/>
-              </a:buClr>
-              <a:buFont typeface="Arial"/>
-              <a:defRPr sz="1400" b="0" i="0" u="none" strike="noStrike" cap="none">
-                <a:solidFill>
-                  <a:srgbClr val="000000"/>
-                </a:solidFill>
-                <a:latin typeface="Arial"/>
-                <a:ea typeface="Arial"/>
-                <a:cs typeface="Arial"/>
-                <a:sym typeface="Arial"/>
-              </a:defRPr>
-            </a:lvl6pPr>
-            <a:lvl7pPr marR="0" lvl="6" algn="l" rtl="0">
-              <a:lnSpc>
-                <a:spcPct val="100000"/>
-              </a:lnSpc>
-              <a:spcBef>
-                <a:spcPts val="0"/>
-              </a:spcBef>
-              <a:spcAft>
-                <a:spcPts val="0"/>
-              </a:spcAft>
-              <a:buClr>
-                <a:srgbClr val="000000"/>
-              </a:buClr>
-              <a:buFont typeface="Arial"/>
-              <a:defRPr sz="1400" b="0" i="0" u="none" strike="noStrike" cap="none">
-                <a:solidFill>
-                  <a:srgbClr val="000000"/>
-                </a:solidFill>
-                <a:latin typeface="Arial"/>
-                <a:ea typeface="Arial"/>
-                <a:cs typeface="Arial"/>
-                <a:sym typeface="Arial"/>
-              </a:defRPr>
-            </a:lvl7pPr>
-            <a:lvl8pPr marR="0" lvl="7" algn="l" rtl="0">
-              <a:lnSpc>
-                <a:spcPct val="100000"/>
-              </a:lnSpc>
-              <a:spcBef>
-                <a:spcPts val="0"/>
-              </a:spcBef>
-              <a:spcAft>
-                <a:spcPts val="0"/>
-              </a:spcAft>
-              <a:buClr>
-                <a:srgbClr val="000000"/>
-              </a:buClr>
-              <a:buFont typeface="Arial"/>
-              <a:defRPr sz="1400" b="0" i="0" u="none" strike="noStrike" cap="none">
-                <a:solidFill>
-                  <a:srgbClr val="000000"/>
-                </a:solidFill>
-                <a:latin typeface="Arial"/>
-                <a:ea typeface="Arial"/>
-                <a:cs typeface="Arial"/>
-                <a:sym typeface="Arial"/>
-              </a:defRPr>
-            </a:lvl8pPr>
-            <a:lvl9pPr marR="0" lvl="8" algn="l" rtl="0">
-              <a:lnSpc>
-                <a:spcPct val="100000"/>
-              </a:lnSpc>
-              <a:spcBef>
-                <a:spcPts val="0"/>
-              </a:spcBef>
-              <a:spcAft>
-                <a:spcPts val="0"/>
-              </a:spcAft>
-              <a:buClr>
-                <a:srgbClr val="000000"/>
-              </a:buClr>
-              <a:buFont typeface="Arial"/>
-              <a:defRPr sz="1400" b="0" i="0" u="none" strike="noStrike" cap="none">
-                <a:solidFill>
-                  <a:srgbClr val="000000"/>
-                </a:solidFill>
-                <a:latin typeface="Arial"/>
-                <a:ea typeface="Arial"/>
-                <a:cs typeface="Arial"/>
-                <a:sym typeface="Arial"/>
-              </a:defRPr>
-            </a:lvl9pPr>
-          </a:lstStyle>
-          <a:p>
-            <a:pPr>
-              <a:spcBef>
-                <a:spcPts val="600"/>
-              </a:spcBef>
-              <a:buClr>
-                <a:srgbClr val="FFCD00"/>
-              </a:buClr>
-              <a:buSzPts val="2000"/>
-            </a:pPr>
-            <a:r>
-              <a:rPr lang="pt-PT" sz="1800" b="1" dirty="0">
-                <a:latin typeface="Quattrocento Sans"/>
-                <a:sym typeface="Quattrocento Sans"/>
-              </a:rPr>
-              <a:t>Tradicional – Impacto na qualidade</a:t>
-            </a:r>
-          </a:p>
-          <a:p>
-            <a:pPr marL="285750" indent="-285750">
-              <a:spcBef>
-                <a:spcPts val="600"/>
-              </a:spcBef>
-              <a:buClr>
-                <a:srgbClr val="FFCD00"/>
-              </a:buClr>
-              <a:buSzPts val="2000"/>
-              <a:buFontTx/>
-              <a:buChar char="-"/>
-            </a:pPr>
-            <a:r>
-              <a:rPr lang="pt-PT" sz="1600" dirty="0">
-                <a:latin typeface="Quattrocento Sans"/>
-                <a:sym typeface="Quattrocento Sans"/>
-              </a:rPr>
-              <a:t>Redução de defeitos no código produzido e consequentemente melhora a sua qualidade</a:t>
-            </a:r>
-          </a:p>
-          <a:p>
-            <a:pPr algn="ctr">
-              <a:spcBef>
-                <a:spcPts val="600"/>
-              </a:spcBef>
-              <a:buClr>
-                <a:srgbClr val="FFCD00"/>
-              </a:buClr>
-              <a:buSzPts val="2000"/>
-            </a:pPr>
-            <a:endParaRPr lang="pt-PT" sz="1600" dirty="0">
-              <a:latin typeface="Quattrocento Sans"/>
-              <a:sym typeface="Quattrocento Sans"/>
-            </a:endParaRPr>
-          </a:p>
-        </p:txBody>
-      </p:sp>
-      <p:sp>
-        <p:nvSpPr>
-          <p:cNvPr id="5" name="Google Shape;157;p19">
-            <a:extLst>
-              <a:ext uri="{FF2B5EF4-FFF2-40B4-BE49-F238E27FC236}">
-                <a16:creationId xmlns:a16="http://schemas.microsoft.com/office/drawing/2014/main" id="{8AC1AC37-8B81-401C-A51D-222E00D7FB44}"/>
-              </a:ext>
-            </a:extLst>
-          </p:cNvPr>
-          <p:cNvSpPr txBox="1">
-            <a:spLocks/>
-          </p:cNvSpPr>
-          <p:nvPr/>
-        </p:nvSpPr>
-        <p:spPr>
-          <a:xfrm>
-            <a:off x="4822659" y="1518851"/>
-            <a:ext cx="3878397" cy="3231000"/>
-          </a:xfrm>
-          <a:prstGeom prst="rect">
-            <a:avLst/>
-          </a:prstGeom>
-        </p:spPr>
-        <p:txBody>
-          <a:bodyPr spcFirstLastPara="1" wrap="square" lIns="91425" tIns="91425" rIns="91425" bIns="91425" anchor="t" anchorCtr="0">
-            <a:noAutofit/>
-          </a:bodyPr>
-          <a:lstStyle>
-            <a:defPPr marR="0" lvl="0" algn="l" rtl="0">
-              <a:lnSpc>
-                <a:spcPct val="100000"/>
-              </a:lnSpc>
-              <a:spcBef>
-                <a:spcPts val="0"/>
-              </a:spcBef>
-              <a:spcAft>
-                <a:spcPts val="0"/>
-              </a:spcAft>
-            </a:defPPr>
-            <a:lvl1pPr marR="0" lvl="0" algn="l" rtl="0">
-              <a:lnSpc>
-                <a:spcPct val="100000"/>
-              </a:lnSpc>
-              <a:spcBef>
-                <a:spcPts val="0"/>
-              </a:spcBef>
-              <a:spcAft>
-                <a:spcPts val="0"/>
-              </a:spcAft>
-              <a:buClr>
-                <a:srgbClr val="000000"/>
-              </a:buClr>
-              <a:buFont typeface="Arial"/>
-              <a:defRPr sz="1400" b="0" i="0" u="none" strike="noStrike" cap="none">
-                <a:solidFill>
-                  <a:srgbClr val="000000"/>
-                </a:solidFill>
-                <a:latin typeface="Arial"/>
-                <a:ea typeface="Arial"/>
-                <a:cs typeface="Arial"/>
-                <a:sym typeface="Arial"/>
-              </a:defRPr>
-            </a:lvl1pPr>
-            <a:lvl2pPr marR="0" lvl="1" algn="l" rtl="0">
-              <a:lnSpc>
-                <a:spcPct val="100000"/>
-              </a:lnSpc>
-              <a:spcBef>
-                <a:spcPts val="0"/>
-              </a:spcBef>
-              <a:spcAft>
-                <a:spcPts val="0"/>
-              </a:spcAft>
-              <a:buClr>
-                <a:srgbClr val="000000"/>
-              </a:buClr>
-              <a:buFont typeface="Arial"/>
-              <a:defRPr sz="1400" b="0" i="0" u="none" strike="noStrike" cap="none">
-                <a:solidFill>
-                  <a:srgbClr val="000000"/>
-                </a:solidFill>
-                <a:latin typeface="Arial"/>
-                <a:ea typeface="Arial"/>
-                <a:cs typeface="Arial"/>
-                <a:sym typeface="Arial"/>
-              </a:defRPr>
-            </a:lvl2pPr>
-            <a:lvl3pPr marR="0" lvl="2" algn="l" rtl="0">
-              <a:lnSpc>
-                <a:spcPct val="100000"/>
-              </a:lnSpc>
-              <a:spcBef>
-                <a:spcPts val="0"/>
-              </a:spcBef>
-              <a:spcAft>
-                <a:spcPts val="0"/>
-              </a:spcAft>
-              <a:buClr>
-                <a:srgbClr val="000000"/>
-              </a:buClr>
-              <a:buFont typeface="Arial"/>
-              <a:defRPr sz="1400" b="0" i="0" u="none" strike="noStrike" cap="none">
-                <a:solidFill>
-                  <a:srgbClr val="000000"/>
-                </a:solidFill>
-                <a:latin typeface="Arial"/>
-                <a:ea typeface="Arial"/>
-                <a:cs typeface="Arial"/>
-                <a:sym typeface="Arial"/>
-              </a:defRPr>
-            </a:lvl3pPr>
-            <a:lvl4pPr marR="0" lvl="3" algn="l" rtl="0">
-              <a:lnSpc>
-                <a:spcPct val="100000"/>
-              </a:lnSpc>
-              <a:spcBef>
-                <a:spcPts val="0"/>
-              </a:spcBef>
-              <a:spcAft>
-                <a:spcPts val="0"/>
-              </a:spcAft>
-              <a:buClr>
-                <a:srgbClr val="000000"/>
-              </a:buClr>
-              <a:buFont typeface="Arial"/>
-              <a:defRPr sz="1400" b="0" i="0" u="none" strike="noStrike" cap="none">
-                <a:solidFill>
-                  <a:srgbClr val="000000"/>
-                </a:solidFill>
-                <a:latin typeface="Arial"/>
-                <a:ea typeface="Arial"/>
-                <a:cs typeface="Arial"/>
-                <a:sym typeface="Arial"/>
-              </a:defRPr>
-            </a:lvl4pPr>
-            <a:lvl5pPr marR="0" lvl="4" algn="l" rtl="0">
-              <a:lnSpc>
-                <a:spcPct val="100000"/>
-              </a:lnSpc>
-              <a:spcBef>
-                <a:spcPts val="0"/>
-              </a:spcBef>
-              <a:spcAft>
-                <a:spcPts val="0"/>
-              </a:spcAft>
-              <a:buClr>
-                <a:srgbClr val="000000"/>
-              </a:buClr>
-              <a:buFont typeface="Arial"/>
-              <a:defRPr sz="1400" b="0" i="0" u="none" strike="noStrike" cap="none">
-                <a:solidFill>
-                  <a:srgbClr val="000000"/>
-                </a:solidFill>
-                <a:latin typeface="Arial"/>
-                <a:ea typeface="Arial"/>
-                <a:cs typeface="Arial"/>
-                <a:sym typeface="Arial"/>
-              </a:defRPr>
-            </a:lvl5pPr>
-            <a:lvl6pPr marR="0" lvl="5" algn="l" rtl="0">
-              <a:lnSpc>
-                <a:spcPct val="100000"/>
-              </a:lnSpc>
-              <a:spcBef>
-                <a:spcPts val="0"/>
-              </a:spcBef>
-              <a:spcAft>
-                <a:spcPts val="0"/>
-              </a:spcAft>
-              <a:buClr>
-                <a:srgbClr val="000000"/>
-              </a:buClr>
-              <a:buFont typeface="Arial"/>
-              <a:defRPr sz="1400" b="0" i="0" u="none" strike="noStrike" cap="none">
-                <a:solidFill>
-                  <a:srgbClr val="000000"/>
-                </a:solidFill>
-                <a:latin typeface="Arial"/>
-                <a:ea typeface="Arial"/>
-                <a:cs typeface="Arial"/>
-                <a:sym typeface="Arial"/>
-              </a:defRPr>
-            </a:lvl6pPr>
-            <a:lvl7pPr marR="0" lvl="6" algn="l" rtl="0">
-              <a:lnSpc>
-                <a:spcPct val="100000"/>
-              </a:lnSpc>
-              <a:spcBef>
-                <a:spcPts val="0"/>
-              </a:spcBef>
-              <a:spcAft>
-                <a:spcPts val="0"/>
-              </a:spcAft>
-              <a:buClr>
-                <a:srgbClr val="000000"/>
-              </a:buClr>
-              <a:buFont typeface="Arial"/>
-              <a:defRPr sz="1400" b="0" i="0" u="none" strike="noStrike" cap="none">
-                <a:solidFill>
-                  <a:srgbClr val="000000"/>
-                </a:solidFill>
-                <a:latin typeface="Arial"/>
-                <a:ea typeface="Arial"/>
-                <a:cs typeface="Arial"/>
-                <a:sym typeface="Arial"/>
-              </a:defRPr>
-            </a:lvl7pPr>
-            <a:lvl8pPr marR="0" lvl="7" algn="l" rtl="0">
-              <a:lnSpc>
-                <a:spcPct val="100000"/>
-              </a:lnSpc>
-              <a:spcBef>
-                <a:spcPts val="0"/>
-              </a:spcBef>
-              <a:spcAft>
-                <a:spcPts val="0"/>
-              </a:spcAft>
-              <a:buClr>
-                <a:srgbClr val="000000"/>
-              </a:buClr>
-              <a:buFont typeface="Arial"/>
-              <a:defRPr sz="1400" b="0" i="0" u="none" strike="noStrike" cap="none">
-                <a:solidFill>
-                  <a:srgbClr val="000000"/>
-                </a:solidFill>
-                <a:latin typeface="Arial"/>
-                <a:ea typeface="Arial"/>
-                <a:cs typeface="Arial"/>
-                <a:sym typeface="Arial"/>
-              </a:defRPr>
-            </a:lvl8pPr>
-            <a:lvl9pPr marR="0" lvl="8" algn="l" rtl="0">
-              <a:lnSpc>
-                <a:spcPct val="100000"/>
-              </a:lnSpc>
-              <a:spcBef>
-                <a:spcPts val="0"/>
-              </a:spcBef>
-              <a:spcAft>
-                <a:spcPts val="0"/>
-              </a:spcAft>
-              <a:buClr>
-                <a:srgbClr val="000000"/>
-              </a:buClr>
-              <a:buFont typeface="Arial"/>
-              <a:defRPr sz="1400" b="0" i="0" u="none" strike="noStrike" cap="none">
-                <a:solidFill>
-                  <a:srgbClr val="000000"/>
-                </a:solidFill>
-                <a:latin typeface="Arial"/>
-                <a:ea typeface="Arial"/>
-                <a:cs typeface="Arial"/>
-                <a:sym typeface="Arial"/>
-              </a:defRPr>
-            </a:lvl9pPr>
-          </a:lstStyle>
-          <a:p>
-            <a:pPr>
-              <a:spcBef>
-                <a:spcPts val="600"/>
-              </a:spcBef>
-              <a:buClr>
-                <a:srgbClr val="FFCD00"/>
-              </a:buClr>
-              <a:buSzPts val="2000"/>
-            </a:pPr>
-            <a:r>
-              <a:rPr lang="pt-PT" sz="1800" b="1" dirty="0" err="1">
-                <a:latin typeface="Quattrocento Sans"/>
-                <a:sym typeface="Quattrocento Sans"/>
-              </a:rPr>
-              <a:t>Mapping</a:t>
-            </a:r>
-            <a:r>
-              <a:rPr lang="pt-PT" sz="1800" b="1" dirty="0">
-                <a:latin typeface="Quattrocento Sans"/>
-                <a:sym typeface="Quattrocento Sans"/>
-              </a:rPr>
-              <a:t> – Impacto na qualidade</a:t>
-            </a:r>
-          </a:p>
-          <a:p>
-            <a:pPr marL="285750" indent="-285750">
-              <a:spcBef>
-                <a:spcPts val="600"/>
-              </a:spcBef>
-              <a:buClr>
-                <a:srgbClr val="FFCD00"/>
-              </a:buClr>
-              <a:buSzPts val="2000"/>
-              <a:buFontTx/>
-              <a:buChar char="-"/>
-            </a:pPr>
-            <a:r>
-              <a:rPr lang="pt-PT" sz="1600" dirty="0">
-                <a:latin typeface="Quattrocento Sans"/>
-                <a:sym typeface="Quattrocento Sans"/>
-              </a:rPr>
-              <a:t>Estruturação de código</a:t>
-            </a:r>
-          </a:p>
-          <a:p>
-            <a:pPr marL="285750" indent="-285750">
-              <a:spcBef>
-                <a:spcPts val="600"/>
-              </a:spcBef>
-              <a:buClr>
-                <a:srgbClr val="FFCD00"/>
-              </a:buClr>
-              <a:buSzPts val="2000"/>
-              <a:buFontTx/>
-              <a:buChar char="-"/>
-            </a:pPr>
-            <a:r>
-              <a:rPr lang="pt-PT" sz="1600" dirty="0">
-                <a:latin typeface="Quattrocento Sans"/>
-                <a:sym typeface="Quattrocento Sans"/>
-              </a:rPr>
-              <a:t>Melhoria da documentação</a:t>
-            </a:r>
-          </a:p>
-          <a:p>
-            <a:pPr marL="285750" indent="-285750">
-              <a:spcBef>
-                <a:spcPts val="600"/>
-              </a:spcBef>
-              <a:buClr>
-                <a:srgbClr val="FFCD00"/>
-              </a:buClr>
-              <a:buSzPts val="2000"/>
-              <a:buFontTx/>
-              <a:buChar char="-"/>
-            </a:pPr>
-            <a:r>
-              <a:rPr lang="pt-PT" sz="1600" dirty="0">
-                <a:latin typeface="Quattrocento Sans"/>
-                <a:sym typeface="Quattrocento Sans"/>
-              </a:rPr>
-              <a:t>Redução de defeitos antes da promoção para produção</a:t>
-            </a:r>
-          </a:p>
-          <a:p>
-            <a:pPr marL="285750" indent="-285750">
-              <a:spcBef>
-                <a:spcPts val="600"/>
-              </a:spcBef>
-              <a:buClr>
-                <a:srgbClr val="FFCD00"/>
-              </a:buClr>
-              <a:buSzPts val="2000"/>
-              <a:buFontTx/>
-              <a:buChar char="-"/>
-            </a:pPr>
-            <a:endParaRPr lang="pt-PT" dirty="0">
-              <a:latin typeface="Quattrocento Sans"/>
-              <a:sym typeface="Quattrocento Sans"/>
-            </a:endParaRPr>
-          </a:p>
-        </p:txBody>
-      </p:sp>
-    </p:spTree>
-    <p:extLst>
-      <p:ext uri="{BB962C8B-B14F-4D97-AF65-F5344CB8AC3E}">
-        <p14:creationId xmlns:p14="http://schemas.microsoft.com/office/powerpoint/2010/main" val="2771019308"/>
       </p:ext>
     </p:extLst>
   </p:cSld>

--- a/QESOFT-TP2-Grupo12-Apresentacao.pptx
+++ b/QESOFT-TP2-Grupo12-Apresentacao.pptx
@@ -16,8 +16,8 @@
     <p:sldId id="295" r:id="rId7"/>
     <p:sldId id="290" r:id="rId8"/>
     <p:sldId id="292" r:id="rId9"/>
-    <p:sldId id="293" r:id="rId10"/>
-    <p:sldId id="269" r:id="rId11"/>
+    <p:sldId id="269" r:id="rId10"/>
+    <p:sldId id="293" r:id="rId11"/>
     <p:sldId id="288" r:id="rId12"/>
     <p:sldId id="280" r:id="rId13"/>
   </p:sldIdLst>
@@ -2884,11 +2884,6 @@
         </p:txBody>
       </p:sp>
     </p:spTree>
-    <p:extLst>
-      <p:ext uri="{BB962C8B-B14F-4D97-AF65-F5344CB8AC3E}">
-        <p14:creationId xmlns:p14="http://schemas.microsoft.com/office/powerpoint/2010/main" val="1546976517"/>
-      </p:ext>
-    </p:extLst>
   </p:cSld>
   <p:clrMapOvr>
     <a:masterClrMapping/>
@@ -2993,6 +2988,11 @@
         </p:txBody>
       </p:sp>
     </p:spTree>
+    <p:extLst>
+      <p:ext uri="{BB962C8B-B14F-4D97-AF65-F5344CB8AC3E}">
+        <p14:creationId xmlns:p14="http://schemas.microsoft.com/office/powerpoint/2010/main" val="1546976517"/>
+      </p:ext>
+    </p:extLst>
   </p:cSld>
   <p:clrMapOvr>
     <a:masterClrMapping/>
@@ -8642,10 +8642,10 @@
       </p:sp>
       <p:pic>
         <p:nvPicPr>
-          <p:cNvPr id="5" name="Imagem 4" descr="Uma imagem com captura de ecrã&#10;&#10;Descrição gerada automaticamente">
+          <p:cNvPr id="10" name="Imagem 9" descr="Uma imagem com captura de ecrã&#10;&#10;Descrição gerada automaticamente">
             <a:extLst>
               <a:ext uri="{FF2B5EF4-FFF2-40B4-BE49-F238E27FC236}">
-                <a16:creationId xmlns:a16="http://schemas.microsoft.com/office/drawing/2014/main" id="{24AC0F9C-C526-4913-BE39-321538EAE8BA}"/>
+                <a16:creationId xmlns:a16="http://schemas.microsoft.com/office/drawing/2014/main" id="{1B54B7DE-69D1-44D8-92B3-3B84BB934CCD}"/>
               </a:ext>
             </a:extLst>
           </p:cNvPr>
@@ -8662,15 +8662,176 @@
         </p:blipFill>
         <p:spPr>
           <a:xfrm>
-            <a:off x="2105674" y="1494139"/>
-            <a:ext cx="4932651" cy="2844438"/>
+            <a:off x="777646" y="1685514"/>
+            <a:ext cx="4603027" cy="2646340"/>
           </a:xfrm>
           <a:prstGeom prst="rect">
             <a:avLst/>
           </a:prstGeom>
         </p:spPr>
       </p:pic>
+      <p:pic>
+        <p:nvPicPr>
+          <p:cNvPr id="2" name="Imagem 1">
+            <a:extLst>
+              <a:ext uri="{FF2B5EF4-FFF2-40B4-BE49-F238E27FC236}">
+                <a16:creationId xmlns:a16="http://schemas.microsoft.com/office/drawing/2014/main" id="{929873DC-917F-4620-936A-11F13EF35AED}"/>
+              </a:ext>
+            </a:extLst>
+          </p:cNvPr>
+          <p:cNvPicPr>
+            <a:picLocks noChangeAspect="1"/>
+          </p:cNvPicPr>
+          <p:nvPr/>
+        </p:nvPicPr>
+        <p:blipFill rotWithShape="1">
+          <a:blip r:embed="rId4"/>
+          <a:srcRect l="5191"/>
+          <a:stretch/>
+        </p:blipFill>
+        <p:spPr>
+          <a:xfrm>
+            <a:off x="6158751" y="1301617"/>
+            <a:ext cx="1863871" cy="555882"/>
+          </a:xfrm>
+          <a:prstGeom prst="rect">
+            <a:avLst/>
+          </a:prstGeom>
+          <a:noFill/>
+          <a:ln w="114300" cap="flat" cmpd="sng">
+            <a:solidFill>
+              <a:srgbClr val="FFCD00"/>
+            </a:solidFill>
+            <a:prstDash val="solid"/>
+            <a:round/>
+            <a:headEnd type="none" w="sm" len="sm"/>
+            <a:tailEnd type="none" w="sm" len="sm"/>
+          </a:ln>
+        </p:spPr>
+      </p:pic>
+      <p:pic>
+        <p:nvPicPr>
+          <p:cNvPr id="3" name="Imagem 2">
+            <a:extLst>
+              <a:ext uri="{FF2B5EF4-FFF2-40B4-BE49-F238E27FC236}">
+                <a16:creationId xmlns:a16="http://schemas.microsoft.com/office/drawing/2014/main" id="{04A481D4-D7CD-4F8C-80E7-3EBFE0356071}"/>
+              </a:ext>
+            </a:extLst>
+          </p:cNvPr>
+          <p:cNvPicPr>
+            <a:picLocks noChangeAspect="1"/>
+          </p:cNvPicPr>
+          <p:nvPr/>
+        </p:nvPicPr>
+        <p:blipFill rotWithShape="1">
+          <a:blip r:embed="rId5"/>
+          <a:srcRect l="2737"/>
+          <a:stretch/>
+        </p:blipFill>
+        <p:spPr>
+          <a:xfrm>
+            <a:off x="6158753" y="2154163"/>
+            <a:ext cx="1863871" cy="578877"/>
+          </a:xfrm>
+          <a:prstGeom prst="rect">
+            <a:avLst/>
+          </a:prstGeom>
+          <a:noFill/>
+          <a:ln w="114300" cap="flat" cmpd="sng">
+            <a:solidFill>
+              <a:srgbClr val="FFCD00"/>
+            </a:solidFill>
+            <a:prstDash val="solid"/>
+            <a:round/>
+            <a:headEnd type="none" w="sm" len="sm"/>
+            <a:tailEnd type="none" w="sm" len="sm"/>
+          </a:ln>
+        </p:spPr>
+      </p:pic>
+      <p:pic>
+        <p:nvPicPr>
+          <p:cNvPr id="6" name="Imagem 5">
+            <a:extLst>
+              <a:ext uri="{FF2B5EF4-FFF2-40B4-BE49-F238E27FC236}">
+                <a16:creationId xmlns:a16="http://schemas.microsoft.com/office/drawing/2014/main" id="{44CF407B-A62C-4625-A0AD-F1FA6670653A}"/>
+              </a:ext>
+            </a:extLst>
+          </p:cNvPr>
+          <p:cNvPicPr>
+            <a:picLocks noChangeAspect="1"/>
+          </p:cNvPicPr>
+          <p:nvPr/>
+        </p:nvPicPr>
+        <p:blipFill rotWithShape="1">
+          <a:blip r:embed="rId6"/>
+          <a:srcRect l="3123" r="2894"/>
+          <a:stretch/>
+        </p:blipFill>
+        <p:spPr>
+          <a:xfrm>
+            <a:off x="6158753" y="3029704"/>
+            <a:ext cx="1863871" cy="623565"/>
+          </a:xfrm>
+          <a:prstGeom prst="rect">
+            <a:avLst/>
+          </a:prstGeom>
+          <a:noFill/>
+          <a:ln w="114300" cap="flat" cmpd="sng">
+            <a:solidFill>
+              <a:srgbClr val="FFCD00"/>
+            </a:solidFill>
+            <a:prstDash val="solid"/>
+            <a:round/>
+            <a:headEnd type="none" w="sm" len="sm"/>
+            <a:tailEnd type="none" w="sm" len="sm"/>
+          </a:ln>
+        </p:spPr>
+      </p:pic>
+      <p:pic>
+        <p:nvPicPr>
+          <p:cNvPr id="7" name="Imagem 6">
+            <a:extLst>
+              <a:ext uri="{FF2B5EF4-FFF2-40B4-BE49-F238E27FC236}">
+                <a16:creationId xmlns:a16="http://schemas.microsoft.com/office/drawing/2014/main" id="{3437F147-AF51-4607-ABCC-6DFC24FA45D3}"/>
+              </a:ext>
+            </a:extLst>
+          </p:cNvPr>
+          <p:cNvPicPr>
+            <a:picLocks noChangeAspect="1"/>
+          </p:cNvPicPr>
+          <p:nvPr/>
+        </p:nvPicPr>
+        <p:blipFill rotWithShape="1">
+          <a:blip r:embed="rId7"/>
+          <a:srcRect l="2041" r="5218"/>
+          <a:stretch/>
+        </p:blipFill>
+        <p:spPr>
+          <a:xfrm>
+            <a:off x="6158751" y="3949933"/>
+            <a:ext cx="1863871" cy="581025"/>
+          </a:xfrm>
+          <a:prstGeom prst="rect">
+            <a:avLst/>
+          </a:prstGeom>
+          <a:noFill/>
+          <a:ln w="114300" cap="flat" cmpd="sng">
+            <a:solidFill>
+              <a:srgbClr val="FFCD00"/>
+            </a:solidFill>
+            <a:prstDash val="solid"/>
+            <a:round/>
+            <a:headEnd type="none" w="sm" len="sm"/>
+            <a:tailEnd type="none" w="sm" len="sm"/>
+          </a:ln>
+        </p:spPr>
+      </p:pic>
     </p:spTree>
+    <p:extLst>
+      <p:ext uri="{BB962C8B-B14F-4D97-AF65-F5344CB8AC3E}">
+        <p14:creationId xmlns:p14="http://schemas.microsoft.com/office/powerpoint/2010/main" val="2770646159"/>
+      </p:ext>
+    </p:extLst>
   </p:cSld>
   <p:clrMapOvr>
     <a:masterClrMapping/>
@@ -8763,37 +8924,164 @@
       </p:sp>
       <p:sp>
         <p:nvSpPr>
-          <p:cNvPr id="6" name="CaixaDeTexto 5">
+          <p:cNvPr id="8" name="Retângulo 7">
             <a:extLst>
               <a:ext uri="{FF2B5EF4-FFF2-40B4-BE49-F238E27FC236}">
-                <a16:creationId xmlns:a16="http://schemas.microsoft.com/office/drawing/2014/main" id="{31585708-753B-42B5-89B3-FFF03B675C5E}"/>
+                <a16:creationId xmlns:a16="http://schemas.microsoft.com/office/drawing/2014/main" id="{E1F84CA8-9F7A-46E7-87CA-E30CDB2DDA8C}"/>
               </a:ext>
             </a:extLst>
           </p:cNvPr>
-          <p:cNvSpPr txBox="1"/>
+          <p:cNvSpPr/>
           <p:nvPr/>
         </p:nvSpPr>
         <p:spPr>
           <a:xfrm>
-            <a:off x="835820" y="1550194"/>
-            <a:ext cx="6100762" cy="1384995"/>
+            <a:off x="606136" y="1685171"/>
+            <a:ext cx="3105253" cy="1145436"/>
           </a:xfrm>
           <a:prstGeom prst="rect">
             <a:avLst/>
           </a:prstGeom>
           <a:noFill/>
+          <a:ln w="114300" cap="flat" cmpd="sng">
+            <a:solidFill>
+              <a:srgbClr val="FFCD00"/>
+            </a:solidFill>
+            <a:prstDash val="solid"/>
+            <a:round/>
+            <a:headEnd type="none" w="sm" len="sm"/>
+            <a:tailEnd type="none" w="sm" len="sm"/>
+          </a:ln>
         </p:spPr>
         <p:txBody>
-          <a:bodyPr wrap="square" rtlCol="0">
-            <a:spAutoFit/>
+          <a:bodyPr rot="0" spcFirstLastPara="1" vertOverflow="overflow" horzOverflow="overflow" vert="horz" wrap="square" lIns="91425" tIns="91425" rIns="91425" bIns="91425" numCol="1" spcCol="0" rtlCol="0" fromWordArt="0" anchor="ctr" anchorCtr="0" forceAA="0" compatLnSpc="1">
+            <a:prstTxWarp prst="textNoShape">
+              <a:avLst/>
+            </a:prstTxWarp>
+            <a:noAutofit/>
           </a:bodyPr>
           <a:lstStyle/>
           <a:p>
-            <a:pPr algn="just"/>
+            <a:pPr algn="ctr"/>
             <a:r>
-              <a:rPr lang="pt-PT" dirty="0"/>
-              <a:t>Podemos verificar que a qualidade do processo de desenvolvimento do projeto em análise deixa bastante a desejar quando posto à prova de ferramentas profissionais como o CMMI-DEV. Isto reflete-se depois na qualidade do produto, que apesar de poder ser considerado com qualidade razoável, não tem os requisitos de um produto de produção devido às suas limitações de segurança e performance.</a:t>
+              <a:rPr lang="pt-PT" sz="1000" b="1" dirty="0">
+                <a:latin typeface="Lora"/>
+              </a:rPr>
+              <a:t>Baixa qualidade do processo de desenvolvimento do projeto em análise quando posto à prova de ferramentas profissionais como o CMMI-DEV.</a:t>
             </a:r>
+            <a:endParaRPr lang="pt-PT" sz="1000" b="1" dirty="0">
+              <a:solidFill>
+                <a:srgbClr val="000000"/>
+              </a:solidFill>
+              <a:latin typeface="Lora"/>
+              <a:cs typeface="Arial"/>
+            </a:endParaRPr>
+          </a:p>
+        </p:txBody>
+      </p:sp>
+      <p:sp>
+        <p:nvSpPr>
+          <p:cNvPr id="10" name="Retângulo 9">
+            <a:extLst>
+              <a:ext uri="{FF2B5EF4-FFF2-40B4-BE49-F238E27FC236}">
+                <a16:creationId xmlns:a16="http://schemas.microsoft.com/office/drawing/2014/main" id="{1671967F-CF65-4573-B0B5-31E052A7C683}"/>
+              </a:ext>
+            </a:extLst>
+          </p:cNvPr>
+          <p:cNvSpPr/>
+          <p:nvPr/>
+        </p:nvSpPr>
+        <p:spPr>
+          <a:xfrm>
+            <a:off x="5210735" y="3198058"/>
+            <a:ext cx="3165764" cy="1145436"/>
+          </a:xfrm>
+          <a:prstGeom prst="rect">
+            <a:avLst/>
+          </a:prstGeom>
+          <a:noFill/>
+          <a:ln w="114300" cap="flat" cmpd="sng">
+            <a:solidFill>
+              <a:srgbClr val="FFCD00"/>
+            </a:solidFill>
+            <a:prstDash val="solid"/>
+            <a:round/>
+            <a:headEnd type="none" w="sm" len="sm"/>
+            <a:tailEnd type="none" w="sm" len="sm"/>
+          </a:ln>
+        </p:spPr>
+        <p:txBody>
+          <a:bodyPr rot="0" spcFirstLastPara="1" vertOverflow="overflow" horzOverflow="overflow" vert="horz" wrap="square" lIns="91425" tIns="91425" rIns="91425" bIns="91425" numCol="1" spcCol="0" rtlCol="0" fromWordArt="0" anchor="ctr" anchorCtr="0" forceAA="0" compatLnSpc="1">
+            <a:prstTxWarp prst="textNoShape">
+              <a:avLst/>
+            </a:prstTxWarp>
+            <a:noAutofit/>
+          </a:bodyPr>
+          <a:lstStyle/>
+          <a:p>
+            <a:pPr algn="ctr"/>
+            <a:r>
+              <a:rPr lang="pt-PT" sz="1000" b="1" dirty="0">
+                <a:latin typeface="Lora"/>
+              </a:rPr>
+              <a:t>Reflete-se na qualidade do produto, que apesar de poder ser considerado com qualidade razoável, é difícil de manter e de fiabilidade baixa.</a:t>
+            </a:r>
+          </a:p>
+        </p:txBody>
+      </p:sp>
+      <p:sp>
+        <p:nvSpPr>
+          <p:cNvPr id="13" name="Seta: Em Ângulo 12">
+            <a:extLst>
+              <a:ext uri="{FF2B5EF4-FFF2-40B4-BE49-F238E27FC236}">
+                <a16:creationId xmlns:a16="http://schemas.microsoft.com/office/drawing/2014/main" id="{D1B09770-E2A9-4599-A52F-39F616F46AE8}"/>
+              </a:ext>
+            </a:extLst>
+          </p:cNvPr>
+          <p:cNvSpPr/>
+          <p:nvPr/>
+        </p:nvSpPr>
+        <p:spPr>
+          <a:xfrm rot="5400000">
+            <a:off x="5076728" y="1136740"/>
+            <a:ext cx="657530" cy="2609178"/>
+          </a:xfrm>
+          <a:prstGeom prst="bentArrow">
+            <a:avLst>
+              <a:gd name="adj1" fmla="val 8679"/>
+              <a:gd name="adj2" fmla="val 21395"/>
+              <a:gd name="adj3" fmla="val 36650"/>
+              <a:gd name="adj4" fmla="val 27685"/>
+            </a:avLst>
+          </a:prstGeom>
+          <a:noFill/>
+          <a:ln w="114300" cap="flat" cmpd="sng">
+            <a:solidFill>
+              <a:srgbClr val="FFCD00"/>
+            </a:solidFill>
+            <a:prstDash val="solid"/>
+            <a:round/>
+            <a:headEnd type="none" w="sm" len="sm"/>
+            <a:tailEnd type="none" w="sm" len="sm"/>
+          </a:ln>
+        </p:spPr>
+        <p:txBody>
+          <a:bodyPr rot="0" spcFirstLastPara="1" vertOverflow="overflow" horzOverflow="overflow" vert="horz" wrap="square" lIns="91425" tIns="91425" rIns="91425" bIns="91425" numCol="1" spcCol="0" rtlCol="0" fromWordArt="0" anchor="ctr" anchorCtr="0" forceAA="0" compatLnSpc="1">
+            <a:prstTxWarp prst="textNoShape">
+              <a:avLst/>
+            </a:prstTxWarp>
+            <a:noAutofit/>
+          </a:bodyPr>
+          <a:lstStyle/>
+          <a:p>
+            <a:pPr algn="ctr"/>
+            <a:endParaRPr lang="pt-PT" sz="1000" b="1">
+              <a:solidFill>
+                <a:srgbClr val="000000"/>
+              </a:solidFill>
+              <a:latin typeface="Lora"/>
+              <a:cs typeface="Arial"/>
+            </a:endParaRPr>
           </a:p>
         </p:txBody>
       </p:sp>
@@ -9688,8 +9976,8 @@
         </p:nvSpPr>
         <p:spPr>
           <a:xfrm>
-            <a:off x="5650" y="4163500"/>
-            <a:ext cx="9144000" cy="979800"/>
+            <a:off x="5650" y="4734598"/>
+            <a:ext cx="9144000" cy="435600"/>
           </a:xfrm>
           <a:prstGeom prst="rect">
             <a:avLst/>
@@ -10396,7 +10684,7 @@
         </p:blipFill>
         <p:spPr>
           <a:xfrm>
-            <a:off x="1489472" y="1711725"/>
+            <a:off x="1489472" y="1504819"/>
             <a:ext cx="6165056" cy="2830634"/>
           </a:xfrm>
           <a:prstGeom prst="rect">
@@ -12188,7 +12476,7 @@
         </p:blipFill>
         <p:spPr>
           <a:xfrm>
-            <a:off x="266481" y="1837583"/>
+            <a:off x="266699" y="1559613"/>
             <a:ext cx="4221892" cy="2912268"/>
           </a:xfrm>
           <a:prstGeom prst="rect">
@@ -12218,7 +12506,7 @@
         </p:blipFill>
         <p:spPr>
           <a:xfrm>
-            <a:off x="4655410" y="1818852"/>
+            <a:off x="4655152" y="1622052"/>
             <a:ext cx="4162425" cy="3127799"/>
           </a:xfrm>
           <a:prstGeom prst="rect">
@@ -14058,43 +14346,40 @@
         </p:nvSpPr>
         <p:spPr>
           <a:xfrm>
-            <a:off x="769844" y="1759130"/>
+            <a:off x="1056612" y="1759130"/>
             <a:ext cx="1808629" cy="796738"/>
           </a:xfrm>
           <a:prstGeom prst="rect">
             <a:avLst/>
           </a:prstGeom>
-          <a:solidFill>
-            <a:srgbClr val="FFFFCC"/>
-          </a:solidFill>
-          <a:ln>
+          <a:noFill/>
+          <a:ln w="114300" cap="flat" cmpd="sng">
             <a:solidFill>
-              <a:schemeClr val="tx1"/>
+              <a:srgbClr val="FFCD00"/>
             </a:solidFill>
+            <a:prstDash val="solid"/>
+            <a:round/>
+            <a:headEnd type="none" w="sm" len="sm"/>
+            <a:tailEnd type="none" w="sm" len="sm"/>
           </a:ln>
         </p:spPr>
-        <p:style>
-          <a:lnRef idx="2">
-            <a:schemeClr val="accent2"/>
-          </a:lnRef>
-          <a:fillRef idx="1">
-            <a:schemeClr val="lt1"/>
-          </a:fillRef>
-          <a:effectRef idx="0">
-            <a:schemeClr val="accent2"/>
-          </a:effectRef>
-          <a:fontRef idx="minor">
-            <a:schemeClr val="dk1"/>
-          </a:fontRef>
-        </p:style>
         <p:txBody>
-          <a:bodyPr rtlCol="0" anchor="ctr"/>
+          <a:bodyPr rot="0" spcFirstLastPara="1" vertOverflow="overflow" horzOverflow="overflow" vert="horz" wrap="square" lIns="91425" tIns="91425" rIns="91425" bIns="91425" numCol="1" spcCol="0" rtlCol="0" fromWordArt="0" anchor="ctr" anchorCtr="0" forceAA="0" compatLnSpc="1">
+            <a:prstTxWarp prst="textNoShape">
+              <a:avLst/>
+            </a:prstTxWarp>
+            <a:noAutofit/>
+          </a:bodyPr>
           <a:lstStyle/>
           <a:p>
             <a:pPr algn="ctr"/>
             <a:r>
-              <a:rPr lang="pt-PT" dirty="0">
-                <a:latin typeface="Quattrocento Sans" panose="020B0604020202020204" charset="0"/>
+              <a:rPr lang="pt-PT" sz="1000" b="1" dirty="0">
+                <a:solidFill>
+                  <a:srgbClr val="000000"/>
+                </a:solidFill>
+                <a:latin typeface="Lora"/>
+                <a:cs typeface="Arial"/>
               </a:rPr>
               <a:t>793 classes  de código desenvolvido em Java</a:t>
             </a:r>
@@ -14117,7 +14402,7 @@
         </p:nvCxnSpPr>
         <p:spPr>
           <a:xfrm>
-            <a:off x="2756647" y="2157499"/>
+            <a:off x="3043415" y="2157499"/>
             <a:ext cx="2312894" cy="0"/>
           </a:xfrm>
           <a:prstGeom prst="straightConnector1">
@@ -14156,124 +14441,157 @@
         </p:nvSpPr>
         <p:spPr>
           <a:xfrm>
-            <a:off x="5259650" y="1513490"/>
-            <a:ext cx="3114506" cy="1364992"/>
+            <a:off x="5534483" y="1523985"/>
+            <a:ext cx="2465685" cy="1344001"/>
           </a:xfrm>
           <a:prstGeom prst="rect">
             <a:avLst/>
           </a:prstGeom>
-          <a:solidFill>
-            <a:srgbClr val="FFFFCC"/>
-          </a:solidFill>
-          <a:ln>
+          <a:noFill/>
+          <a:ln w="114300" cap="flat" cmpd="sng">
             <a:solidFill>
-              <a:schemeClr val="tx1"/>
+              <a:srgbClr val="FFCD00"/>
             </a:solidFill>
+            <a:prstDash val="solid"/>
+            <a:round/>
+            <a:headEnd type="none" w="sm" len="sm"/>
+            <a:tailEnd type="none" w="sm" len="sm"/>
           </a:ln>
         </p:spPr>
-        <p:style>
-          <a:lnRef idx="2">
-            <a:schemeClr val="accent2"/>
-          </a:lnRef>
-          <a:fillRef idx="1">
-            <a:schemeClr val="lt1"/>
-          </a:fillRef>
-          <a:effectRef idx="0">
-            <a:schemeClr val="accent2"/>
-          </a:effectRef>
-          <a:fontRef idx="minor">
-            <a:schemeClr val="dk1"/>
-          </a:fontRef>
-        </p:style>
         <p:txBody>
-          <a:bodyPr rtlCol="0" anchor="ctr"/>
+          <a:bodyPr rot="0" spcFirstLastPara="1" vertOverflow="overflow" horzOverflow="overflow" vert="horz" wrap="square" lIns="91425" tIns="91425" rIns="91425" bIns="91425" numCol="1" spcCol="0" rtlCol="0" fromWordArt="0" anchor="ctr" anchorCtr="0" forceAA="0" compatLnSpc="1">
+            <a:prstTxWarp prst="textNoShape">
+              <a:avLst/>
+            </a:prstTxWarp>
+            <a:noAutofit/>
+          </a:bodyPr>
           <a:lstStyle/>
           <a:p>
-            <a:pPr marL="285750" indent="-285750">
+            <a:pPr marL="171450" indent="-171450">
               <a:buFont typeface="Arial" panose="020B0604020202020204" pitchFamily="34" charset="0"/>
               <a:buChar char="•"/>
             </a:pPr>
             <a:r>
-              <a:rPr lang="pt-PT" dirty="0" err="1">
-                <a:latin typeface="Quattrocento Sans" panose="020B0604020202020204" charset="0"/>
+              <a:rPr lang="pt-PT" sz="1000" b="1" dirty="0" err="1">
+                <a:solidFill>
+                  <a:srgbClr val="000000"/>
+                </a:solidFill>
+                <a:latin typeface="Lora"/>
+                <a:cs typeface="Arial"/>
               </a:rPr>
               <a:t>BeanShellLoader</a:t>
             </a:r>
             <a:r>
-              <a:rPr lang="pt-PT" dirty="0">
-                <a:latin typeface="Quattrocento Sans" panose="020B0604020202020204" charset="0"/>
+              <a:rPr lang="pt-PT" sz="1000" b="1" dirty="0">
+                <a:solidFill>
+                  <a:srgbClr val="000000"/>
+                </a:solidFill>
+                <a:latin typeface="Lora"/>
+                <a:cs typeface="Arial"/>
               </a:rPr>
               <a:t> (C1)</a:t>
             </a:r>
           </a:p>
           <a:p>
-            <a:pPr marL="285750" indent="-285750">
+            <a:pPr marL="171450" indent="-171450">
               <a:buFont typeface="Arial" panose="020B0604020202020204" pitchFamily="34" charset="0"/>
               <a:buChar char="•"/>
             </a:pPr>
             <a:r>
-              <a:rPr lang="pt-PT" dirty="0" err="1">
-                <a:latin typeface="Quattrocento Sans" panose="020B0604020202020204" charset="0"/>
+              <a:rPr lang="pt-PT" sz="1000" b="1" dirty="0" err="1">
+                <a:solidFill>
+                  <a:srgbClr val="000000"/>
+                </a:solidFill>
+                <a:latin typeface="Lora"/>
+                <a:cs typeface="Arial"/>
               </a:rPr>
               <a:t>HandlerUserChatDTO</a:t>
             </a:r>
             <a:r>
-              <a:rPr lang="pt-PT" dirty="0">
-                <a:latin typeface="Quattrocento Sans" panose="020B0604020202020204" charset="0"/>
+              <a:rPr lang="pt-PT" sz="1000" b="1" dirty="0">
+                <a:solidFill>
+                  <a:srgbClr val="000000"/>
+                </a:solidFill>
+                <a:latin typeface="Lora"/>
+                <a:cs typeface="Arial"/>
               </a:rPr>
               <a:t> (C2)</a:t>
             </a:r>
           </a:p>
           <a:p>
-            <a:pPr marL="285750" indent="-285750">
+            <a:pPr marL="171450" indent="-171450">
               <a:buFont typeface="Arial" panose="020B0604020202020204" pitchFamily="34" charset="0"/>
               <a:buChar char="•"/>
             </a:pPr>
             <a:r>
-              <a:rPr lang="pt-PT" dirty="0" err="1">
-                <a:latin typeface="Quattrocento Sans" panose="020B0604020202020204" charset="0"/>
+              <a:rPr lang="pt-PT" sz="1000" b="1" dirty="0" err="1">
+                <a:solidFill>
+                  <a:srgbClr val="000000"/>
+                </a:solidFill>
+                <a:latin typeface="Lora"/>
+                <a:cs typeface="Arial"/>
               </a:rPr>
               <a:t>PdfExport</a:t>
             </a:r>
             <a:r>
-              <a:rPr lang="pt-PT" dirty="0">
-                <a:latin typeface="Quattrocento Sans" panose="020B0604020202020204" charset="0"/>
+              <a:rPr lang="pt-PT" sz="1000" b="1" dirty="0">
+                <a:solidFill>
+                  <a:srgbClr val="000000"/>
+                </a:solidFill>
+                <a:latin typeface="Lora"/>
+                <a:cs typeface="Arial"/>
               </a:rPr>
               <a:t> (C3)</a:t>
             </a:r>
           </a:p>
           <a:p>
-            <a:pPr marL="285750" indent="-285750">
+            <a:pPr marL="171450" indent="-171450">
               <a:buFont typeface="Arial" panose="020B0604020202020204" pitchFamily="34" charset="0"/>
               <a:buChar char="•"/>
             </a:pPr>
             <a:r>
-              <a:rPr lang="pt-PT" dirty="0" err="1">
-                <a:latin typeface="Quattrocento Sans" panose="020B0604020202020204" charset="0"/>
+              <a:rPr lang="pt-PT" sz="1000" b="1" dirty="0" err="1">
+                <a:solidFill>
+                  <a:srgbClr val="000000"/>
+                </a:solidFill>
+                <a:latin typeface="Lora"/>
+                <a:cs typeface="Arial"/>
               </a:rPr>
               <a:t>ThreadExport</a:t>
             </a:r>
             <a:r>
-              <a:rPr lang="pt-PT" dirty="0">
-                <a:latin typeface="Quattrocento Sans" panose="020B0604020202020204" charset="0"/>
+              <a:rPr lang="pt-PT" sz="1000" b="1" dirty="0">
+                <a:solidFill>
+                  <a:srgbClr val="000000"/>
+                </a:solidFill>
+                <a:latin typeface="Lora"/>
+                <a:cs typeface="Arial"/>
               </a:rPr>
               <a:t> (C4)</a:t>
             </a:r>
           </a:p>
           <a:p>
-            <a:pPr marL="285750" indent="-285750">
+            <a:pPr marL="171450" indent="-171450">
               <a:buFont typeface="Arial" panose="020B0604020202020204" pitchFamily="34" charset="0"/>
               <a:buChar char="•"/>
             </a:pPr>
             <a:r>
-              <a:rPr lang="pt-PT" dirty="0" err="1">
-                <a:latin typeface="Quattrocento Sans" panose="020B0604020202020204" charset="0"/>
+              <a:rPr lang="pt-PT" sz="1000" b="1" dirty="0" err="1">
+                <a:solidFill>
+                  <a:srgbClr val="000000"/>
+                </a:solidFill>
+                <a:latin typeface="Lora"/>
+                <a:cs typeface="Arial"/>
               </a:rPr>
               <a:t>UnlinkExport-DataAction</a:t>
             </a:r>
             <a:r>
-              <a:rPr lang="pt-PT" dirty="0">
-                <a:latin typeface="Quattrocento Sans" panose="020B0604020202020204" charset="0"/>
+              <a:rPr lang="pt-PT" sz="1000" b="1" dirty="0">
+                <a:solidFill>
+                  <a:srgbClr val="000000"/>
+                </a:solidFill>
+                <a:latin typeface="Lora"/>
+                <a:cs typeface="Arial"/>
               </a:rPr>
               <a:t>(C5)</a:t>
             </a:r>
@@ -14294,7 +14612,7 @@
         </p:nvSpPr>
         <p:spPr>
           <a:xfrm>
-            <a:off x="3043415" y="2195986"/>
+            <a:off x="3320450" y="2195985"/>
             <a:ext cx="1681871" cy="276999"/>
           </a:xfrm>
           <a:prstGeom prst="rect">
@@ -15141,10 +15459,10 @@
       </p:sp>
       <p:pic>
         <p:nvPicPr>
-          <p:cNvPr id="10" name="Imagem 9" descr="Uma imagem com captura de ecrã&#10;&#10;Descrição gerada automaticamente">
+          <p:cNvPr id="5" name="Imagem 4" descr="Uma imagem com captura de ecrã&#10;&#10;Descrição gerada automaticamente">
             <a:extLst>
               <a:ext uri="{FF2B5EF4-FFF2-40B4-BE49-F238E27FC236}">
-                <a16:creationId xmlns:a16="http://schemas.microsoft.com/office/drawing/2014/main" id="{1B54B7DE-69D1-44D8-92B3-3B84BB934CCD}"/>
+                <a16:creationId xmlns:a16="http://schemas.microsoft.com/office/drawing/2014/main" id="{24AC0F9C-C526-4913-BE39-321538EAE8BA}"/>
               </a:ext>
             </a:extLst>
           </p:cNvPr>
@@ -15161,192 +15479,15 @@
         </p:blipFill>
         <p:spPr>
           <a:xfrm>
-            <a:off x="777646" y="1685514"/>
-            <a:ext cx="4603027" cy="2646340"/>
+            <a:off x="1984896" y="1514309"/>
+            <a:ext cx="5174207" cy="2983732"/>
           </a:xfrm>
           <a:prstGeom prst="rect">
             <a:avLst/>
           </a:prstGeom>
         </p:spPr>
       </p:pic>
-      <p:pic>
-        <p:nvPicPr>
-          <p:cNvPr id="2" name="Imagem 1">
-            <a:extLst>
-              <a:ext uri="{FF2B5EF4-FFF2-40B4-BE49-F238E27FC236}">
-                <a16:creationId xmlns:a16="http://schemas.microsoft.com/office/drawing/2014/main" id="{929873DC-917F-4620-936A-11F13EF35AED}"/>
-              </a:ext>
-            </a:extLst>
-          </p:cNvPr>
-          <p:cNvPicPr>
-            <a:picLocks noChangeAspect="1"/>
-          </p:cNvPicPr>
-          <p:nvPr/>
-        </p:nvPicPr>
-        <p:blipFill rotWithShape="1">
-          <a:blip r:embed="rId4"/>
-          <a:srcRect l="5191"/>
-          <a:stretch/>
-        </p:blipFill>
-        <p:spPr>
-          <a:xfrm>
-            <a:off x="6158753" y="1234375"/>
-            <a:ext cx="1863871" cy="555882"/>
-          </a:xfrm>
-          <a:prstGeom prst="rect">
-            <a:avLst/>
-          </a:prstGeom>
-          <a:ln w="38100" cap="sq">
-            <a:solidFill>
-              <a:srgbClr val="000000"/>
-            </a:solidFill>
-            <a:prstDash val="solid"/>
-            <a:miter lim="800000"/>
-          </a:ln>
-          <a:effectLst>
-            <a:outerShdw blurRad="50800" dist="38100" dir="2700000" algn="tl" rotWithShape="0">
-              <a:srgbClr val="000000">
-                <a:alpha val="43000"/>
-              </a:srgbClr>
-            </a:outerShdw>
-          </a:effectLst>
-        </p:spPr>
-      </p:pic>
-      <p:pic>
-        <p:nvPicPr>
-          <p:cNvPr id="3" name="Imagem 2">
-            <a:extLst>
-              <a:ext uri="{FF2B5EF4-FFF2-40B4-BE49-F238E27FC236}">
-                <a16:creationId xmlns:a16="http://schemas.microsoft.com/office/drawing/2014/main" id="{04A481D4-D7CD-4F8C-80E7-3EBFE0356071}"/>
-              </a:ext>
-            </a:extLst>
-          </p:cNvPr>
-          <p:cNvPicPr>
-            <a:picLocks noChangeAspect="1"/>
-          </p:cNvPicPr>
-          <p:nvPr/>
-        </p:nvPicPr>
-        <p:blipFill rotWithShape="1">
-          <a:blip r:embed="rId5"/>
-          <a:srcRect l="2737"/>
-          <a:stretch/>
-        </p:blipFill>
-        <p:spPr>
-          <a:xfrm>
-            <a:off x="6158753" y="2066751"/>
-            <a:ext cx="1863871" cy="578877"/>
-          </a:xfrm>
-          <a:prstGeom prst="rect">
-            <a:avLst/>
-          </a:prstGeom>
-          <a:ln w="38100" cap="sq">
-            <a:solidFill>
-              <a:srgbClr val="000000"/>
-            </a:solidFill>
-            <a:prstDash val="solid"/>
-            <a:miter lim="800000"/>
-          </a:ln>
-          <a:effectLst>
-            <a:outerShdw blurRad="50800" dist="38100" dir="2700000" algn="tl" rotWithShape="0">
-              <a:srgbClr val="000000">
-                <a:alpha val="43000"/>
-              </a:srgbClr>
-            </a:outerShdw>
-          </a:effectLst>
-        </p:spPr>
-      </p:pic>
-      <p:pic>
-        <p:nvPicPr>
-          <p:cNvPr id="6" name="Imagem 5">
-            <a:extLst>
-              <a:ext uri="{FF2B5EF4-FFF2-40B4-BE49-F238E27FC236}">
-                <a16:creationId xmlns:a16="http://schemas.microsoft.com/office/drawing/2014/main" id="{44CF407B-A62C-4625-A0AD-F1FA6670653A}"/>
-              </a:ext>
-            </a:extLst>
-          </p:cNvPr>
-          <p:cNvPicPr>
-            <a:picLocks noChangeAspect="1"/>
-          </p:cNvPicPr>
-          <p:nvPr/>
-        </p:nvPicPr>
-        <p:blipFill rotWithShape="1">
-          <a:blip r:embed="rId6"/>
-          <a:srcRect l="3123" r="2894"/>
-          <a:stretch/>
-        </p:blipFill>
-        <p:spPr>
-          <a:xfrm>
-            <a:off x="6158753" y="2922122"/>
-            <a:ext cx="1863871" cy="623565"/>
-          </a:xfrm>
-          <a:prstGeom prst="rect">
-            <a:avLst/>
-          </a:prstGeom>
-          <a:ln w="38100" cap="sq">
-            <a:solidFill>
-              <a:srgbClr val="000000"/>
-            </a:solidFill>
-            <a:prstDash val="solid"/>
-            <a:miter lim="800000"/>
-          </a:ln>
-          <a:effectLst>
-            <a:outerShdw blurRad="50800" dist="38100" dir="2700000" algn="tl" rotWithShape="0">
-              <a:srgbClr val="000000">
-                <a:alpha val="43000"/>
-              </a:srgbClr>
-            </a:outerShdw>
-          </a:effectLst>
-        </p:spPr>
-      </p:pic>
-      <p:pic>
-        <p:nvPicPr>
-          <p:cNvPr id="7" name="Imagem 6">
-            <a:extLst>
-              <a:ext uri="{FF2B5EF4-FFF2-40B4-BE49-F238E27FC236}">
-                <a16:creationId xmlns:a16="http://schemas.microsoft.com/office/drawing/2014/main" id="{3437F147-AF51-4607-ABCC-6DFC24FA45D3}"/>
-              </a:ext>
-            </a:extLst>
-          </p:cNvPr>
-          <p:cNvPicPr>
-            <a:picLocks noChangeAspect="1"/>
-          </p:cNvPicPr>
-          <p:nvPr/>
-        </p:nvPicPr>
-        <p:blipFill rotWithShape="1">
-          <a:blip r:embed="rId7"/>
-          <a:srcRect l="2041" r="5218"/>
-          <a:stretch/>
-        </p:blipFill>
-        <p:spPr>
-          <a:xfrm>
-            <a:off x="6158752" y="3822181"/>
-            <a:ext cx="1863871" cy="581025"/>
-          </a:xfrm>
-          <a:prstGeom prst="rect">
-            <a:avLst/>
-          </a:prstGeom>
-          <a:ln w="38100" cap="sq">
-            <a:solidFill>
-              <a:srgbClr val="000000"/>
-            </a:solidFill>
-            <a:prstDash val="solid"/>
-            <a:miter lim="800000"/>
-          </a:ln>
-          <a:effectLst>
-            <a:outerShdw blurRad="50800" dist="38100" dir="2700000" algn="tl" rotWithShape="0">
-              <a:srgbClr val="000000">
-                <a:alpha val="43000"/>
-              </a:srgbClr>
-            </a:outerShdw>
-          </a:effectLst>
-        </p:spPr>
-      </p:pic>
     </p:spTree>
-    <p:extLst>
-      <p:ext uri="{BB962C8B-B14F-4D97-AF65-F5344CB8AC3E}">
-        <p14:creationId xmlns:p14="http://schemas.microsoft.com/office/powerpoint/2010/main" val="2770646159"/>
-      </p:ext>
-    </p:extLst>
   </p:cSld>
   <p:clrMapOvr>
     <a:masterClrMapping/>
